--- a/PRESENTACION ALBERT.pptx
+++ b/PRESENTACION ALBERT.pptx
@@ -5,10 +5,10 @@
     <p:sldMasterId id="2147483648" r:id="rId1"/>
   </p:sldMasterIdLst>
   <p:notesMasterIdLst>
-    <p:notesMasterId r:id="rId18"/>
+    <p:notesMasterId r:id="rId19"/>
   </p:notesMasterIdLst>
   <p:handoutMasterIdLst>
-    <p:handoutMasterId r:id="rId19"/>
+    <p:handoutMasterId r:id="rId20"/>
   </p:handoutMasterIdLst>
   <p:sldIdLst>
     <p:sldId id="256" r:id="rId2"/>
@@ -19,14 +19,15 @@
     <p:sldId id="312" r:id="rId7"/>
     <p:sldId id="314" r:id="rId8"/>
     <p:sldId id="315" r:id="rId9"/>
-    <p:sldId id="317" r:id="rId10"/>
-    <p:sldId id="322" r:id="rId11"/>
-    <p:sldId id="324" r:id="rId12"/>
-    <p:sldId id="318" r:id="rId13"/>
-    <p:sldId id="320" r:id="rId14"/>
-    <p:sldId id="321" r:id="rId15"/>
-    <p:sldId id="325" r:id="rId16"/>
-    <p:sldId id="282" r:id="rId17"/>
+    <p:sldId id="326" r:id="rId10"/>
+    <p:sldId id="317" r:id="rId11"/>
+    <p:sldId id="322" r:id="rId12"/>
+    <p:sldId id="324" r:id="rId13"/>
+    <p:sldId id="318" r:id="rId14"/>
+    <p:sldId id="320" r:id="rId15"/>
+    <p:sldId id="321" r:id="rId16"/>
+    <p:sldId id="325" r:id="rId17"/>
+    <p:sldId id="282" r:id="rId18"/>
   </p:sldIdLst>
   <p:sldSz cx="12192000" cy="6858000"/>
   <p:notesSz cx="6858000" cy="9144000"/>
@@ -242,7 +243,7 @@
           <a:p>
             <a:fld id="{F6C20B68-83F5-473B-815A-1B1AD2334AD2}" type="datetimeFigureOut">
               <a:rPr lang="en-GB" smtClean="0"/>
-              <a:t>14/01/2020</a:t>
+              <a:t>15/01/2020</a:t>
             </a:fld>
             <a:endParaRPr lang="en-GB"/>
           </a:p>
@@ -419,7 +420,7 @@
           <a:p>
             <a:fld id="{2E016E0A-16CC-45D7-A99F-8500BDA2347F}" type="datetimeFigureOut">
               <a:rPr lang="en-GB" smtClean="0"/>
-              <a:t>14/01/2020</a:t>
+              <a:t>15/01/2020</a:t>
             </a:fld>
             <a:endParaRPr lang="en-GB"/>
           </a:p>
@@ -9480,7 +9481,7 @@
           <a:p>
             <a:fld id="{6AD6EE87-EBD5-4F12-A48A-63ACA297AC8F}" type="datetimeFigureOut">
               <a:rPr lang="en-US" dirty="0"/>
-              <a:t>1/14/2020</a:t>
+              <a:t>1/15/2020</a:t>
             </a:fld>
             <a:endParaRPr lang="en-US" dirty="0"/>
           </a:p>
@@ -9682,7 +9683,7 @@
           <a:p>
             <a:fld id="{4CD73815-2707-4475-8F1A-B873CB631BB4}" type="datetimeFigureOut">
               <a:rPr lang="en-US" dirty="0"/>
-              <a:t>1/14/2020</a:t>
+              <a:t>1/15/2020</a:t>
             </a:fld>
             <a:endParaRPr lang="en-US" dirty="0"/>
           </a:p>
@@ -9857,7 +9858,7 @@
           <a:p>
             <a:fld id="{2A4AFB99-0EAB-4182-AFF8-E214C82A68F6}" type="datetimeFigureOut">
               <a:rPr lang="en-US" dirty="0"/>
-              <a:t>1/14/2020</a:t>
+              <a:t>1/15/2020</a:t>
             </a:fld>
             <a:endParaRPr lang="en-US" dirty="0"/>
           </a:p>
@@ -10088,7 +10089,7 @@
           <a:p>
             <a:fld id="{A5D3794B-289A-4A80-97D7-111025398D45}" type="datetimeFigureOut">
               <a:rPr lang="en-US" dirty="0"/>
-              <a:t>1/14/2020</a:t>
+              <a:t>1/15/2020</a:t>
             </a:fld>
             <a:endParaRPr lang="en-US" dirty="0"/>
           </a:p>
@@ -18981,7 +18982,7 @@
           <a:p>
             <a:fld id="{5A61015F-7CC6-4D0A-9D87-873EA4C304CC}" type="datetimeFigureOut">
               <a:rPr lang="en-US" dirty="0"/>
-              <a:t>1/14/2020</a:t>
+              <a:t>1/15/2020</a:t>
             </a:fld>
             <a:endParaRPr lang="en-US" dirty="0"/>
           </a:p>
@@ -19250,7 +19251,7 @@
           <a:p>
             <a:fld id="{93C6A301-0538-44EC-B09D-202E1042A48B}" type="datetimeFigureOut">
               <a:rPr lang="en-US" dirty="0"/>
-              <a:t>1/14/2020</a:t>
+              <a:t>1/15/2020</a:t>
             </a:fld>
             <a:endParaRPr lang="en-US" dirty="0"/>
           </a:p>
@@ -19643,7 +19644,7 @@
           <a:p>
             <a:fld id="{D789574A-8875-45EF-8EA2-3CAA0F7ABC4C}" type="datetimeFigureOut">
               <a:rPr lang="en-US" dirty="0"/>
-              <a:t>1/14/2020</a:t>
+              <a:t>1/15/2020</a:t>
             </a:fld>
             <a:endParaRPr lang="en-US" dirty="0"/>
           </a:p>
@@ -19756,7 +19757,7 @@
           <a:p>
             <a:fld id="{67EF4D4C-5367-4C26-9E2B-D8088D7FCA81}" type="datetimeFigureOut">
               <a:rPr lang="en-US" dirty="0"/>
-              <a:t>1/14/2020</a:t>
+              <a:t>1/15/2020</a:t>
             </a:fld>
             <a:endParaRPr lang="en-US" dirty="0"/>
           </a:p>
@@ -19846,7 +19847,7 @@
           <a:p>
             <a:fld id="{56E91E96-98B0-4413-9547-46F3504108EF}" type="datetimeFigureOut">
               <a:rPr lang="en-US" dirty="0"/>
-              <a:t>1/14/2020</a:t>
+              <a:t>1/15/2020</a:t>
             </a:fld>
             <a:endParaRPr lang="en-US" dirty="0"/>
           </a:p>
@@ -20131,7 +20132,7 @@
           <a:p>
             <a:fld id="{05C68B11-C5A8-448C-8CE9-B1A273C79CFC}" type="datetimeFigureOut">
               <a:rPr lang="en-US" dirty="0"/>
-              <a:t>1/14/2020</a:t>
+              <a:t>1/15/2020</a:t>
             </a:fld>
             <a:endParaRPr lang="en-US" dirty="0"/>
           </a:p>
@@ -20406,7 +20407,7 @@
           <a:p>
             <a:fld id="{C7616CA0-919D-4A49-9C8A-62FDFB3A5183}" type="datetimeFigureOut">
               <a:rPr lang="en-US" dirty="0"/>
-              <a:t>1/14/2020</a:t>
+              <a:t>1/15/2020</a:t>
             </a:fld>
             <a:endParaRPr lang="en-US" dirty="0"/>
           </a:p>
@@ -20652,7 +20653,7 @@
             <a:fld id="{90298CD5-6C1E-4009-B41F-6DF62E31D3BE}" type="datetimeFigureOut">
               <a:rPr lang="en-US" dirty="0"/>
               <a:pPr/>
-              <a:t>1/14/2020</a:t>
+              <a:t>1/15/2020</a:t>
             </a:fld>
             <a:endParaRPr lang="en-US" dirty="0"/>
           </a:p>
@@ -21249,6 +21250,974 @@
           <p:cNvPr id="2" name="Título 1">
             <a:extLst>
               <a:ext uri="{FF2B5EF4-FFF2-40B4-BE49-F238E27FC236}">
+                <a16:creationId xmlns:a16="http://schemas.microsoft.com/office/drawing/2014/main" id="{862EEE28-F272-45A5-8A55-41208F99279F}"/>
+              </a:ext>
+            </a:extLst>
+          </p:cNvPr>
+          <p:cNvSpPr>
+            <a:spLocks noGrp="1"/>
+          </p:cNvSpPr>
+          <p:nvPr>
+            <p:ph type="title"/>
+          </p:nvPr>
+        </p:nvSpPr>
+        <p:spPr/>
+        <p:txBody>
+          <a:bodyPr/>
+          <a:lstStyle/>
+          <a:p>
+            <a:r>
+              <a:rPr lang="en-GB" dirty="0"/>
+              <a:t>The data – structure of data</a:t>
+            </a:r>
+          </a:p>
+        </p:txBody>
+      </p:sp>
+      <p:sp>
+        <p:nvSpPr>
+          <p:cNvPr id="5" name="CuadroTexto 4">
+            <a:extLst>
+              <a:ext uri="{FF2B5EF4-FFF2-40B4-BE49-F238E27FC236}">
+                <a16:creationId xmlns:a16="http://schemas.microsoft.com/office/drawing/2014/main" id="{8D45C1A8-BB7B-4703-866E-000B48EFFF4E}"/>
+              </a:ext>
+            </a:extLst>
+          </p:cNvPr>
+          <p:cNvSpPr txBox="1"/>
+          <p:nvPr/>
+        </p:nvSpPr>
+        <p:spPr>
+          <a:xfrm>
+            <a:off x="1886582" y="1230005"/>
+            <a:ext cx="3724519" cy="2313295"/>
+          </a:xfrm>
+          <a:prstGeom prst="rect">
+            <a:avLst/>
+          </a:prstGeom>
+        </p:spPr>
+        <p:txBody>
+          <a:bodyPr vert="horz" lIns="45720" tIns="45720" rIns="45720" bIns="45720" rtlCol="0" anchor="ctr" anchorCtr="0">
+            <a:normAutofit/>
+          </a:bodyPr>
+          <a:lstStyle>
+            <a:lvl1pPr marL="457200" indent="-457200" defTabSz="914400">
+              <a:lnSpc>
+                <a:spcPct val="90000"/>
+              </a:lnSpc>
+              <a:spcBef>
+                <a:spcPts val="1200"/>
+              </a:spcBef>
+              <a:spcAft>
+                <a:spcPts val="200"/>
+              </a:spcAft>
+              <a:buClr>
+                <a:schemeClr val="accent1"/>
+              </a:buClr>
+              <a:buSzPct val="100000"/>
+              <a:buFont typeface="+mj-lt"/>
+              <a:buAutoNum type="arabicPeriod"/>
+              <a:defRPr sz="3600">
+                <a:latin typeface="Calibri Light" panose="020F0302020204030204" pitchFamily="34" charset="0"/>
+                <a:cs typeface="Calibri Light" panose="020F0302020204030204" pitchFamily="34" charset="0"/>
+              </a:defRPr>
+            </a:lvl1pPr>
+            <a:lvl2pPr marL="265176" indent="-137160" defTabSz="914400">
+              <a:lnSpc>
+                <a:spcPct val="90000"/>
+              </a:lnSpc>
+              <a:spcBef>
+                <a:spcPts val="200"/>
+              </a:spcBef>
+              <a:spcAft>
+                <a:spcPts val="400"/>
+              </a:spcAft>
+              <a:buClr>
+                <a:schemeClr val="accent1"/>
+              </a:buClr>
+              <a:buFont typeface="Wingdings 3" pitchFamily="18" charset="2"/>
+              <a:buChar char=""/>
+              <a:defRPr>
+                <a:latin typeface="Calibri Light" panose="020F0302020204030204" pitchFamily="34" charset="0"/>
+                <a:cs typeface="Calibri Light" panose="020F0302020204030204" pitchFamily="34" charset="0"/>
+              </a:defRPr>
+            </a:lvl2pPr>
+            <a:lvl3pPr marL="448056" indent="-137160" defTabSz="914400">
+              <a:lnSpc>
+                <a:spcPct val="90000"/>
+              </a:lnSpc>
+              <a:spcBef>
+                <a:spcPts val="200"/>
+              </a:spcBef>
+              <a:spcAft>
+                <a:spcPts val="400"/>
+              </a:spcAft>
+              <a:buClr>
+                <a:schemeClr val="accent1"/>
+              </a:buClr>
+              <a:buFont typeface="Wingdings 3" pitchFamily="18" charset="2"/>
+              <a:buChar char=""/>
+              <a:defRPr sz="1400">
+                <a:latin typeface="Calibri Light" panose="020F0302020204030204" pitchFamily="34" charset="0"/>
+                <a:cs typeface="Calibri Light" panose="020F0302020204030204" pitchFamily="34" charset="0"/>
+              </a:defRPr>
+            </a:lvl3pPr>
+            <a:lvl4pPr marL="594360" indent="-137160" defTabSz="914400">
+              <a:lnSpc>
+                <a:spcPct val="90000"/>
+              </a:lnSpc>
+              <a:spcBef>
+                <a:spcPts val="200"/>
+              </a:spcBef>
+              <a:spcAft>
+                <a:spcPts val="400"/>
+              </a:spcAft>
+              <a:buClr>
+                <a:schemeClr val="accent1"/>
+              </a:buClr>
+              <a:buFont typeface="Wingdings 3" pitchFamily="18" charset="2"/>
+              <a:buChar char=""/>
+              <a:defRPr sz="1400">
+                <a:latin typeface="Calibri Light" panose="020F0302020204030204" pitchFamily="34" charset="0"/>
+                <a:cs typeface="Calibri Light" panose="020F0302020204030204" pitchFamily="34" charset="0"/>
+              </a:defRPr>
+            </a:lvl4pPr>
+            <a:lvl5pPr marL="777240" indent="-137160" defTabSz="914400">
+              <a:lnSpc>
+                <a:spcPct val="90000"/>
+              </a:lnSpc>
+              <a:spcBef>
+                <a:spcPts val="200"/>
+              </a:spcBef>
+              <a:spcAft>
+                <a:spcPts val="400"/>
+              </a:spcAft>
+              <a:buClr>
+                <a:schemeClr val="accent1"/>
+              </a:buClr>
+              <a:buFont typeface="Wingdings 3" pitchFamily="18" charset="2"/>
+              <a:buChar char=""/>
+              <a:defRPr sz="1400">
+                <a:latin typeface="Calibri Light" panose="020F0302020204030204" pitchFamily="34" charset="0"/>
+                <a:cs typeface="Calibri Light" panose="020F0302020204030204" pitchFamily="34" charset="0"/>
+              </a:defRPr>
+            </a:lvl5pPr>
+            <a:lvl6pPr marL="914400" indent="-137160" defTabSz="914400">
+              <a:lnSpc>
+                <a:spcPct val="90000"/>
+              </a:lnSpc>
+              <a:spcBef>
+                <a:spcPts val="200"/>
+              </a:spcBef>
+              <a:spcAft>
+                <a:spcPts val="400"/>
+              </a:spcAft>
+              <a:buClr>
+                <a:schemeClr val="accent1"/>
+              </a:buClr>
+              <a:buFont typeface="Wingdings 3" pitchFamily="18" charset="2"/>
+              <a:buChar char=""/>
+              <a:defRPr sz="1400"/>
+            </a:lvl6pPr>
+            <a:lvl7pPr marL="1060704" indent="-137160" defTabSz="914400">
+              <a:lnSpc>
+                <a:spcPct val="90000"/>
+              </a:lnSpc>
+              <a:spcBef>
+                <a:spcPts val="200"/>
+              </a:spcBef>
+              <a:spcAft>
+                <a:spcPts val="400"/>
+              </a:spcAft>
+              <a:buClr>
+                <a:schemeClr val="accent1"/>
+              </a:buClr>
+              <a:buFont typeface="Wingdings 3" pitchFamily="18" charset="2"/>
+              <a:buChar char=""/>
+              <a:defRPr sz="1400"/>
+            </a:lvl7pPr>
+            <a:lvl8pPr marL="1216152" indent="-137160" defTabSz="914400">
+              <a:lnSpc>
+                <a:spcPct val="90000"/>
+              </a:lnSpc>
+              <a:spcBef>
+                <a:spcPts val="200"/>
+              </a:spcBef>
+              <a:spcAft>
+                <a:spcPts val="400"/>
+              </a:spcAft>
+              <a:buClr>
+                <a:schemeClr val="accent1"/>
+              </a:buClr>
+              <a:buFont typeface="Wingdings 3" pitchFamily="18" charset="2"/>
+              <a:buChar char=""/>
+              <a:defRPr sz="1400"/>
+            </a:lvl8pPr>
+            <a:lvl9pPr marL="1362456" indent="-137160" defTabSz="914400">
+              <a:lnSpc>
+                <a:spcPct val="90000"/>
+              </a:lnSpc>
+              <a:spcBef>
+                <a:spcPts val="200"/>
+              </a:spcBef>
+              <a:spcAft>
+                <a:spcPts val="400"/>
+              </a:spcAft>
+              <a:buClr>
+                <a:schemeClr val="accent1"/>
+              </a:buClr>
+              <a:buFont typeface="Wingdings 3" pitchFamily="18" charset="2"/>
+              <a:buChar char=""/>
+              <a:defRPr sz="1400"/>
+            </a:lvl9pPr>
+          </a:lstStyle>
+          <a:p>
+            <a:pPr marL="571500" indent="-395288">
+              <a:buFont typeface="Wingdings" panose="05000000000000000000" pitchFamily="2" charset="2"/>
+              <a:buChar char="§"/>
+            </a:pPr>
+            <a:r>
+              <a:rPr lang="en-US" sz="1800" dirty="0"/>
+              <a:t>League (1</a:t>
+            </a:r>
+            <a:r>
+              <a:rPr lang="en-US" sz="1800" baseline="30000" dirty="0"/>
+              <a:t>st</a:t>
+            </a:r>
+            <a:r>
+              <a:rPr lang="en-US" sz="1800" dirty="0"/>
+              <a:t> or 2</a:t>
+            </a:r>
+            <a:r>
+              <a:rPr lang="en-US" sz="1800" baseline="30000" dirty="0"/>
+              <a:t>nd</a:t>
+            </a:r>
+            <a:r>
+              <a:rPr lang="en-US" sz="1800" dirty="0"/>
+              <a:t> league)</a:t>
+            </a:r>
+          </a:p>
+          <a:p>
+            <a:pPr marL="571500" indent="-395288">
+              <a:buFont typeface="Wingdings" panose="05000000000000000000" pitchFamily="2" charset="2"/>
+              <a:buChar char="§"/>
+            </a:pPr>
+            <a:r>
+              <a:rPr lang="en-US" sz="1800" dirty="0"/>
+              <a:t>Round</a:t>
+            </a:r>
+          </a:p>
+          <a:p>
+            <a:pPr marL="571500" indent="-395288">
+              <a:buFont typeface="Wingdings" panose="05000000000000000000" pitchFamily="2" charset="2"/>
+              <a:buChar char="§"/>
+            </a:pPr>
+            <a:r>
+              <a:rPr lang="en-US" sz="1800" dirty="0"/>
+              <a:t>Date of the game</a:t>
+            </a:r>
+          </a:p>
+          <a:p>
+            <a:pPr marL="571500" indent="-395288">
+              <a:buFont typeface="Wingdings" panose="05000000000000000000" pitchFamily="2" charset="2"/>
+              <a:buChar char="§"/>
+            </a:pPr>
+            <a:r>
+              <a:rPr lang="en-US" sz="1800" dirty="0"/>
+              <a:t>Home &amp; Away Team</a:t>
+            </a:r>
+          </a:p>
+          <a:p>
+            <a:pPr marL="571500" indent="-395288">
+              <a:buFont typeface="Wingdings" panose="05000000000000000000" pitchFamily="2" charset="2"/>
+              <a:buChar char="§"/>
+            </a:pPr>
+            <a:r>
+              <a:rPr lang="en-US" sz="1800" dirty="0"/>
+              <a:t>Result &amp; </a:t>
+            </a:r>
+            <a:r>
+              <a:rPr lang="en-US" sz="1800" dirty="0" err="1"/>
+              <a:t>Quiniela</a:t>
+            </a:r>
+            <a:r>
+              <a:rPr lang="en-US" sz="1800" dirty="0"/>
+              <a:t> Result (1X2)</a:t>
+            </a:r>
+          </a:p>
+        </p:txBody>
+      </p:sp>
+      <p:sp>
+        <p:nvSpPr>
+          <p:cNvPr id="8" name="CuadroTexto 7">
+            <a:extLst>
+              <a:ext uri="{FF2B5EF4-FFF2-40B4-BE49-F238E27FC236}">
+                <a16:creationId xmlns:a16="http://schemas.microsoft.com/office/drawing/2014/main" id="{EF99B3F5-7699-41B6-9026-FB83DC11A012}"/>
+              </a:ext>
+            </a:extLst>
+          </p:cNvPr>
+          <p:cNvSpPr txBox="1"/>
+          <p:nvPr/>
+        </p:nvSpPr>
+        <p:spPr>
+          <a:xfrm>
+            <a:off x="1886582" y="4244718"/>
+            <a:ext cx="3724519" cy="2216726"/>
+          </a:xfrm>
+          <a:prstGeom prst="rect">
+            <a:avLst/>
+          </a:prstGeom>
+        </p:spPr>
+        <p:txBody>
+          <a:bodyPr vert="horz" lIns="45720" tIns="45720" rIns="45720" bIns="45720" rtlCol="0" anchor="ctr" anchorCtr="0">
+            <a:normAutofit/>
+          </a:bodyPr>
+          <a:lstStyle>
+            <a:lvl1pPr marL="457200" indent="-457200" defTabSz="914400">
+              <a:lnSpc>
+                <a:spcPct val="90000"/>
+              </a:lnSpc>
+              <a:spcBef>
+                <a:spcPts val="1200"/>
+              </a:spcBef>
+              <a:spcAft>
+                <a:spcPts val="200"/>
+              </a:spcAft>
+              <a:buClr>
+                <a:schemeClr val="accent1"/>
+              </a:buClr>
+              <a:buSzPct val="100000"/>
+              <a:buFont typeface="+mj-lt"/>
+              <a:buAutoNum type="arabicPeriod"/>
+              <a:defRPr sz="3600">
+                <a:latin typeface="Calibri Light" panose="020F0302020204030204" pitchFamily="34" charset="0"/>
+                <a:cs typeface="Calibri Light" panose="020F0302020204030204" pitchFamily="34" charset="0"/>
+              </a:defRPr>
+            </a:lvl1pPr>
+            <a:lvl2pPr marL="265176" indent="-137160" defTabSz="914400">
+              <a:lnSpc>
+                <a:spcPct val="90000"/>
+              </a:lnSpc>
+              <a:spcBef>
+                <a:spcPts val="200"/>
+              </a:spcBef>
+              <a:spcAft>
+                <a:spcPts val="400"/>
+              </a:spcAft>
+              <a:buClr>
+                <a:schemeClr val="accent1"/>
+              </a:buClr>
+              <a:buFont typeface="Wingdings 3" pitchFamily="18" charset="2"/>
+              <a:buChar char=""/>
+              <a:defRPr>
+                <a:latin typeface="Calibri Light" panose="020F0302020204030204" pitchFamily="34" charset="0"/>
+                <a:cs typeface="Calibri Light" panose="020F0302020204030204" pitchFamily="34" charset="0"/>
+              </a:defRPr>
+            </a:lvl2pPr>
+            <a:lvl3pPr marL="448056" indent="-137160" defTabSz="914400">
+              <a:lnSpc>
+                <a:spcPct val="90000"/>
+              </a:lnSpc>
+              <a:spcBef>
+                <a:spcPts val="200"/>
+              </a:spcBef>
+              <a:spcAft>
+                <a:spcPts val="400"/>
+              </a:spcAft>
+              <a:buClr>
+                <a:schemeClr val="accent1"/>
+              </a:buClr>
+              <a:buFont typeface="Wingdings 3" pitchFamily="18" charset="2"/>
+              <a:buChar char=""/>
+              <a:defRPr sz="1400">
+                <a:latin typeface="Calibri Light" panose="020F0302020204030204" pitchFamily="34" charset="0"/>
+                <a:cs typeface="Calibri Light" panose="020F0302020204030204" pitchFamily="34" charset="0"/>
+              </a:defRPr>
+            </a:lvl3pPr>
+            <a:lvl4pPr marL="594360" indent="-137160" defTabSz="914400">
+              <a:lnSpc>
+                <a:spcPct val="90000"/>
+              </a:lnSpc>
+              <a:spcBef>
+                <a:spcPts val="200"/>
+              </a:spcBef>
+              <a:spcAft>
+                <a:spcPts val="400"/>
+              </a:spcAft>
+              <a:buClr>
+                <a:schemeClr val="accent1"/>
+              </a:buClr>
+              <a:buFont typeface="Wingdings 3" pitchFamily="18" charset="2"/>
+              <a:buChar char=""/>
+              <a:defRPr sz="1400">
+                <a:latin typeface="Calibri Light" panose="020F0302020204030204" pitchFamily="34" charset="0"/>
+                <a:cs typeface="Calibri Light" panose="020F0302020204030204" pitchFamily="34" charset="0"/>
+              </a:defRPr>
+            </a:lvl4pPr>
+            <a:lvl5pPr marL="777240" indent="-137160" defTabSz="914400">
+              <a:lnSpc>
+                <a:spcPct val="90000"/>
+              </a:lnSpc>
+              <a:spcBef>
+                <a:spcPts val="200"/>
+              </a:spcBef>
+              <a:spcAft>
+                <a:spcPts val="400"/>
+              </a:spcAft>
+              <a:buClr>
+                <a:schemeClr val="accent1"/>
+              </a:buClr>
+              <a:buFont typeface="Wingdings 3" pitchFamily="18" charset="2"/>
+              <a:buChar char=""/>
+              <a:defRPr sz="1400">
+                <a:latin typeface="Calibri Light" panose="020F0302020204030204" pitchFamily="34" charset="0"/>
+                <a:cs typeface="Calibri Light" panose="020F0302020204030204" pitchFamily="34" charset="0"/>
+              </a:defRPr>
+            </a:lvl5pPr>
+            <a:lvl6pPr marL="914400" indent="-137160" defTabSz="914400">
+              <a:lnSpc>
+                <a:spcPct val="90000"/>
+              </a:lnSpc>
+              <a:spcBef>
+                <a:spcPts val="200"/>
+              </a:spcBef>
+              <a:spcAft>
+                <a:spcPts val="400"/>
+              </a:spcAft>
+              <a:buClr>
+                <a:schemeClr val="accent1"/>
+              </a:buClr>
+              <a:buFont typeface="Wingdings 3" pitchFamily="18" charset="2"/>
+              <a:buChar char=""/>
+              <a:defRPr sz="1400"/>
+            </a:lvl6pPr>
+            <a:lvl7pPr marL="1060704" indent="-137160" defTabSz="914400">
+              <a:lnSpc>
+                <a:spcPct val="90000"/>
+              </a:lnSpc>
+              <a:spcBef>
+                <a:spcPts val="200"/>
+              </a:spcBef>
+              <a:spcAft>
+                <a:spcPts val="400"/>
+              </a:spcAft>
+              <a:buClr>
+                <a:schemeClr val="accent1"/>
+              </a:buClr>
+              <a:buFont typeface="Wingdings 3" pitchFamily="18" charset="2"/>
+              <a:buChar char=""/>
+              <a:defRPr sz="1400"/>
+            </a:lvl7pPr>
+            <a:lvl8pPr marL="1216152" indent="-137160" defTabSz="914400">
+              <a:lnSpc>
+                <a:spcPct val="90000"/>
+              </a:lnSpc>
+              <a:spcBef>
+                <a:spcPts val="200"/>
+              </a:spcBef>
+              <a:spcAft>
+                <a:spcPts val="400"/>
+              </a:spcAft>
+              <a:buClr>
+                <a:schemeClr val="accent1"/>
+              </a:buClr>
+              <a:buFont typeface="Wingdings 3" pitchFamily="18" charset="2"/>
+              <a:buChar char=""/>
+              <a:defRPr sz="1400"/>
+            </a:lvl8pPr>
+            <a:lvl9pPr marL="1362456" indent="-137160" defTabSz="914400">
+              <a:lnSpc>
+                <a:spcPct val="90000"/>
+              </a:lnSpc>
+              <a:spcBef>
+                <a:spcPts val="200"/>
+              </a:spcBef>
+              <a:spcAft>
+                <a:spcPts val="400"/>
+              </a:spcAft>
+              <a:buClr>
+                <a:schemeClr val="accent1"/>
+              </a:buClr>
+              <a:buFont typeface="Wingdings 3" pitchFamily="18" charset="2"/>
+              <a:buChar char=""/>
+              <a:defRPr sz="1400"/>
+            </a:lvl9pPr>
+          </a:lstStyle>
+          <a:p>
+            <a:pPr marL="571500" indent="-395288">
+              <a:buClr>
+                <a:srgbClr val="C00000"/>
+              </a:buClr>
+              <a:buFont typeface="Wingdings" panose="05000000000000000000" pitchFamily="2" charset="2"/>
+              <a:buChar char="§"/>
+            </a:pPr>
+            <a:r>
+              <a:rPr lang="en-US" sz="1800" dirty="0"/>
+              <a:t>Last 2 / 5 / 10 games results for each team (% 1X2)</a:t>
+            </a:r>
+          </a:p>
+          <a:p>
+            <a:pPr marL="571500" indent="-395288">
+              <a:buClr>
+                <a:srgbClr val="C00000"/>
+              </a:buClr>
+              <a:buFont typeface="Wingdings" panose="05000000000000000000" pitchFamily="2" charset="2"/>
+              <a:buChar char="§"/>
+            </a:pPr>
+            <a:r>
+              <a:rPr lang="en-US" sz="1800" dirty="0"/>
+              <a:t>Head to head historical results in the last 2 / 5 / 10 games</a:t>
+            </a:r>
+          </a:p>
+          <a:p>
+            <a:pPr marL="571500" indent="-395288">
+              <a:buClr>
+                <a:srgbClr val="C00000"/>
+              </a:buClr>
+              <a:buFont typeface="Wingdings" panose="05000000000000000000" pitchFamily="2" charset="2"/>
+              <a:buChar char="§"/>
+            </a:pPr>
+            <a:r>
+              <a:rPr lang="en-US" sz="1800" dirty="0"/>
+              <a:t>Away team as visitor results</a:t>
+            </a:r>
+          </a:p>
+          <a:p>
+            <a:pPr marL="571500" indent="-395288">
+              <a:buClr>
+                <a:srgbClr val="C00000"/>
+              </a:buClr>
+              <a:buFont typeface="Wingdings" panose="05000000000000000000" pitchFamily="2" charset="2"/>
+              <a:buChar char="§"/>
+            </a:pPr>
+            <a:r>
+              <a:rPr lang="en-US" sz="1800" dirty="0"/>
+              <a:t>Home team as local results</a:t>
+            </a:r>
+            <a:endParaRPr lang="en-GB" sz="1800" dirty="0"/>
+          </a:p>
+        </p:txBody>
+      </p:sp>
+      <p:sp>
+        <p:nvSpPr>
+          <p:cNvPr id="10" name="Arco 9">
+            <a:extLst>
+              <a:ext uri="{FF2B5EF4-FFF2-40B4-BE49-F238E27FC236}">
+                <a16:creationId xmlns:a16="http://schemas.microsoft.com/office/drawing/2014/main" id="{7437F298-C354-465E-8962-16AE37B03488}"/>
+              </a:ext>
+            </a:extLst>
+          </p:cNvPr>
+          <p:cNvSpPr/>
+          <p:nvPr/>
+        </p:nvSpPr>
+        <p:spPr>
+          <a:xfrm rot="10800000">
+            <a:off x="477979" y="2555469"/>
+            <a:ext cx="1111828" cy="2431473"/>
+          </a:xfrm>
+          <a:prstGeom prst="arc">
+            <a:avLst>
+              <a:gd name="adj1" fmla="val 16200000"/>
+              <a:gd name="adj2" fmla="val 5246600"/>
+            </a:avLst>
+          </a:prstGeom>
+          <a:ln w="38100">
+            <a:solidFill>
+              <a:schemeClr val="bg1">
+                <a:lumMod val="75000"/>
+              </a:schemeClr>
+            </a:solidFill>
+            <a:headEnd type="triangle"/>
+          </a:ln>
+        </p:spPr>
+        <p:style>
+          <a:lnRef idx="1">
+            <a:schemeClr val="accent1"/>
+          </a:lnRef>
+          <a:fillRef idx="0">
+            <a:schemeClr val="accent1"/>
+          </a:fillRef>
+          <a:effectRef idx="0">
+            <a:schemeClr val="accent1"/>
+          </a:effectRef>
+          <a:fontRef idx="minor">
+            <a:schemeClr val="tx1"/>
+          </a:fontRef>
+        </p:style>
+        <p:txBody>
+          <a:bodyPr rtlCol="0" anchor="ctr"/>
+          <a:lstStyle/>
+          <a:p>
+            <a:pPr algn="ctr"/>
+            <a:endParaRPr lang="en-GB"/>
+          </a:p>
+        </p:txBody>
+      </p:sp>
+      <p:sp>
+        <p:nvSpPr>
+          <p:cNvPr id="12" name="CuadroTexto 11">
+            <a:extLst>
+              <a:ext uri="{FF2B5EF4-FFF2-40B4-BE49-F238E27FC236}">
+                <a16:creationId xmlns:a16="http://schemas.microsoft.com/office/drawing/2014/main" id="{8B497722-0FC4-48E2-9820-46229DD46C97}"/>
+              </a:ext>
+            </a:extLst>
+          </p:cNvPr>
+          <p:cNvSpPr txBox="1"/>
+          <p:nvPr/>
+        </p:nvSpPr>
+        <p:spPr>
+          <a:xfrm rot="16200000">
+            <a:off x="421576" y="2259919"/>
+            <a:ext cx="2071950" cy="307777"/>
+          </a:xfrm>
+          <a:prstGeom prst="rect">
+            <a:avLst/>
+          </a:prstGeom>
+          <a:solidFill>
+            <a:schemeClr val="tx1">
+              <a:lumMod val="75000"/>
+              <a:lumOff val="25000"/>
+            </a:schemeClr>
+          </a:solidFill>
+        </p:spPr>
+        <p:txBody>
+          <a:bodyPr wrap="square" rtlCol="0">
+            <a:spAutoFit/>
+          </a:bodyPr>
+          <a:lstStyle/>
+          <a:p>
+            <a:pPr algn="ctr"/>
+            <a:r>
+              <a:rPr lang="en-GB" sz="1400" dirty="0">
+                <a:solidFill>
+                  <a:schemeClr val="bg1"/>
+                </a:solidFill>
+                <a:latin typeface="Calibri Light" panose="020F0302020204030204" pitchFamily="34" charset="0"/>
+                <a:cs typeface="Calibri Light" panose="020F0302020204030204" pitchFamily="34" charset="0"/>
+              </a:rPr>
+              <a:t>DATABASE</a:t>
+            </a:r>
+          </a:p>
+        </p:txBody>
+      </p:sp>
+      <p:sp>
+        <p:nvSpPr>
+          <p:cNvPr id="13" name="CuadroTexto 12">
+            <a:extLst>
+              <a:ext uri="{FF2B5EF4-FFF2-40B4-BE49-F238E27FC236}">
+                <a16:creationId xmlns:a16="http://schemas.microsoft.com/office/drawing/2014/main" id="{45365D1D-AADE-4EEC-9548-FAB491F35CB5}"/>
+              </a:ext>
+            </a:extLst>
+          </p:cNvPr>
+          <p:cNvSpPr txBox="1"/>
+          <p:nvPr/>
+        </p:nvSpPr>
+        <p:spPr>
+          <a:xfrm rot="16200000">
+            <a:off x="421576" y="5189150"/>
+            <a:ext cx="2071950" cy="307777"/>
+          </a:xfrm>
+          <a:prstGeom prst="rect">
+            <a:avLst/>
+          </a:prstGeom>
+          <a:solidFill>
+            <a:schemeClr val="tx1">
+              <a:lumMod val="75000"/>
+              <a:lumOff val="25000"/>
+            </a:schemeClr>
+          </a:solidFill>
+        </p:spPr>
+        <p:txBody>
+          <a:bodyPr wrap="square" rtlCol="0">
+            <a:spAutoFit/>
+          </a:bodyPr>
+          <a:lstStyle/>
+          <a:p>
+            <a:pPr algn="ctr"/>
+            <a:r>
+              <a:rPr lang="en-GB" sz="1400" dirty="0">
+                <a:solidFill>
+                  <a:schemeClr val="bg1"/>
+                </a:solidFill>
+                <a:latin typeface="Calibri Light" panose="020F0302020204030204" pitchFamily="34" charset="0"/>
+                <a:cs typeface="Calibri Light" panose="020F0302020204030204" pitchFamily="34" charset="0"/>
+              </a:rPr>
+              <a:t>FEATURE  ENGINEERING</a:t>
+            </a:r>
+          </a:p>
+        </p:txBody>
+      </p:sp>
+      <p:sp>
+        <p:nvSpPr>
+          <p:cNvPr id="14" name="CuadroTexto 13">
+            <a:extLst>
+              <a:ext uri="{FF2B5EF4-FFF2-40B4-BE49-F238E27FC236}">
+                <a16:creationId xmlns:a16="http://schemas.microsoft.com/office/drawing/2014/main" id="{79F2AFE2-FB1D-4322-AD92-ABC098A27E43}"/>
+              </a:ext>
+            </a:extLst>
+          </p:cNvPr>
+          <p:cNvSpPr txBox="1"/>
+          <p:nvPr/>
+        </p:nvSpPr>
+        <p:spPr>
+          <a:xfrm rot="16200000">
+            <a:off x="4373640" y="3724534"/>
+            <a:ext cx="5001182" cy="307777"/>
+          </a:xfrm>
+          <a:prstGeom prst="rect">
+            <a:avLst/>
+          </a:prstGeom>
+          <a:solidFill>
+            <a:schemeClr val="tx1">
+              <a:lumMod val="75000"/>
+              <a:lumOff val="25000"/>
+            </a:schemeClr>
+          </a:solidFill>
+        </p:spPr>
+        <p:txBody>
+          <a:bodyPr wrap="square" rtlCol="0">
+            <a:spAutoFit/>
+          </a:bodyPr>
+          <a:lstStyle/>
+          <a:p>
+            <a:pPr algn="ctr"/>
+            <a:r>
+              <a:rPr lang="en-GB" sz="1400" dirty="0">
+                <a:solidFill>
+                  <a:schemeClr val="bg1"/>
+                </a:solidFill>
+                <a:latin typeface="Calibri Light" panose="020F0302020204030204" pitchFamily="34" charset="0"/>
+                <a:cs typeface="Calibri Light" panose="020F0302020204030204" pitchFamily="34" charset="0"/>
+              </a:rPr>
+              <a:t>FINAL  FULL  DATABASE </a:t>
+            </a:r>
+          </a:p>
+        </p:txBody>
+      </p:sp>
+      <p:pic>
+        <p:nvPicPr>
+          <p:cNvPr id="15" name="Imagen 14">
+            <a:extLst>
+              <a:ext uri="{FF2B5EF4-FFF2-40B4-BE49-F238E27FC236}">
+                <a16:creationId xmlns:a16="http://schemas.microsoft.com/office/drawing/2014/main" id="{2BA2AFC6-6323-4EDB-8B46-4098FD5EF3EA}"/>
+              </a:ext>
+            </a:extLst>
+          </p:cNvPr>
+          <p:cNvPicPr>
+            <a:picLocks noChangeAspect="1"/>
+          </p:cNvPicPr>
+          <p:nvPr/>
+        </p:nvPicPr>
+        <p:blipFill>
+          <a:blip r:embed="rId2"/>
+          <a:stretch>
+            <a:fillRect/>
+          </a:stretch>
+        </p:blipFill>
+        <p:spPr>
+          <a:xfrm>
+            <a:off x="8171478" y="2887848"/>
+            <a:ext cx="3111718" cy="1752934"/>
+          </a:xfrm>
+          <a:prstGeom prst="rect">
+            <a:avLst/>
+          </a:prstGeom>
+        </p:spPr>
+      </p:pic>
+      <p:sp>
+        <p:nvSpPr>
+          <p:cNvPr id="18" name="Flecha: hacia abajo 17">
+            <a:extLst>
+              <a:ext uri="{FF2B5EF4-FFF2-40B4-BE49-F238E27FC236}">
+                <a16:creationId xmlns:a16="http://schemas.microsoft.com/office/drawing/2014/main" id="{D969084E-4755-49C9-A6C9-AE026F30E28F}"/>
+              </a:ext>
+            </a:extLst>
+          </p:cNvPr>
+          <p:cNvSpPr/>
+          <p:nvPr/>
+        </p:nvSpPr>
+        <p:spPr>
+          <a:xfrm rot="16200000">
+            <a:off x="7319265" y="3537409"/>
+            <a:ext cx="438105" cy="467591"/>
+          </a:xfrm>
+          <a:prstGeom prst="downArrow">
+            <a:avLst/>
+          </a:prstGeom>
+          <a:solidFill>
+            <a:schemeClr val="accent5"/>
+          </a:solidFill>
+          <a:ln>
+            <a:noFill/>
+          </a:ln>
+        </p:spPr>
+        <p:style>
+          <a:lnRef idx="2">
+            <a:schemeClr val="accent1">
+              <a:shade val="50000"/>
+            </a:schemeClr>
+          </a:lnRef>
+          <a:fillRef idx="1">
+            <a:schemeClr val="accent1"/>
+          </a:fillRef>
+          <a:effectRef idx="0">
+            <a:schemeClr val="accent1"/>
+          </a:effectRef>
+          <a:fontRef idx="minor">
+            <a:schemeClr val="lt1"/>
+          </a:fontRef>
+        </p:style>
+        <p:txBody>
+          <a:bodyPr rtlCol="0" anchor="ctr"/>
+          <a:lstStyle/>
+          <a:p>
+            <a:pPr algn="ctr"/>
+            <a:endParaRPr lang="en-GB"/>
+          </a:p>
+        </p:txBody>
+      </p:sp>
+      <p:sp>
+        <p:nvSpPr>
+          <p:cNvPr id="17" name="CuadroTexto 16">
+            <a:extLst>
+              <a:ext uri="{FF2B5EF4-FFF2-40B4-BE49-F238E27FC236}">
+                <a16:creationId xmlns:a16="http://schemas.microsoft.com/office/drawing/2014/main" id="{1E75DB90-53F1-4551-B968-5C5E7659D5E9}"/>
+              </a:ext>
+            </a:extLst>
+          </p:cNvPr>
+          <p:cNvSpPr txBox="1"/>
+          <p:nvPr/>
+        </p:nvSpPr>
+        <p:spPr>
+          <a:xfrm>
+            <a:off x="9718130" y="5209463"/>
+            <a:ext cx="2047009" cy="1169551"/>
+          </a:xfrm>
+          <a:prstGeom prst="rect">
+            <a:avLst/>
+          </a:prstGeom>
+          <a:noFill/>
+          <a:ln>
+            <a:solidFill>
+              <a:schemeClr val="bg1">
+                <a:lumMod val="75000"/>
+              </a:schemeClr>
+            </a:solidFill>
+          </a:ln>
+        </p:spPr>
+        <p:txBody>
+          <a:bodyPr wrap="square" rtlCol="0">
+            <a:spAutoFit/>
+          </a:bodyPr>
+          <a:lstStyle/>
+          <a:p>
+            <a:pPr marL="285750" indent="-285750">
+              <a:buFont typeface="Wingdings" panose="05000000000000000000" pitchFamily="2" charset="2"/>
+              <a:buChar char="§"/>
+            </a:pPr>
+            <a:r>
+              <a:rPr lang="en-GB" sz="1400" dirty="0">
+                <a:latin typeface="Calibri Light" panose="020F0302020204030204" pitchFamily="34" charset="0"/>
+                <a:cs typeface="Calibri Light" panose="020F0302020204030204" pitchFamily="34" charset="0"/>
+              </a:rPr>
+              <a:t>To learn something new</a:t>
+            </a:r>
+          </a:p>
+          <a:p>
+            <a:pPr marL="285750" indent="-285750">
+              <a:buFont typeface="Wingdings" panose="05000000000000000000" pitchFamily="2" charset="2"/>
+              <a:buChar char="§"/>
+            </a:pPr>
+            <a:r>
+              <a:rPr lang="en-GB" sz="1400" dirty="0">
+                <a:latin typeface="Calibri Light" panose="020F0302020204030204" pitchFamily="34" charset="0"/>
+                <a:cs typeface="Calibri Light" panose="020F0302020204030204" pitchFamily="34" charset="0"/>
+              </a:rPr>
+              <a:t>If offers 500MB of storage in the cloud for free forever</a:t>
+            </a:r>
+          </a:p>
+        </p:txBody>
+      </p:sp>
+      <p:pic>
+        <p:nvPicPr>
+          <p:cNvPr id="20" name="Picture 10" descr="https://static.thenounproject.com/png/1743059-200.png">
+            <a:extLst>
+              <a:ext uri="{FF2B5EF4-FFF2-40B4-BE49-F238E27FC236}">
+                <a16:creationId xmlns:a16="http://schemas.microsoft.com/office/drawing/2014/main" id="{6EA212FD-AC34-49D4-A464-0DF8582E5727}"/>
+              </a:ext>
+            </a:extLst>
+          </p:cNvPr>
+          <p:cNvPicPr>
+            <a:picLocks noChangeAspect="1" noChangeArrowheads="1"/>
+          </p:cNvPicPr>
+          <p:nvPr/>
+        </p:nvPicPr>
+        <p:blipFill>
+          <a:blip r:embed="rId3">
+            <a:extLst>
+              <a:ext uri="{28A0092B-C50C-407E-A947-70E740481C1C}">
+                <a14:useLocalDpi xmlns:a14="http://schemas.microsoft.com/office/drawing/2010/main" val="0"/>
+              </a:ext>
+            </a:extLst>
+          </a:blip>
+          <a:srcRect/>
+          <a:stretch>
+            <a:fillRect/>
+          </a:stretch>
+        </p:blipFill>
+        <p:spPr bwMode="auto">
+          <a:xfrm>
+            <a:off x="11016000" y="288000"/>
+            <a:ext cx="838800" cy="838800"/>
+          </a:xfrm>
+          <a:prstGeom prst="rect">
+            <a:avLst/>
+          </a:prstGeom>
+          <a:noFill/>
+          <a:extLst>
+            <a:ext uri="{909E8E84-426E-40DD-AFC4-6F175D3DCCD1}">
+              <a14:hiddenFill xmlns:a14="http://schemas.microsoft.com/office/drawing/2010/main">
+                <a:solidFill>
+                  <a:srgbClr val="FFFFFF"/>
+                </a:solidFill>
+              </a14:hiddenFill>
+            </a:ext>
+          </a:extLst>
+        </p:spPr>
+      </p:pic>
+    </p:spTree>
+    <p:extLst>
+      <p:ext uri="{BB962C8B-B14F-4D97-AF65-F5344CB8AC3E}">
+        <p14:creationId xmlns:p14="http://schemas.microsoft.com/office/powerpoint/2010/main" val="1076782894"/>
+      </p:ext>
+    </p:extLst>
+  </p:cSld>
+  <p:clrMapOvr>
+    <a:masterClrMapping/>
+  </p:clrMapOvr>
+</p:sld>
+</file>
+
+<file path=ppt/slides/slide11.xml><?xml version="1.0" encoding="utf-8"?>
+<p:sld xmlns:a="http://schemas.openxmlformats.org/drawingml/2006/main" xmlns:r="http://schemas.openxmlformats.org/officeDocument/2006/relationships" xmlns:p="http://schemas.openxmlformats.org/presentationml/2006/main">
+  <p:cSld>
+    <p:spTree>
+      <p:nvGrpSpPr>
+        <p:cNvPr id="1" name=""/>
+        <p:cNvGrpSpPr/>
+        <p:nvPr/>
+      </p:nvGrpSpPr>
+      <p:grpSpPr>
+        <a:xfrm>
+          <a:off x="0" y="0"/>
+          <a:ext cx="0" cy="0"/>
+          <a:chOff x="0" y="0"/>
+          <a:chExt cx="0" cy="0"/>
+        </a:xfrm>
+      </p:grpSpPr>
+      <p:sp>
+        <p:nvSpPr>
+          <p:cNvPr id="2" name="Título 1">
+            <a:extLst>
+              <a:ext uri="{FF2B5EF4-FFF2-40B4-BE49-F238E27FC236}">
                 <a16:creationId xmlns:a16="http://schemas.microsoft.com/office/drawing/2014/main" id="{2212EC8B-DCBA-4982-8638-CC3146F93285}"/>
               </a:ext>
             </a:extLst>
@@ -21472,7 +22441,7 @@
 </p:sld>
 </file>
 
-<file path=ppt/slides/slide11.xml><?xml version="1.0" encoding="utf-8"?>
+<file path=ppt/slides/slide12.xml><?xml version="1.0" encoding="utf-8"?>
 <p:sld xmlns:a="http://schemas.openxmlformats.org/drawingml/2006/main" xmlns:r="http://schemas.openxmlformats.org/officeDocument/2006/relationships" xmlns:p="http://schemas.openxmlformats.org/presentationml/2006/main">
   <p:cSld>
     <p:spTree>
@@ -21829,7 +22798,7 @@
         </p:nvSpPr>
         <p:spPr>
           <a:xfrm>
-            <a:off x="1937603" y="2931053"/>
+            <a:off x="2073403" y="2931053"/>
             <a:ext cx="328958" cy="1595890"/>
           </a:xfrm>
           <a:prstGeom prst="rightBrace">
@@ -21874,7 +22843,7 @@
         </p:nvSpPr>
         <p:spPr>
           <a:xfrm>
-            <a:off x="814071" y="3221167"/>
+            <a:off x="949871" y="3221167"/>
             <a:ext cx="1002204" cy="1015663"/>
           </a:xfrm>
           <a:prstGeom prst="rect">
@@ -21971,7 +22940,7 @@
 </p:sld>
 </file>
 
-<file path=ppt/slides/slide12.xml><?xml version="1.0" encoding="utf-8"?>
+<file path=ppt/slides/slide13.xml><?xml version="1.0" encoding="utf-8"?>
 <p:sld xmlns:a="http://schemas.openxmlformats.org/drawingml/2006/main" xmlns:r="http://schemas.openxmlformats.org/officeDocument/2006/relationships" xmlns:p="http://schemas.openxmlformats.org/presentationml/2006/main">
   <p:cSld>
     <p:spTree>
@@ -22593,7 +23562,7 @@
 </p:sld>
 </file>
 
-<file path=ppt/slides/slide13.xml><?xml version="1.0" encoding="utf-8"?>
+<file path=ppt/slides/slide14.xml><?xml version="1.0" encoding="utf-8"?>
 <p:sld xmlns:a="http://schemas.openxmlformats.org/drawingml/2006/main" xmlns:r="http://schemas.openxmlformats.org/officeDocument/2006/relationships" xmlns:p="http://schemas.openxmlformats.org/presentationml/2006/main">
   <p:cSld>
     <p:spTree>
@@ -24772,7 +25741,7 @@
 </p:sld>
 </file>
 
-<file path=ppt/slides/slide14.xml><?xml version="1.0" encoding="utf-8"?>
+<file path=ppt/slides/slide15.xml><?xml version="1.0" encoding="utf-8"?>
 <p:sld xmlns:a="http://schemas.openxmlformats.org/drawingml/2006/main" xmlns:r="http://schemas.openxmlformats.org/officeDocument/2006/relationships" xmlns:p="http://schemas.openxmlformats.org/presentationml/2006/main">
   <p:cSld>
     <p:spTree>
@@ -24838,7 +25807,7 @@
 </p:sld>
 </file>
 
-<file path=ppt/slides/slide15.xml><?xml version="1.0" encoding="utf-8"?>
+<file path=ppt/slides/slide16.xml><?xml version="1.0" encoding="utf-8"?>
 <p:sld xmlns:a="http://schemas.openxmlformats.org/drawingml/2006/main" xmlns:r="http://schemas.openxmlformats.org/officeDocument/2006/relationships" xmlns:p="http://schemas.openxmlformats.org/presentationml/2006/main">
   <p:cSld>
     <p:spTree>
@@ -25001,7 +25970,7 @@
 </p:sld>
 </file>
 
-<file path=ppt/slides/slide16.xml><?xml version="1.0" encoding="utf-8"?>
+<file path=ppt/slides/slide17.xml><?xml version="1.0" encoding="utf-8"?>
 <p:sld xmlns:a="http://schemas.openxmlformats.org/drawingml/2006/main" xmlns:r="http://schemas.openxmlformats.org/officeDocument/2006/relationships" xmlns:p="http://schemas.openxmlformats.org/presentationml/2006/main">
   <p:cSld>
     <p:spTree>
@@ -25243,7 +26212,7 @@
         </p:blipFill>
         <p:spPr bwMode="auto">
           <a:xfrm>
-            <a:off x="5571278" y="3729415"/>
+            <a:off x="7895480" y="3729415"/>
             <a:ext cx="1152000" cy="1152000"/>
           </a:xfrm>
           <a:prstGeom prst="rect">
@@ -25290,7 +26259,7 @@
         </p:blipFill>
         <p:spPr bwMode="auto">
           <a:xfrm>
-            <a:off x="3247076" y="3729415"/>
+            <a:off x="5571278" y="3729415"/>
             <a:ext cx="1152000" cy="1152000"/>
           </a:xfrm>
           <a:prstGeom prst="rect">
@@ -25408,7 +26377,7 @@
         </p:nvSpPr>
         <p:spPr>
           <a:xfrm>
-            <a:off x="5254349" y="2862012"/>
+            <a:off x="7578282" y="2862012"/>
             <a:ext cx="1782490" cy="400110"/>
           </a:xfrm>
           <a:prstGeom prst="rect">
@@ -25447,7 +26416,7 @@
         </p:nvSpPr>
         <p:spPr>
           <a:xfrm>
-            <a:off x="2930416" y="2862012"/>
+            <a:off x="5254349" y="2862012"/>
             <a:ext cx="1782490" cy="400110"/>
           </a:xfrm>
           <a:prstGeom prst="rect">
@@ -25795,7 +26764,7 @@
         </p:blipFill>
         <p:spPr bwMode="auto">
           <a:xfrm>
-            <a:off x="7895480" y="3729415"/>
+            <a:off x="3247076" y="3729415"/>
             <a:ext cx="1152000" cy="1152000"/>
           </a:xfrm>
           <a:prstGeom prst="rect">
@@ -25827,7 +26796,7 @@
         </p:nvSpPr>
         <p:spPr>
           <a:xfrm>
-            <a:off x="7578282" y="2862012"/>
+            <a:off x="2930416" y="2862012"/>
             <a:ext cx="1782490" cy="400110"/>
           </a:xfrm>
           <a:prstGeom prst="rect">
@@ -26122,7 +27091,7 @@
                                           </p:stCondLst>
                                         </p:cTn>
                                         <p:tgtEl>
-                                          <p:spTgt spid="11"/>
+                                          <p:spTgt spid="16"/>
                                         </p:tgtEl>
                                         <p:attrNameLst>
                                           <p:attrName>style.visibility</p:attrName>
@@ -26149,7 +27118,7 @@
                                           </p:stCondLst>
                                         </p:cTn>
                                         <p:tgtEl>
-                                          <p:spTgt spid="4104"/>
+                                          <p:spTgt spid="1026"/>
                                         </p:tgtEl>
                                         <p:attrNameLst>
                                           <p:attrName>style.visibility</p:attrName>
@@ -26248,7 +27217,7 @@
                                           </p:stCondLst>
                                         </p:cTn>
                                         <p:tgtEl>
-                                          <p:spTgt spid="10"/>
+                                          <p:spTgt spid="11"/>
                                         </p:tgtEl>
                                         <p:attrNameLst>
                                           <p:attrName>style.visibility</p:attrName>
@@ -26275,7 +27244,7 @@
                                           </p:stCondLst>
                                         </p:cTn>
                                         <p:tgtEl>
-                                          <p:spTgt spid="4102"/>
+                                          <p:spTgt spid="4104"/>
                                         </p:tgtEl>
                                         <p:attrNameLst>
                                           <p:attrName>style.visibility</p:attrName>
@@ -26374,7 +27343,7 @@
                                           </p:stCondLst>
                                         </p:cTn>
                                         <p:tgtEl>
-                                          <p:spTgt spid="16"/>
+                                          <p:spTgt spid="10"/>
                                         </p:tgtEl>
                                         <p:attrNameLst>
                                           <p:attrName>style.visibility</p:attrName>
@@ -26401,7 +27370,7 @@
                                           </p:stCondLst>
                                         </p:cTn>
                                         <p:tgtEl>
-                                          <p:spTgt spid="1026"/>
+                                          <p:spTgt spid="4102"/>
                                         </p:tgtEl>
                                         <p:attrNameLst>
                                           <p:attrName>style.visibility</p:attrName>
@@ -26903,6 +27872,62 @@
           </a:p>
         </p:txBody>
       </p:sp>
+      <p:pic>
+        <p:nvPicPr>
+          <p:cNvPr id="1026" name="Picture 2" descr="Resultat d'imatges de play button">
+            <a:extLst>
+              <a:ext uri="{FF2B5EF4-FFF2-40B4-BE49-F238E27FC236}">
+                <a16:creationId xmlns:a16="http://schemas.microsoft.com/office/drawing/2014/main" id="{EB42B6D2-4113-49A8-B935-7616C3A8C3BD}"/>
+              </a:ext>
+            </a:extLst>
+          </p:cNvPr>
+          <p:cNvPicPr>
+            <a:picLocks noChangeAspect="1" noChangeArrowheads="1"/>
+          </p:cNvPicPr>
+          <p:nvPr/>
+        </p:nvPicPr>
+        <p:blipFill rotWithShape="1">
+          <a:blip r:embed="rId2">
+            <a:clrChange>
+              <a:clrFrom>
+                <a:srgbClr val="FFFFFF"/>
+              </a:clrFrom>
+              <a:clrTo>
+                <a:srgbClr val="FFFFFF">
+                  <a:alpha val="0"/>
+                </a:srgbClr>
+              </a:clrTo>
+            </a:clrChange>
+            <a:lum bright="70000" contrast="-70000"/>
+            <a:extLst>
+              <a:ext uri="{28A0092B-C50C-407E-A947-70E740481C1C}">
+                <a14:useLocalDpi xmlns:a14="http://schemas.microsoft.com/office/drawing/2010/main" val="0"/>
+              </a:ext>
+            </a:extLst>
+          </a:blip>
+          <a:srcRect l="18482" t="17518" r="17728" b="18565"/>
+          <a:stretch/>
+        </p:blipFill>
+        <p:spPr bwMode="auto">
+          <a:xfrm>
+            <a:off x="8297063" y="3178210"/>
+            <a:ext cx="407229" cy="408025"/>
+          </a:xfrm>
+          <a:prstGeom prst="rect">
+            <a:avLst/>
+          </a:prstGeom>
+          <a:noFill/>
+          <a:extLst>
+            <a:ext uri="{909E8E84-426E-40DD-AFC4-6F175D3DCCD1}">
+              <a14:hiddenFill xmlns:a14="http://schemas.microsoft.com/office/drawing/2010/main">
+                <a:solidFill>
+                  <a:srgbClr val="FFFFFF"/>
+                </a:solidFill>
+              </a14:hiddenFill>
+            </a:ext>
+          </a:extLst>
+        </p:spPr>
+      </p:pic>
     </p:spTree>
     <p:extLst>
       <p:ext uri="{BB962C8B-B14F-4D97-AF65-F5344CB8AC3E}">
@@ -26965,7 +27990,7 @@
                                 </p:cTn>
                               </p:par>
                               <p:par>
-                                <p:cTn id="7" presetID="1" presetClass="entr" presetSubtype="0" fill="hold" grpId="0" nodeType="withEffect">
+                                <p:cTn id="7" presetID="1" presetClass="entr" presetSubtype="0" fill="hold" nodeType="withEffect">
                                   <p:stCondLst>
                                     <p:cond delay="0"/>
                                   </p:stCondLst>
@@ -26973,6 +27998,33 @@
                                     <p:set>
                                       <p:cBhvr>
                                         <p:cTn id="8" dur="1" fill="hold">
+                                          <p:stCondLst>
+                                            <p:cond delay="0"/>
+                                          </p:stCondLst>
+                                        </p:cTn>
+                                        <p:tgtEl>
+                                          <p:spTgt spid="1026"/>
+                                        </p:tgtEl>
+                                        <p:attrNameLst>
+                                          <p:attrName>style.visibility</p:attrName>
+                                        </p:attrNameLst>
+                                      </p:cBhvr>
+                                      <p:to>
+                                        <p:strVal val="visible"/>
+                                      </p:to>
+                                    </p:set>
+                                  </p:childTnLst>
+                                </p:cTn>
+                              </p:par>
+                              <p:par>
+                                <p:cTn id="9" presetID="1" presetClass="entr" presetSubtype="0" fill="hold" grpId="0" nodeType="withEffect">
+                                  <p:stCondLst>
+                                    <p:cond delay="0"/>
+                                  </p:stCondLst>
+                                  <p:childTnLst>
+                                    <p:set>
+                                      <p:cBhvr>
+                                        <p:cTn id="10" dur="1" fill="hold">
                                           <p:stCondLst>
                                             <p:cond delay="0"/>
                                           </p:stCondLst>
@@ -26998,26 +28050,26 @@
                     </p:cTn>
                   </p:par>
                   <p:par>
-                    <p:cTn id="9" fill="hold">
+                    <p:cTn id="11" fill="hold">
                       <p:stCondLst>
                         <p:cond delay="indefinite"/>
                       </p:stCondLst>
                       <p:childTnLst>
                         <p:par>
-                          <p:cTn id="10" fill="hold">
+                          <p:cTn id="12" fill="hold">
                             <p:stCondLst>
                               <p:cond delay="0"/>
                             </p:stCondLst>
                             <p:childTnLst>
                               <p:par>
-                                <p:cTn id="11" presetID="1" presetClass="entr" presetSubtype="0" fill="hold" nodeType="clickEffect">
+                                <p:cTn id="13" presetID="1" presetClass="entr" presetSubtype="0" fill="hold" nodeType="clickEffect">
                                   <p:stCondLst>
                                     <p:cond delay="0"/>
                                   </p:stCondLst>
                                   <p:childTnLst>
                                     <p:set>
                                       <p:cBhvr>
-                                        <p:cTn id="12" dur="1" fill="hold">
+                                        <p:cTn id="14" dur="1" fill="hold">
                                           <p:stCondLst>
                                             <p:cond delay="0"/>
                                           </p:stCondLst>
@@ -27041,14 +28093,14 @@
                                 </p:cTn>
                               </p:par>
                               <p:par>
-                                <p:cTn id="13" presetID="1" presetClass="entr" presetSubtype="0" fill="hold" grpId="0" nodeType="withEffect">
+                                <p:cTn id="15" presetID="1" presetClass="entr" presetSubtype="0" fill="hold" grpId="0" nodeType="withEffect">
                                   <p:stCondLst>
                                     <p:cond delay="0"/>
                                   </p:stCondLst>
                                   <p:childTnLst>
                                     <p:set>
                                       <p:cBhvr>
-                                        <p:cTn id="14" dur="1" fill="hold">
+                                        <p:cTn id="16" dur="1" fill="hold">
                                           <p:stCondLst>
                                             <p:cond delay="0"/>
                                           </p:stCondLst>
@@ -27074,26 +28126,26 @@
                     </p:cTn>
                   </p:par>
                   <p:par>
-                    <p:cTn id="15" fill="hold">
+                    <p:cTn id="17" fill="hold">
                       <p:stCondLst>
                         <p:cond delay="indefinite"/>
                       </p:stCondLst>
                       <p:childTnLst>
                         <p:par>
-                          <p:cTn id="16" fill="hold">
+                          <p:cTn id="18" fill="hold">
                             <p:stCondLst>
                               <p:cond delay="0"/>
                             </p:stCondLst>
                             <p:childTnLst>
                               <p:par>
-                                <p:cTn id="17" presetID="1" presetClass="entr" presetSubtype="0" fill="hold" nodeType="clickEffect">
+                                <p:cTn id="19" presetID="1" presetClass="entr" presetSubtype="0" fill="hold" nodeType="clickEffect">
                                   <p:stCondLst>
                                     <p:cond delay="0"/>
                                   </p:stCondLst>
                                   <p:childTnLst>
                                     <p:set>
                                       <p:cBhvr>
-                                        <p:cTn id="18" dur="1" fill="hold">
+                                        <p:cTn id="20" dur="1" fill="hold">
                                           <p:stCondLst>
                                             <p:cond delay="0"/>
                                           </p:stCondLst>
@@ -27117,14 +28169,14 @@
                                 </p:cTn>
                               </p:par>
                               <p:par>
-                                <p:cTn id="19" presetID="1" presetClass="entr" presetSubtype="0" fill="hold" grpId="0" nodeType="withEffect">
+                                <p:cTn id="21" presetID="1" presetClass="entr" presetSubtype="0" fill="hold" grpId="0" nodeType="withEffect">
                                   <p:stCondLst>
                                     <p:cond delay="0"/>
                                   </p:stCondLst>
                                   <p:childTnLst>
                                     <p:set>
                                       <p:cBhvr>
-                                        <p:cTn id="20" dur="1" fill="hold">
+                                        <p:cTn id="22" dur="1" fill="hold">
                                           <p:stCondLst>
                                             <p:cond delay="0"/>
                                           </p:stCondLst>
@@ -27921,6 +28973,7 @@
         <p:pic>
           <p:nvPicPr>
             <p:cNvPr id="8" name="Imagen 7">
+              <a:hlinkClick r:id="rId2" action="ppaction://hlinksldjump"/>
               <a:extLst>
                 <a:ext uri="{FF2B5EF4-FFF2-40B4-BE49-F238E27FC236}">
                   <a16:creationId xmlns:a16="http://schemas.microsoft.com/office/drawing/2014/main" id="{ED3190EA-D7B6-4420-85AA-30D99ADC3745}"/>
@@ -27933,7 +28986,7 @@
             <p:nvPr/>
           </p:nvPicPr>
           <p:blipFill>
-            <a:blip r:embed="rId2"/>
+            <a:blip r:embed="rId3"/>
             <a:stretch>
               <a:fillRect/>
             </a:stretch>
@@ -28134,7 +29187,7 @@
           <p:nvPr/>
         </p:nvPicPr>
         <p:blipFill rotWithShape="1">
-          <a:blip r:embed="rId3">
+          <a:blip r:embed="rId4">
             <a:clrChange>
               <a:clrFrom>
                 <a:srgbClr val="000000">
@@ -28354,7 +29407,7 @@
             <p:nvPr/>
           </p:nvPicPr>
           <p:blipFill>
-            <a:blip r:embed="rId4">
+            <a:blip r:embed="rId5">
               <a:extLst>
                 <a:ext uri="{28A0092B-C50C-407E-A947-70E740481C1C}">
                   <a14:useLocalDpi xmlns:a14="http://schemas.microsoft.com/office/drawing/2010/main" val="0"/>
@@ -28402,7 +29455,7 @@
           <p:nvPr/>
         </p:nvPicPr>
         <p:blipFill>
-          <a:blip r:embed="rId5">
+          <a:blip r:embed="rId6">
             <a:extLst>
               <a:ext uri="{28A0092B-C50C-407E-A947-70E740481C1C}">
                 <a14:useLocalDpi xmlns:a14="http://schemas.microsoft.com/office/drawing/2010/main" val="0"/>
@@ -28449,7 +29502,7 @@
           <p:nvPr/>
         </p:nvPicPr>
         <p:blipFill>
-          <a:blip r:embed="rId6">
+          <a:blip r:embed="rId7">
             <a:extLst>
               <a:ext uri="{28A0092B-C50C-407E-A947-70E740481C1C}">
                 <a14:useLocalDpi xmlns:a14="http://schemas.microsoft.com/office/drawing/2010/main" val="0"/>
@@ -28782,11 +29835,11 @@
           <p:nvPr/>
         </p:nvPicPr>
         <p:blipFill>
-          <a:blip r:embed="rId7">
+          <a:blip r:embed="rId8">
             <a:extLst>
               <a:ext uri="{BEBA8EAE-BF5A-486C-A8C5-ECC9F3942E4B}">
                 <a14:imgProps xmlns:a14="http://schemas.microsoft.com/office/drawing/2010/main">
-                  <a14:imgLayer r:embed="rId8">
+                  <a14:imgLayer r:embed="rId9">
                     <a14:imgEffect>
                       <a14:saturation sat="0"/>
                     </a14:imgEffect>
@@ -28824,7 +29877,7 @@
           <p:nvPr/>
         </p:nvPicPr>
         <p:blipFill>
-          <a:blip r:embed="rId9">
+          <a:blip r:embed="rId10">
             <a:extLst>
               <a:ext uri="{28A0092B-C50C-407E-A947-70E740481C1C}">
                 <a14:useLocalDpi xmlns:a14="http://schemas.microsoft.com/office/drawing/2010/main" val="0"/>
@@ -28871,7 +29924,7 @@
           <p:nvPr/>
         </p:nvPicPr>
         <p:blipFill>
-          <a:blip r:embed="rId10">
+          <a:blip r:embed="rId11">
             <a:extLst>
               <a:ext uri="{28A0092B-C50C-407E-A947-70E740481C1C}">
                 <a14:useLocalDpi xmlns:a14="http://schemas.microsoft.com/office/drawing/2010/main" val="0"/>
@@ -28917,7 +29970,7 @@
 </file>
 
 <file path=ppt/slides/slide9.xml><?xml version="1.0" encoding="utf-8"?>
-<p:sld xmlns:a="http://schemas.openxmlformats.org/drawingml/2006/main" xmlns:r="http://schemas.openxmlformats.org/officeDocument/2006/relationships" xmlns:p="http://schemas.openxmlformats.org/presentationml/2006/main">
+<p:sld xmlns:a="http://schemas.openxmlformats.org/drawingml/2006/main" xmlns:r="http://schemas.openxmlformats.org/officeDocument/2006/relationships" xmlns:p="http://schemas.openxmlformats.org/presentationml/2006/main" show="0">
   <p:cSld>
     <p:spTree>
       <p:nvGrpSpPr>
@@ -28938,7 +29991,7 @@
           <p:cNvPr id="2" name="Título 1">
             <a:extLst>
               <a:ext uri="{FF2B5EF4-FFF2-40B4-BE49-F238E27FC236}">
-                <a16:creationId xmlns:a16="http://schemas.microsoft.com/office/drawing/2014/main" id="{862EEE28-F272-45A5-8A55-41208F99279F}"/>
+                <a16:creationId xmlns:a16="http://schemas.microsoft.com/office/drawing/2014/main" id="{F4453047-2425-4233-8A95-62086D4A0897}"/>
               </a:ext>
             </a:extLst>
           </p:cNvPr>
@@ -28956,736 +30009,22 @@
           <a:p>
             <a:r>
               <a:rPr lang="en-GB" dirty="0"/>
-              <a:t>The data – structure of data</a:t>
-            </a:r>
-          </a:p>
-        </p:txBody>
-      </p:sp>
-      <p:sp>
-        <p:nvSpPr>
-          <p:cNvPr id="5" name="CuadroTexto 4">
-            <a:extLst>
-              <a:ext uri="{FF2B5EF4-FFF2-40B4-BE49-F238E27FC236}">
-                <a16:creationId xmlns:a16="http://schemas.microsoft.com/office/drawing/2014/main" id="{8D45C1A8-BB7B-4703-866E-000B48EFFF4E}"/>
-              </a:ext>
-            </a:extLst>
-          </p:cNvPr>
-          <p:cNvSpPr txBox="1"/>
-          <p:nvPr/>
-        </p:nvSpPr>
-        <p:spPr>
-          <a:xfrm>
-            <a:off x="1886582" y="1230005"/>
-            <a:ext cx="3724519" cy="2313295"/>
-          </a:xfrm>
-          <a:prstGeom prst="rect">
-            <a:avLst/>
-          </a:prstGeom>
-        </p:spPr>
-        <p:txBody>
-          <a:bodyPr vert="horz" lIns="45720" tIns="45720" rIns="45720" bIns="45720" rtlCol="0" anchor="ctr" anchorCtr="0">
-            <a:normAutofit/>
-          </a:bodyPr>
-          <a:lstStyle>
-            <a:lvl1pPr marL="457200" indent="-457200" defTabSz="914400">
-              <a:lnSpc>
-                <a:spcPct val="90000"/>
-              </a:lnSpc>
-              <a:spcBef>
-                <a:spcPts val="1200"/>
-              </a:spcBef>
-              <a:spcAft>
-                <a:spcPts val="200"/>
-              </a:spcAft>
-              <a:buClr>
-                <a:schemeClr val="accent1"/>
-              </a:buClr>
-              <a:buSzPct val="100000"/>
-              <a:buFont typeface="+mj-lt"/>
-              <a:buAutoNum type="arabicPeriod"/>
-              <a:defRPr sz="3600">
-                <a:latin typeface="Calibri Light" panose="020F0302020204030204" pitchFamily="34" charset="0"/>
-                <a:cs typeface="Calibri Light" panose="020F0302020204030204" pitchFamily="34" charset="0"/>
-              </a:defRPr>
-            </a:lvl1pPr>
-            <a:lvl2pPr marL="265176" indent="-137160" defTabSz="914400">
-              <a:lnSpc>
-                <a:spcPct val="90000"/>
-              </a:lnSpc>
-              <a:spcBef>
-                <a:spcPts val="200"/>
-              </a:spcBef>
-              <a:spcAft>
-                <a:spcPts val="400"/>
-              </a:spcAft>
-              <a:buClr>
-                <a:schemeClr val="accent1"/>
-              </a:buClr>
-              <a:buFont typeface="Wingdings 3" pitchFamily="18" charset="2"/>
-              <a:buChar char=""/>
-              <a:defRPr>
-                <a:latin typeface="Calibri Light" panose="020F0302020204030204" pitchFamily="34" charset="0"/>
-                <a:cs typeface="Calibri Light" panose="020F0302020204030204" pitchFamily="34" charset="0"/>
-              </a:defRPr>
-            </a:lvl2pPr>
-            <a:lvl3pPr marL="448056" indent="-137160" defTabSz="914400">
-              <a:lnSpc>
-                <a:spcPct val="90000"/>
-              </a:lnSpc>
-              <a:spcBef>
-                <a:spcPts val="200"/>
-              </a:spcBef>
-              <a:spcAft>
-                <a:spcPts val="400"/>
-              </a:spcAft>
-              <a:buClr>
-                <a:schemeClr val="accent1"/>
-              </a:buClr>
-              <a:buFont typeface="Wingdings 3" pitchFamily="18" charset="2"/>
-              <a:buChar char=""/>
-              <a:defRPr sz="1400">
-                <a:latin typeface="Calibri Light" panose="020F0302020204030204" pitchFamily="34" charset="0"/>
-                <a:cs typeface="Calibri Light" panose="020F0302020204030204" pitchFamily="34" charset="0"/>
-              </a:defRPr>
-            </a:lvl3pPr>
-            <a:lvl4pPr marL="594360" indent="-137160" defTabSz="914400">
-              <a:lnSpc>
-                <a:spcPct val="90000"/>
-              </a:lnSpc>
-              <a:spcBef>
-                <a:spcPts val="200"/>
-              </a:spcBef>
-              <a:spcAft>
-                <a:spcPts val="400"/>
-              </a:spcAft>
-              <a:buClr>
-                <a:schemeClr val="accent1"/>
-              </a:buClr>
-              <a:buFont typeface="Wingdings 3" pitchFamily="18" charset="2"/>
-              <a:buChar char=""/>
-              <a:defRPr sz="1400">
-                <a:latin typeface="Calibri Light" panose="020F0302020204030204" pitchFamily="34" charset="0"/>
-                <a:cs typeface="Calibri Light" panose="020F0302020204030204" pitchFamily="34" charset="0"/>
-              </a:defRPr>
-            </a:lvl4pPr>
-            <a:lvl5pPr marL="777240" indent="-137160" defTabSz="914400">
-              <a:lnSpc>
-                <a:spcPct val="90000"/>
-              </a:lnSpc>
-              <a:spcBef>
-                <a:spcPts val="200"/>
-              </a:spcBef>
-              <a:spcAft>
-                <a:spcPts val="400"/>
-              </a:spcAft>
-              <a:buClr>
-                <a:schemeClr val="accent1"/>
-              </a:buClr>
-              <a:buFont typeface="Wingdings 3" pitchFamily="18" charset="2"/>
-              <a:buChar char=""/>
-              <a:defRPr sz="1400">
-                <a:latin typeface="Calibri Light" panose="020F0302020204030204" pitchFamily="34" charset="0"/>
-                <a:cs typeface="Calibri Light" panose="020F0302020204030204" pitchFamily="34" charset="0"/>
-              </a:defRPr>
-            </a:lvl5pPr>
-            <a:lvl6pPr marL="914400" indent="-137160" defTabSz="914400">
-              <a:lnSpc>
-                <a:spcPct val="90000"/>
-              </a:lnSpc>
-              <a:spcBef>
-                <a:spcPts val="200"/>
-              </a:spcBef>
-              <a:spcAft>
-                <a:spcPts val="400"/>
-              </a:spcAft>
-              <a:buClr>
-                <a:schemeClr val="accent1"/>
-              </a:buClr>
-              <a:buFont typeface="Wingdings 3" pitchFamily="18" charset="2"/>
-              <a:buChar char=""/>
-              <a:defRPr sz="1400"/>
-            </a:lvl6pPr>
-            <a:lvl7pPr marL="1060704" indent="-137160" defTabSz="914400">
-              <a:lnSpc>
-                <a:spcPct val="90000"/>
-              </a:lnSpc>
-              <a:spcBef>
-                <a:spcPts val="200"/>
-              </a:spcBef>
-              <a:spcAft>
-                <a:spcPts val="400"/>
-              </a:spcAft>
-              <a:buClr>
-                <a:schemeClr val="accent1"/>
-              </a:buClr>
-              <a:buFont typeface="Wingdings 3" pitchFamily="18" charset="2"/>
-              <a:buChar char=""/>
-              <a:defRPr sz="1400"/>
-            </a:lvl7pPr>
-            <a:lvl8pPr marL="1216152" indent="-137160" defTabSz="914400">
-              <a:lnSpc>
-                <a:spcPct val="90000"/>
-              </a:lnSpc>
-              <a:spcBef>
-                <a:spcPts val="200"/>
-              </a:spcBef>
-              <a:spcAft>
-                <a:spcPts val="400"/>
-              </a:spcAft>
-              <a:buClr>
-                <a:schemeClr val="accent1"/>
-              </a:buClr>
-              <a:buFont typeface="Wingdings 3" pitchFamily="18" charset="2"/>
-              <a:buChar char=""/>
-              <a:defRPr sz="1400"/>
-            </a:lvl8pPr>
-            <a:lvl9pPr marL="1362456" indent="-137160" defTabSz="914400">
-              <a:lnSpc>
-                <a:spcPct val="90000"/>
-              </a:lnSpc>
-              <a:spcBef>
-                <a:spcPts val="200"/>
-              </a:spcBef>
-              <a:spcAft>
-                <a:spcPts val="400"/>
-              </a:spcAft>
-              <a:buClr>
-                <a:schemeClr val="accent1"/>
-              </a:buClr>
-              <a:buFont typeface="Wingdings 3" pitchFamily="18" charset="2"/>
-              <a:buChar char=""/>
-              <a:defRPr sz="1400"/>
-            </a:lvl9pPr>
-          </a:lstStyle>
-          <a:p>
-            <a:pPr marL="571500" indent="-395288">
-              <a:buFont typeface="Wingdings" panose="05000000000000000000" pitchFamily="2" charset="2"/>
-              <a:buChar char="§"/>
-            </a:pPr>
-            <a:r>
-              <a:rPr lang="en-US" sz="1800" dirty="0"/>
-              <a:t>League (1</a:t>
+              <a:t>What is an </a:t>
             </a:r>
             <a:r>
-              <a:rPr lang="en-US" sz="1800" baseline="30000" dirty="0"/>
-              <a:t>st</a:t>
+              <a:rPr lang="en-GB" dirty="0" err="1"/>
+              <a:t>api</a:t>
             </a:r>
-            <a:r>
-              <a:rPr lang="en-US" sz="1800" dirty="0"/>
-              <a:t> or 2</a:t>
-            </a:r>
-            <a:r>
-              <a:rPr lang="en-US" sz="1800" baseline="30000" dirty="0"/>
-              <a:t>nd</a:t>
-            </a:r>
-            <a:r>
-              <a:rPr lang="en-US" sz="1800" dirty="0"/>
-              <a:t> league)</a:t>
-            </a:r>
-          </a:p>
-          <a:p>
-            <a:pPr marL="571500" indent="-395288">
-              <a:buFont typeface="Wingdings" panose="05000000000000000000" pitchFamily="2" charset="2"/>
-              <a:buChar char="§"/>
-            </a:pPr>
-            <a:r>
-              <a:rPr lang="en-US" sz="1800" dirty="0"/>
-              <a:t>Round</a:t>
-            </a:r>
-          </a:p>
-          <a:p>
-            <a:pPr marL="571500" indent="-395288">
-              <a:buFont typeface="Wingdings" panose="05000000000000000000" pitchFamily="2" charset="2"/>
-              <a:buChar char="§"/>
-            </a:pPr>
-            <a:r>
-              <a:rPr lang="en-US" sz="1800" dirty="0"/>
-              <a:t>Date of the game</a:t>
-            </a:r>
-          </a:p>
-          <a:p>
-            <a:pPr marL="571500" indent="-395288">
-              <a:buFont typeface="Wingdings" panose="05000000000000000000" pitchFamily="2" charset="2"/>
-              <a:buChar char="§"/>
-            </a:pPr>
-            <a:r>
-              <a:rPr lang="en-US" sz="1800" dirty="0"/>
-              <a:t>Home &amp; Away Team</a:t>
-            </a:r>
-          </a:p>
-          <a:p>
-            <a:pPr marL="571500" indent="-395288">
-              <a:buFont typeface="Wingdings" panose="05000000000000000000" pitchFamily="2" charset="2"/>
-              <a:buChar char="§"/>
-            </a:pPr>
-            <a:r>
-              <a:rPr lang="en-US" sz="1800" dirty="0"/>
-              <a:t>Result &amp; </a:t>
-            </a:r>
-            <a:r>
-              <a:rPr lang="en-US" sz="1800" dirty="0" err="1"/>
-              <a:t>Quiniela</a:t>
-            </a:r>
-            <a:r>
-              <a:rPr lang="en-US" sz="1800" dirty="0"/>
-              <a:t> Result (1X2)</a:t>
-            </a:r>
-          </a:p>
-        </p:txBody>
-      </p:sp>
-      <p:sp>
-        <p:nvSpPr>
-          <p:cNvPr id="8" name="CuadroTexto 7">
-            <a:extLst>
-              <a:ext uri="{FF2B5EF4-FFF2-40B4-BE49-F238E27FC236}">
-                <a16:creationId xmlns:a16="http://schemas.microsoft.com/office/drawing/2014/main" id="{EF99B3F5-7699-41B6-9026-FB83DC11A012}"/>
-              </a:ext>
-            </a:extLst>
-          </p:cNvPr>
-          <p:cNvSpPr txBox="1"/>
-          <p:nvPr/>
-        </p:nvSpPr>
-        <p:spPr>
-          <a:xfrm>
-            <a:off x="1886582" y="4244718"/>
-            <a:ext cx="3724519" cy="2216726"/>
-          </a:xfrm>
-          <a:prstGeom prst="rect">
-            <a:avLst/>
-          </a:prstGeom>
-        </p:spPr>
-        <p:txBody>
-          <a:bodyPr vert="horz" lIns="45720" tIns="45720" rIns="45720" bIns="45720" rtlCol="0" anchor="ctr" anchorCtr="0">
-            <a:normAutofit/>
-          </a:bodyPr>
-          <a:lstStyle>
-            <a:lvl1pPr marL="457200" indent="-457200" defTabSz="914400">
-              <a:lnSpc>
-                <a:spcPct val="90000"/>
-              </a:lnSpc>
-              <a:spcBef>
-                <a:spcPts val="1200"/>
-              </a:spcBef>
-              <a:spcAft>
-                <a:spcPts val="200"/>
-              </a:spcAft>
-              <a:buClr>
-                <a:schemeClr val="accent1"/>
-              </a:buClr>
-              <a:buSzPct val="100000"/>
-              <a:buFont typeface="+mj-lt"/>
-              <a:buAutoNum type="arabicPeriod"/>
-              <a:defRPr sz="3600">
-                <a:latin typeface="Calibri Light" panose="020F0302020204030204" pitchFamily="34" charset="0"/>
-                <a:cs typeface="Calibri Light" panose="020F0302020204030204" pitchFamily="34" charset="0"/>
-              </a:defRPr>
-            </a:lvl1pPr>
-            <a:lvl2pPr marL="265176" indent="-137160" defTabSz="914400">
-              <a:lnSpc>
-                <a:spcPct val="90000"/>
-              </a:lnSpc>
-              <a:spcBef>
-                <a:spcPts val="200"/>
-              </a:spcBef>
-              <a:spcAft>
-                <a:spcPts val="400"/>
-              </a:spcAft>
-              <a:buClr>
-                <a:schemeClr val="accent1"/>
-              </a:buClr>
-              <a:buFont typeface="Wingdings 3" pitchFamily="18" charset="2"/>
-              <a:buChar char=""/>
-              <a:defRPr>
-                <a:latin typeface="Calibri Light" panose="020F0302020204030204" pitchFamily="34" charset="0"/>
-                <a:cs typeface="Calibri Light" panose="020F0302020204030204" pitchFamily="34" charset="0"/>
-              </a:defRPr>
-            </a:lvl2pPr>
-            <a:lvl3pPr marL="448056" indent="-137160" defTabSz="914400">
-              <a:lnSpc>
-                <a:spcPct val="90000"/>
-              </a:lnSpc>
-              <a:spcBef>
-                <a:spcPts val="200"/>
-              </a:spcBef>
-              <a:spcAft>
-                <a:spcPts val="400"/>
-              </a:spcAft>
-              <a:buClr>
-                <a:schemeClr val="accent1"/>
-              </a:buClr>
-              <a:buFont typeface="Wingdings 3" pitchFamily="18" charset="2"/>
-              <a:buChar char=""/>
-              <a:defRPr sz="1400">
-                <a:latin typeface="Calibri Light" panose="020F0302020204030204" pitchFamily="34" charset="0"/>
-                <a:cs typeface="Calibri Light" panose="020F0302020204030204" pitchFamily="34" charset="0"/>
-              </a:defRPr>
-            </a:lvl3pPr>
-            <a:lvl4pPr marL="594360" indent="-137160" defTabSz="914400">
-              <a:lnSpc>
-                <a:spcPct val="90000"/>
-              </a:lnSpc>
-              <a:spcBef>
-                <a:spcPts val="200"/>
-              </a:spcBef>
-              <a:spcAft>
-                <a:spcPts val="400"/>
-              </a:spcAft>
-              <a:buClr>
-                <a:schemeClr val="accent1"/>
-              </a:buClr>
-              <a:buFont typeface="Wingdings 3" pitchFamily="18" charset="2"/>
-              <a:buChar char=""/>
-              <a:defRPr sz="1400">
-                <a:latin typeface="Calibri Light" panose="020F0302020204030204" pitchFamily="34" charset="0"/>
-                <a:cs typeface="Calibri Light" panose="020F0302020204030204" pitchFamily="34" charset="0"/>
-              </a:defRPr>
-            </a:lvl4pPr>
-            <a:lvl5pPr marL="777240" indent="-137160" defTabSz="914400">
-              <a:lnSpc>
-                <a:spcPct val="90000"/>
-              </a:lnSpc>
-              <a:spcBef>
-                <a:spcPts val="200"/>
-              </a:spcBef>
-              <a:spcAft>
-                <a:spcPts val="400"/>
-              </a:spcAft>
-              <a:buClr>
-                <a:schemeClr val="accent1"/>
-              </a:buClr>
-              <a:buFont typeface="Wingdings 3" pitchFamily="18" charset="2"/>
-              <a:buChar char=""/>
-              <a:defRPr sz="1400">
-                <a:latin typeface="Calibri Light" panose="020F0302020204030204" pitchFamily="34" charset="0"/>
-                <a:cs typeface="Calibri Light" panose="020F0302020204030204" pitchFamily="34" charset="0"/>
-              </a:defRPr>
-            </a:lvl5pPr>
-            <a:lvl6pPr marL="914400" indent="-137160" defTabSz="914400">
-              <a:lnSpc>
-                <a:spcPct val="90000"/>
-              </a:lnSpc>
-              <a:spcBef>
-                <a:spcPts val="200"/>
-              </a:spcBef>
-              <a:spcAft>
-                <a:spcPts val="400"/>
-              </a:spcAft>
-              <a:buClr>
-                <a:schemeClr val="accent1"/>
-              </a:buClr>
-              <a:buFont typeface="Wingdings 3" pitchFamily="18" charset="2"/>
-              <a:buChar char=""/>
-              <a:defRPr sz="1400"/>
-            </a:lvl6pPr>
-            <a:lvl7pPr marL="1060704" indent="-137160" defTabSz="914400">
-              <a:lnSpc>
-                <a:spcPct val="90000"/>
-              </a:lnSpc>
-              <a:spcBef>
-                <a:spcPts val="200"/>
-              </a:spcBef>
-              <a:spcAft>
-                <a:spcPts val="400"/>
-              </a:spcAft>
-              <a:buClr>
-                <a:schemeClr val="accent1"/>
-              </a:buClr>
-              <a:buFont typeface="Wingdings 3" pitchFamily="18" charset="2"/>
-              <a:buChar char=""/>
-              <a:defRPr sz="1400"/>
-            </a:lvl7pPr>
-            <a:lvl8pPr marL="1216152" indent="-137160" defTabSz="914400">
-              <a:lnSpc>
-                <a:spcPct val="90000"/>
-              </a:lnSpc>
-              <a:spcBef>
-                <a:spcPts val="200"/>
-              </a:spcBef>
-              <a:spcAft>
-                <a:spcPts val="400"/>
-              </a:spcAft>
-              <a:buClr>
-                <a:schemeClr val="accent1"/>
-              </a:buClr>
-              <a:buFont typeface="Wingdings 3" pitchFamily="18" charset="2"/>
-              <a:buChar char=""/>
-              <a:defRPr sz="1400"/>
-            </a:lvl8pPr>
-            <a:lvl9pPr marL="1362456" indent="-137160" defTabSz="914400">
-              <a:lnSpc>
-                <a:spcPct val="90000"/>
-              </a:lnSpc>
-              <a:spcBef>
-                <a:spcPts val="200"/>
-              </a:spcBef>
-              <a:spcAft>
-                <a:spcPts val="400"/>
-              </a:spcAft>
-              <a:buClr>
-                <a:schemeClr val="accent1"/>
-              </a:buClr>
-              <a:buFont typeface="Wingdings 3" pitchFamily="18" charset="2"/>
-              <a:buChar char=""/>
-              <a:defRPr sz="1400"/>
-            </a:lvl9pPr>
-          </a:lstStyle>
-          <a:p>
-            <a:pPr marL="571500" indent="-395288">
-              <a:buClr>
-                <a:srgbClr val="C00000"/>
-              </a:buClr>
-              <a:buFont typeface="Wingdings" panose="05000000000000000000" pitchFamily="2" charset="2"/>
-              <a:buChar char="§"/>
-            </a:pPr>
-            <a:r>
-              <a:rPr lang="en-US" sz="1800" dirty="0"/>
-              <a:t>Last 2 / 5 / 10 games results for each team (% 1X2)</a:t>
-            </a:r>
-          </a:p>
-          <a:p>
-            <a:pPr marL="571500" indent="-395288">
-              <a:buClr>
-                <a:srgbClr val="C00000"/>
-              </a:buClr>
-              <a:buFont typeface="Wingdings" panose="05000000000000000000" pitchFamily="2" charset="2"/>
-              <a:buChar char="§"/>
-            </a:pPr>
-            <a:r>
-              <a:rPr lang="en-US" sz="1800" dirty="0"/>
-              <a:t>Head to head historical results in the last 2 / 5 / 10 games</a:t>
-            </a:r>
-          </a:p>
-          <a:p>
-            <a:pPr marL="571500" indent="-395288">
-              <a:buClr>
-                <a:srgbClr val="C00000"/>
-              </a:buClr>
-              <a:buFont typeface="Wingdings" panose="05000000000000000000" pitchFamily="2" charset="2"/>
-              <a:buChar char="§"/>
-            </a:pPr>
-            <a:r>
-              <a:rPr lang="en-US" sz="1800" dirty="0"/>
-              <a:t>Away team as visitor results</a:t>
-            </a:r>
-          </a:p>
-          <a:p>
-            <a:pPr marL="571500" indent="-395288">
-              <a:buClr>
-                <a:srgbClr val="C00000"/>
-              </a:buClr>
-              <a:buFont typeface="Wingdings" panose="05000000000000000000" pitchFamily="2" charset="2"/>
-              <a:buChar char="§"/>
-            </a:pPr>
-            <a:r>
-              <a:rPr lang="en-US" sz="1800" dirty="0"/>
-              <a:t>Home team as local results</a:t>
-            </a:r>
-            <a:endParaRPr lang="en-GB" sz="1800" dirty="0"/>
-          </a:p>
-        </p:txBody>
-      </p:sp>
-      <p:sp>
-        <p:nvSpPr>
-          <p:cNvPr id="10" name="Arco 9">
-            <a:extLst>
-              <a:ext uri="{FF2B5EF4-FFF2-40B4-BE49-F238E27FC236}">
-                <a16:creationId xmlns:a16="http://schemas.microsoft.com/office/drawing/2014/main" id="{7437F298-C354-465E-8962-16AE37B03488}"/>
-              </a:ext>
-            </a:extLst>
-          </p:cNvPr>
-          <p:cNvSpPr/>
-          <p:nvPr/>
-        </p:nvSpPr>
-        <p:spPr>
-          <a:xfrm rot="10800000">
-            <a:off x="477979" y="2555469"/>
-            <a:ext cx="1111828" cy="2431473"/>
-          </a:xfrm>
-          <a:prstGeom prst="arc">
-            <a:avLst>
-              <a:gd name="adj1" fmla="val 16200000"/>
-              <a:gd name="adj2" fmla="val 5246600"/>
-            </a:avLst>
-          </a:prstGeom>
-          <a:ln w="38100">
-            <a:solidFill>
-              <a:schemeClr val="bg1">
-                <a:lumMod val="75000"/>
-              </a:schemeClr>
-            </a:solidFill>
-            <a:headEnd type="triangle"/>
-          </a:ln>
-        </p:spPr>
-        <p:style>
-          <a:lnRef idx="1">
-            <a:schemeClr val="accent1"/>
-          </a:lnRef>
-          <a:fillRef idx="0">
-            <a:schemeClr val="accent1"/>
-          </a:fillRef>
-          <a:effectRef idx="0">
-            <a:schemeClr val="accent1"/>
-          </a:effectRef>
-          <a:fontRef idx="minor">
-            <a:schemeClr val="tx1"/>
-          </a:fontRef>
-        </p:style>
-        <p:txBody>
-          <a:bodyPr rtlCol="0" anchor="ctr"/>
-          <a:lstStyle/>
-          <a:p>
-            <a:pPr algn="ctr"/>
-            <a:endParaRPr lang="en-GB"/>
-          </a:p>
-        </p:txBody>
-      </p:sp>
-      <p:sp>
-        <p:nvSpPr>
-          <p:cNvPr id="12" name="CuadroTexto 11">
-            <a:extLst>
-              <a:ext uri="{FF2B5EF4-FFF2-40B4-BE49-F238E27FC236}">
-                <a16:creationId xmlns:a16="http://schemas.microsoft.com/office/drawing/2014/main" id="{8B497722-0FC4-48E2-9820-46229DD46C97}"/>
-              </a:ext>
-            </a:extLst>
-          </p:cNvPr>
-          <p:cNvSpPr txBox="1"/>
-          <p:nvPr/>
-        </p:nvSpPr>
-        <p:spPr>
-          <a:xfrm rot="16200000">
-            <a:off x="421576" y="2259919"/>
-            <a:ext cx="2071950" cy="307777"/>
-          </a:xfrm>
-          <a:prstGeom prst="rect">
-            <a:avLst/>
-          </a:prstGeom>
-          <a:solidFill>
-            <a:schemeClr val="tx1">
-              <a:lumMod val="75000"/>
-              <a:lumOff val="25000"/>
-            </a:schemeClr>
-          </a:solidFill>
-        </p:spPr>
-        <p:txBody>
-          <a:bodyPr wrap="square" rtlCol="0">
-            <a:spAutoFit/>
-          </a:bodyPr>
-          <a:lstStyle/>
-          <a:p>
-            <a:pPr algn="ctr"/>
-            <a:r>
-              <a:rPr lang="en-GB" sz="1400" dirty="0">
-                <a:solidFill>
-                  <a:schemeClr val="bg1"/>
-                </a:solidFill>
-                <a:latin typeface="Calibri Light" panose="020F0302020204030204" pitchFamily="34" charset="0"/>
-                <a:cs typeface="Calibri Light" panose="020F0302020204030204" pitchFamily="34" charset="0"/>
-              </a:rPr>
-              <a:t>DATABASE</a:t>
-            </a:r>
-          </a:p>
-        </p:txBody>
-      </p:sp>
-      <p:sp>
-        <p:nvSpPr>
-          <p:cNvPr id="13" name="CuadroTexto 12">
-            <a:extLst>
-              <a:ext uri="{FF2B5EF4-FFF2-40B4-BE49-F238E27FC236}">
-                <a16:creationId xmlns:a16="http://schemas.microsoft.com/office/drawing/2014/main" id="{45365D1D-AADE-4EEC-9548-FAB491F35CB5}"/>
-              </a:ext>
-            </a:extLst>
-          </p:cNvPr>
-          <p:cNvSpPr txBox="1"/>
-          <p:nvPr/>
-        </p:nvSpPr>
-        <p:spPr>
-          <a:xfrm rot="16200000">
-            <a:off x="421576" y="5189150"/>
-            <a:ext cx="2071950" cy="307777"/>
-          </a:xfrm>
-          <a:prstGeom prst="rect">
-            <a:avLst/>
-          </a:prstGeom>
-          <a:solidFill>
-            <a:schemeClr val="tx1">
-              <a:lumMod val="75000"/>
-              <a:lumOff val="25000"/>
-            </a:schemeClr>
-          </a:solidFill>
-        </p:spPr>
-        <p:txBody>
-          <a:bodyPr wrap="square" rtlCol="0">
-            <a:spAutoFit/>
-          </a:bodyPr>
-          <a:lstStyle/>
-          <a:p>
-            <a:pPr algn="ctr"/>
-            <a:r>
-              <a:rPr lang="en-GB" sz="1400" dirty="0">
-                <a:solidFill>
-                  <a:schemeClr val="bg1"/>
-                </a:solidFill>
-                <a:latin typeface="Calibri Light" panose="020F0302020204030204" pitchFamily="34" charset="0"/>
-                <a:cs typeface="Calibri Light" panose="020F0302020204030204" pitchFamily="34" charset="0"/>
-              </a:rPr>
-              <a:t>FEATURE  ENGINEERING</a:t>
-            </a:r>
-          </a:p>
-        </p:txBody>
-      </p:sp>
-      <p:sp>
-        <p:nvSpPr>
-          <p:cNvPr id="14" name="CuadroTexto 13">
-            <a:extLst>
-              <a:ext uri="{FF2B5EF4-FFF2-40B4-BE49-F238E27FC236}">
-                <a16:creationId xmlns:a16="http://schemas.microsoft.com/office/drawing/2014/main" id="{79F2AFE2-FB1D-4322-AD92-ABC098A27E43}"/>
-              </a:ext>
-            </a:extLst>
-          </p:cNvPr>
-          <p:cNvSpPr txBox="1"/>
-          <p:nvPr/>
-        </p:nvSpPr>
-        <p:spPr>
-          <a:xfrm rot="16200000">
-            <a:off x="4373640" y="3724534"/>
-            <a:ext cx="5001182" cy="307777"/>
-          </a:xfrm>
-          <a:prstGeom prst="rect">
-            <a:avLst/>
-          </a:prstGeom>
-          <a:solidFill>
-            <a:schemeClr val="tx1">
-              <a:lumMod val="75000"/>
-              <a:lumOff val="25000"/>
-            </a:schemeClr>
-          </a:solidFill>
-        </p:spPr>
-        <p:txBody>
-          <a:bodyPr wrap="square" rtlCol="0">
-            <a:spAutoFit/>
-          </a:bodyPr>
-          <a:lstStyle/>
-          <a:p>
-            <a:pPr algn="ctr"/>
-            <a:r>
-              <a:rPr lang="en-GB" sz="1400" dirty="0">
-                <a:solidFill>
-                  <a:schemeClr val="bg1"/>
-                </a:solidFill>
-                <a:latin typeface="Calibri Light" panose="020F0302020204030204" pitchFamily="34" charset="0"/>
-                <a:cs typeface="Calibri Light" panose="020F0302020204030204" pitchFamily="34" charset="0"/>
-              </a:rPr>
-              <a:t>FINAL  FULL  DATABASE </a:t>
-            </a:r>
+            <a:endParaRPr lang="en-GB" dirty="0"/>
           </a:p>
         </p:txBody>
       </p:sp>
       <p:pic>
         <p:nvPicPr>
-          <p:cNvPr id="15" name="Imagen 14">
+          <p:cNvPr id="4" name="Imagen 3">
             <a:extLst>
               <a:ext uri="{FF2B5EF4-FFF2-40B4-BE49-F238E27FC236}">
-                <a16:creationId xmlns:a16="http://schemas.microsoft.com/office/drawing/2014/main" id="{2BA2AFC6-6323-4EDB-8B46-4098FD5EF3EA}"/>
+                <a16:creationId xmlns:a16="http://schemas.microsoft.com/office/drawing/2014/main" id="{64790677-F5CF-4CFB-B2D1-7A27B7F95E3F}"/>
               </a:ext>
             </a:extLst>
           </p:cNvPr>
@@ -29702,72 +30041,56 @@
         </p:blipFill>
         <p:spPr>
           <a:xfrm>
-            <a:off x="8171478" y="2887848"/>
-            <a:ext cx="3111718" cy="1752934"/>
+            <a:off x="7251826" y="1178832"/>
+            <a:ext cx="1020455" cy="1020455"/>
           </a:xfrm>
           <a:prstGeom prst="rect">
             <a:avLst/>
           </a:prstGeom>
         </p:spPr>
       </p:pic>
-      <p:sp>
-        <p:nvSpPr>
-          <p:cNvPr id="18" name="Flecha: hacia abajo 17">
+      <p:pic>
+        <p:nvPicPr>
+          <p:cNvPr id="5" name="Imagen 4">
             <a:extLst>
               <a:ext uri="{FF2B5EF4-FFF2-40B4-BE49-F238E27FC236}">
-                <a16:creationId xmlns:a16="http://schemas.microsoft.com/office/drawing/2014/main" id="{D969084E-4755-49C9-A6C9-AE026F30E28F}"/>
+                <a16:creationId xmlns:a16="http://schemas.microsoft.com/office/drawing/2014/main" id="{23ABCD90-0D52-4C21-9095-363534216154}"/>
               </a:ext>
             </a:extLst>
           </p:cNvPr>
-          <p:cNvSpPr/>
+          <p:cNvPicPr>
+            <a:picLocks noChangeAspect="1"/>
+          </p:cNvPicPr>
           <p:nvPr/>
-        </p:nvSpPr>
+        </p:nvPicPr>
+        <p:blipFill rotWithShape="1">
+          <a:blip r:embed="rId3"/>
+          <a:srcRect l="41927" t="12775" r="1413"/>
+          <a:stretch/>
+        </p:blipFill>
         <p:spPr>
-          <a:xfrm rot="16200000">
-            <a:off x="7319265" y="3537409"/>
-            <a:ext cx="438105" cy="467591"/>
+          <a:xfrm>
+            <a:off x="1010488" y="1220147"/>
+            <a:ext cx="5869075" cy="5646905"/>
           </a:xfrm>
-          <a:prstGeom prst="downArrow">
+          <a:prstGeom prst="rect">
             <a:avLst/>
           </a:prstGeom>
-          <a:solidFill>
-            <a:schemeClr val="accent5"/>
-          </a:solidFill>
-          <a:ln>
-            <a:noFill/>
+          <a:ln w="6350">
+            <a:solidFill>
+              <a:schemeClr val="bg1">
+                <a:lumMod val="75000"/>
+              </a:schemeClr>
+            </a:solidFill>
           </a:ln>
         </p:spPr>
-        <p:style>
-          <a:lnRef idx="2">
-            <a:schemeClr val="accent1">
-              <a:shade val="50000"/>
-            </a:schemeClr>
-          </a:lnRef>
-          <a:fillRef idx="1">
-            <a:schemeClr val="accent1"/>
-          </a:fillRef>
-          <a:effectRef idx="0">
-            <a:schemeClr val="accent1"/>
-          </a:effectRef>
-          <a:fontRef idx="minor">
-            <a:schemeClr val="lt1"/>
-          </a:fontRef>
-        </p:style>
-        <p:txBody>
-          <a:bodyPr rtlCol="0" anchor="ctr"/>
-          <a:lstStyle/>
-          <a:p>
-            <a:pPr algn="ctr"/>
-            <a:endParaRPr lang="en-GB"/>
-          </a:p>
-        </p:txBody>
-      </p:sp>
+      </p:pic>
       <p:sp>
         <p:nvSpPr>
-          <p:cNvPr id="17" name="CuadroTexto 16">
+          <p:cNvPr id="6" name="CuadroTexto 5">
             <a:extLst>
               <a:ext uri="{FF2B5EF4-FFF2-40B4-BE49-F238E27FC236}">
-                <a16:creationId xmlns:a16="http://schemas.microsoft.com/office/drawing/2014/main" id="{1E75DB90-53F1-4551-B968-5C5E7659D5E9}"/>
+                <a16:creationId xmlns:a16="http://schemas.microsoft.com/office/drawing/2014/main" id="{A79A607B-F710-468F-8496-7BCC0319AAFD}"/>
               </a:ext>
             </a:extLst>
           </p:cNvPr>
@@ -29776,20 +30099,13 @@
         </p:nvSpPr>
         <p:spPr>
           <a:xfrm>
-            <a:off x="9723958" y="5424907"/>
-            <a:ext cx="2047009" cy="1169551"/>
+            <a:off x="7251826" y="2344848"/>
+            <a:ext cx="3929686" cy="3139321"/>
           </a:xfrm>
           <a:prstGeom prst="rect">
             <a:avLst/>
           </a:prstGeom>
           <a:noFill/>
-          <a:ln>
-            <a:solidFill>
-              <a:schemeClr val="bg1">
-                <a:lumMod val="75000"/>
-              </a:schemeClr>
-            </a:solidFill>
-          </a:ln>
         </p:spPr>
         <p:txBody>
           <a:bodyPr wrap="square" rtlCol="0">
@@ -29797,84 +30113,166 @@
           </a:bodyPr>
           <a:lstStyle/>
           <a:p>
-            <a:pPr marL="285750" indent="-285750">
-              <a:buFont typeface="Wingdings" panose="05000000000000000000" pitchFamily="2" charset="2"/>
-              <a:buChar char="§"/>
-            </a:pPr>
             <a:r>
-              <a:rPr lang="en-GB" sz="1400" dirty="0">
+              <a:rPr lang="en-US" dirty="0">
                 <a:latin typeface="Calibri Light" panose="020F0302020204030204" pitchFamily="34" charset="0"/>
                 <a:cs typeface="Calibri Light" panose="020F0302020204030204" pitchFamily="34" charset="0"/>
               </a:rPr>
-              <a:t>To learn something new</a:t>
+              <a:t>API is the acronym for Application Programming Interface, which is a software intermediary that allows two applications to talk to each other. </a:t>
             </a:r>
           </a:p>
           <a:p>
-            <a:pPr marL="285750" indent="-285750">
-              <a:buFont typeface="Wingdings" panose="05000000000000000000" pitchFamily="2" charset="2"/>
-              <a:buChar char="§"/>
-            </a:pPr>
+            <a:endParaRPr lang="en-US" dirty="0">
+              <a:latin typeface="Calibri Light" panose="020F0302020204030204" pitchFamily="34" charset="0"/>
+              <a:cs typeface="Calibri Light" panose="020F0302020204030204" pitchFamily="34" charset="0"/>
+            </a:endParaRPr>
+          </a:p>
+          <a:p>
             <a:r>
-              <a:rPr lang="en-GB" sz="1400" dirty="0">
+              <a:rPr lang="en-US" dirty="0">
                 <a:latin typeface="Calibri Light" panose="020F0302020204030204" pitchFamily="34" charset="0"/>
                 <a:cs typeface="Calibri Light" panose="020F0302020204030204" pitchFamily="34" charset="0"/>
               </a:rPr>
-              <a:t>If offers 500MB of storage in the cloud for free forever</a:t>
+              <a:t>In this case is the way that </a:t>
             </a:r>
+            <a:r>
+              <a:rPr lang="en-US" dirty="0" err="1">
+                <a:latin typeface="Calibri Light" panose="020F0302020204030204" pitchFamily="34" charset="0"/>
+                <a:cs typeface="Calibri Light" panose="020F0302020204030204" pitchFamily="34" charset="0"/>
+              </a:rPr>
+              <a:t>Quinielas</a:t>
+            </a:r>
+            <a:r>
+              <a:rPr lang="en-US" dirty="0">
+                <a:latin typeface="Calibri Light" panose="020F0302020204030204" pitchFamily="34" charset="0"/>
+                <a:cs typeface="Calibri Light" panose="020F0302020204030204" pitchFamily="34" charset="0"/>
+              </a:rPr>
+              <a:t> has to access the data stored in </a:t>
+            </a:r>
+            <a:r>
+              <a:rPr lang="es-ES" dirty="0">
+                <a:latin typeface="Calibri Light" panose="020F0302020204030204" pitchFamily="34" charset="0"/>
+                <a:cs typeface="Calibri Light" panose="020F0302020204030204" pitchFamily="34" charset="0"/>
+                <a:hlinkClick r:id="rId4">
+                  <a:extLst>
+                    <a:ext uri="{A12FA001-AC4F-418D-AE19-62706E023703}">
+                      <ahyp:hlinkClr xmlns:ahyp="http://schemas.microsoft.com/office/drawing/2018/hyperlinkcolor" val="tx"/>
+                    </a:ext>
+                  </a:extLst>
+                </a:hlinkClick>
+              </a:rPr>
+              <a:t>https://</a:t>
+            </a:r>
+            <a:r>
+              <a:rPr lang="es-ES" dirty="0">
+                <a:latin typeface="Calibri Light" panose="020F0302020204030204" pitchFamily="34" charset="0"/>
+                <a:cs typeface="Calibri Light" panose="020F0302020204030204" pitchFamily="34" charset="0"/>
+                <a:hlinkClick r:id="rId4">
+                  <a:extLst>
+                    <a:ext uri="{A12FA001-AC4F-418D-AE19-62706E023703}">
+                      <ahyp:hlinkClr xmlns:ahyp="http://schemas.microsoft.com/office/drawing/2018/hyperlinkcolor" val="tx"/>
+                    </a:ext>
+                  </a:extLst>
+                </a:hlinkClick>
+              </a:rPr>
+              <a:t>www.api-football.com</a:t>
+            </a:r>
+            <a:r>
+              <a:rPr lang="es-ES" dirty="0">
+                <a:latin typeface="Calibri Light" panose="020F0302020204030204" pitchFamily="34" charset="0"/>
+                <a:cs typeface="Calibri Light" panose="020F0302020204030204" pitchFamily="34" charset="0"/>
+                <a:hlinkClick r:id="rId4">
+                  <a:extLst>
+                    <a:ext uri="{A12FA001-AC4F-418D-AE19-62706E023703}">
+                      <ahyp:hlinkClr xmlns:ahyp="http://schemas.microsoft.com/office/drawing/2018/hyperlinkcolor" val="tx"/>
+                    </a:ext>
+                  </a:extLst>
+                </a:hlinkClick>
+              </a:rPr>
+              <a:t>/</a:t>
+            </a:r>
+            <a:r>
+              <a:rPr lang="es-ES" dirty="0">
+                <a:latin typeface="Calibri Light" panose="020F0302020204030204" pitchFamily="34" charset="0"/>
+                <a:cs typeface="Calibri Light" panose="020F0302020204030204" pitchFamily="34" charset="0"/>
+              </a:rPr>
+              <a:t> and </a:t>
+            </a:r>
+            <a:r>
+              <a:rPr lang="es-ES" dirty="0" err="1">
+                <a:latin typeface="Calibri Light" panose="020F0302020204030204" pitchFamily="34" charset="0"/>
+                <a:cs typeface="Calibri Light" panose="020F0302020204030204" pitchFamily="34" charset="0"/>
+              </a:rPr>
+              <a:t>download</a:t>
+            </a:r>
+            <a:r>
+              <a:rPr lang="es-ES" dirty="0">
+                <a:latin typeface="Calibri Light" panose="020F0302020204030204" pitchFamily="34" charset="0"/>
+                <a:cs typeface="Calibri Light" panose="020F0302020204030204" pitchFamily="34" charset="0"/>
+              </a:rPr>
+              <a:t> </a:t>
+            </a:r>
+            <a:r>
+              <a:rPr lang="es-ES" dirty="0" err="1">
+                <a:latin typeface="Calibri Light" panose="020F0302020204030204" pitchFamily="34" charset="0"/>
+                <a:cs typeface="Calibri Light" panose="020F0302020204030204" pitchFamily="34" charset="0"/>
+              </a:rPr>
+              <a:t>it</a:t>
+            </a:r>
+            <a:r>
+              <a:rPr lang="es-ES" dirty="0">
+                <a:latin typeface="Calibri Light" panose="020F0302020204030204" pitchFamily="34" charset="0"/>
+                <a:cs typeface="Calibri Light" panose="020F0302020204030204" pitchFamily="34" charset="0"/>
+              </a:rPr>
+              <a:t> in </a:t>
+            </a:r>
+            <a:r>
+              <a:rPr lang="es-ES" dirty="0" err="1">
+                <a:latin typeface="Calibri Light" panose="020F0302020204030204" pitchFamily="34" charset="0"/>
+                <a:cs typeface="Calibri Light" panose="020F0302020204030204" pitchFamily="34" charset="0"/>
+              </a:rPr>
+              <a:t>json</a:t>
+            </a:r>
+            <a:r>
+              <a:rPr lang="es-ES" dirty="0">
+                <a:latin typeface="Calibri Light" panose="020F0302020204030204" pitchFamily="34" charset="0"/>
+                <a:cs typeface="Calibri Light" panose="020F0302020204030204" pitchFamily="34" charset="0"/>
+              </a:rPr>
+              <a:t> </a:t>
+            </a:r>
+            <a:r>
+              <a:rPr lang="es-ES" dirty="0" err="1">
+                <a:latin typeface="Calibri Light" panose="020F0302020204030204" pitchFamily="34" charset="0"/>
+                <a:cs typeface="Calibri Light" panose="020F0302020204030204" pitchFamily="34" charset="0"/>
+              </a:rPr>
+              <a:t>format</a:t>
+            </a:r>
+            <a:r>
+              <a:rPr lang="es-ES" dirty="0">
+                <a:latin typeface="Calibri Light" panose="020F0302020204030204" pitchFamily="34" charset="0"/>
+                <a:cs typeface="Calibri Light" panose="020F0302020204030204" pitchFamily="34" charset="0"/>
+              </a:rPr>
+              <a:t>.</a:t>
+            </a:r>
+          </a:p>
+          <a:p>
+            <a:endParaRPr lang="es-ES" dirty="0">
+              <a:latin typeface="Calibri Light" panose="020F0302020204030204" pitchFamily="34" charset="0"/>
+              <a:cs typeface="Calibri Light" panose="020F0302020204030204" pitchFamily="34" charset="0"/>
+            </a:endParaRPr>
+          </a:p>
+          <a:p>
+            <a:endParaRPr lang="en-GB" dirty="0">
+              <a:latin typeface="Calibri Light" panose="020F0302020204030204" pitchFamily="34" charset="0"/>
+              <a:cs typeface="Calibri Light" panose="020F0302020204030204" pitchFamily="34" charset="0"/>
+            </a:endParaRPr>
           </a:p>
         </p:txBody>
       </p:sp>
-      <p:pic>
-        <p:nvPicPr>
-          <p:cNvPr id="20" name="Picture 10" descr="https://static.thenounproject.com/png/1743059-200.png">
-            <a:extLst>
-              <a:ext uri="{FF2B5EF4-FFF2-40B4-BE49-F238E27FC236}">
-                <a16:creationId xmlns:a16="http://schemas.microsoft.com/office/drawing/2014/main" id="{6EA212FD-AC34-49D4-A464-0DF8582E5727}"/>
-              </a:ext>
-            </a:extLst>
-          </p:cNvPr>
-          <p:cNvPicPr>
-            <a:picLocks noChangeAspect="1" noChangeArrowheads="1"/>
-          </p:cNvPicPr>
-          <p:nvPr/>
-        </p:nvPicPr>
-        <p:blipFill>
-          <a:blip r:embed="rId3">
-            <a:extLst>
-              <a:ext uri="{28A0092B-C50C-407E-A947-70E740481C1C}">
-                <a14:useLocalDpi xmlns:a14="http://schemas.microsoft.com/office/drawing/2010/main" val="0"/>
-              </a:ext>
-            </a:extLst>
-          </a:blip>
-          <a:srcRect/>
-          <a:stretch>
-            <a:fillRect/>
-          </a:stretch>
-        </p:blipFill>
-        <p:spPr bwMode="auto">
-          <a:xfrm>
-            <a:off x="11016000" y="288000"/>
-            <a:ext cx="838800" cy="838800"/>
-          </a:xfrm>
-          <a:prstGeom prst="rect">
-            <a:avLst/>
-          </a:prstGeom>
-          <a:noFill/>
-          <a:extLst>
-            <a:ext uri="{909E8E84-426E-40DD-AFC4-6F175D3DCCD1}">
-              <a14:hiddenFill xmlns:a14="http://schemas.microsoft.com/office/drawing/2010/main">
-                <a:solidFill>
-                  <a:srgbClr val="FFFFFF"/>
-                </a:solidFill>
-              </a14:hiddenFill>
-            </a:ext>
-          </a:extLst>
-        </p:spPr>
-      </p:pic>
     </p:spTree>
     <p:extLst>
       <p:ext uri="{BB962C8B-B14F-4D97-AF65-F5344CB8AC3E}">
-        <p14:creationId xmlns:p14="http://schemas.microsoft.com/office/powerpoint/2010/main" val="1076782894"/>
+        <p14:creationId xmlns:p14="http://schemas.microsoft.com/office/powerpoint/2010/main" val="848837283"/>
       </p:ext>
     </p:extLst>
   </p:cSld>

--- a/PRESENTACION ALBERT.pptx
+++ b/PRESENTACION ALBERT.pptx
@@ -5,10 +5,10 @@
     <p:sldMasterId id="2147483648" r:id="rId1"/>
   </p:sldMasterIdLst>
   <p:notesMasterIdLst>
-    <p:notesMasterId r:id="rId19"/>
+    <p:notesMasterId r:id="rId20"/>
   </p:notesMasterIdLst>
   <p:handoutMasterIdLst>
-    <p:handoutMasterId r:id="rId20"/>
+    <p:handoutMasterId r:id="rId21"/>
   </p:handoutMasterIdLst>
   <p:sldIdLst>
     <p:sldId id="256" r:id="rId2"/>
@@ -22,12 +22,13 @@
     <p:sldId id="326" r:id="rId10"/>
     <p:sldId id="317" r:id="rId11"/>
     <p:sldId id="322" r:id="rId12"/>
-    <p:sldId id="324" r:id="rId13"/>
-    <p:sldId id="318" r:id="rId14"/>
-    <p:sldId id="320" r:id="rId15"/>
-    <p:sldId id="321" r:id="rId16"/>
-    <p:sldId id="325" r:id="rId17"/>
-    <p:sldId id="282" r:id="rId18"/>
+    <p:sldId id="327" r:id="rId13"/>
+    <p:sldId id="324" r:id="rId14"/>
+    <p:sldId id="318" r:id="rId15"/>
+    <p:sldId id="320" r:id="rId16"/>
+    <p:sldId id="321" r:id="rId17"/>
+    <p:sldId id="325" r:id="rId18"/>
+    <p:sldId id="282" r:id="rId19"/>
   </p:sldIdLst>
   <p:sldSz cx="12192000" cy="6858000"/>
   <p:notesSz cx="6858000" cy="9144000"/>
@@ -149,6 +150,2561 @@
 </p:cmAuthorLst>
 </file>
 
+<file path=ppt/charts/chart1.xml><?xml version="1.0" encoding="utf-8"?>
+<c:chartSpace xmlns:c="http://schemas.openxmlformats.org/drawingml/2006/chart" xmlns:a="http://schemas.openxmlformats.org/drawingml/2006/main" xmlns:r="http://schemas.openxmlformats.org/officeDocument/2006/relationships" xmlns:c16r2="http://schemas.microsoft.com/office/drawing/2015/06/chart">
+  <c:date1904 val="0"/>
+  <c:lang val="es-ES"/>
+  <c:roundedCorners val="0"/>
+  <mc:AlternateContent xmlns:mc="http://schemas.openxmlformats.org/markup-compatibility/2006">
+    <mc:Choice xmlns:c14="http://schemas.microsoft.com/office/drawing/2007/8/2/chart" Requires="c14">
+      <c14:style val="102"/>
+    </mc:Choice>
+    <mc:Fallback>
+      <c:style val="2"/>
+    </mc:Fallback>
+  </mc:AlternateContent>
+  <c:chart>
+    <c:autoTitleDeleted val="1"/>
+    <c:plotArea>
+      <c:layout>
+        <c:manualLayout>
+          <c:layoutTarget val="inner"/>
+          <c:xMode val="edge"/>
+          <c:yMode val="edge"/>
+          <c:x val="4.4709511779959778E-2"/>
+          <c:y val="3.0562736025614216E-2"/>
+          <c:w val="0.92823941996164516"/>
+          <c:h val="0.80758468512638104"/>
+        </c:manualLayout>
+      </c:layout>
+      <c:scatterChart>
+        <c:scatterStyle val="lineMarker"/>
+        <c:varyColors val="0"/>
+        <c:ser>
+          <c:idx val="0"/>
+          <c:order val="0"/>
+          <c:tx>
+            <c:strRef>
+              <c:f>Hoja1!$B$1</c:f>
+              <c:strCache>
+                <c:ptCount val="1"/>
+                <c:pt idx="0">
+                  <c:v>1%</c:v>
+                </c:pt>
+              </c:strCache>
+            </c:strRef>
+          </c:tx>
+          <c:spPr>
+            <a:ln w="28575" cap="rnd">
+              <a:solidFill>
+                <a:srgbClr val="C00000"/>
+              </a:solidFill>
+              <a:round/>
+            </a:ln>
+            <a:effectLst/>
+          </c:spPr>
+          <c:marker>
+            <c:symbol val="none"/>
+          </c:marker>
+          <c:xVal>
+            <c:numRef>
+              <c:f>Hoja1!$A$2:$A$92</c:f>
+              <c:numCache>
+                <c:formatCode>General</c:formatCode>
+                <c:ptCount val="91"/>
+                <c:pt idx="0">
+                  <c:v>1928</c:v>
+                </c:pt>
+                <c:pt idx="1">
+                  <c:v>1929</c:v>
+                </c:pt>
+                <c:pt idx="2">
+                  <c:v>1930</c:v>
+                </c:pt>
+                <c:pt idx="3">
+                  <c:v>1931</c:v>
+                </c:pt>
+                <c:pt idx="4">
+                  <c:v>1932</c:v>
+                </c:pt>
+                <c:pt idx="5">
+                  <c:v>1933</c:v>
+                </c:pt>
+                <c:pt idx="6">
+                  <c:v>1934</c:v>
+                </c:pt>
+                <c:pt idx="7">
+                  <c:v>1935</c:v>
+                </c:pt>
+                <c:pt idx="8">
+                  <c:v>1936</c:v>
+                </c:pt>
+                <c:pt idx="9">
+                  <c:v>1937</c:v>
+                </c:pt>
+                <c:pt idx="10">
+                  <c:v>1938</c:v>
+                </c:pt>
+                <c:pt idx="11">
+                  <c:v>1939</c:v>
+                </c:pt>
+                <c:pt idx="12">
+                  <c:v>1940</c:v>
+                </c:pt>
+                <c:pt idx="13">
+                  <c:v>1941</c:v>
+                </c:pt>
+                <c:pt idx="14">
+                  <c:v>1942</c:v>
+                </c:pt>
+                <c:pt idx="15">
+                  <c:v>1943</c:v>
+                </c:pt>
+                <c:pt idx="16">
+                  <c:v>1944</c:v>
+                </c:pt>
+                <c:pt idx="17">
+                  <c:v>1945</c:v>
+                </c:pt>
+                <c:pt idx="18">
+                  <c:v>1946</c:v>
+                </c:pt>
+                <c:pt idx="19">
+                  <c:v>1947</c:v>
+                </c:pt>
+                <c:pt idx="20">
+                  <c:v>1948</c:v>
+                </c:pt>
+                <c:pt idx="21">
+                  <c:v>1949</c:v>
+                </c:pt>
+                <c:pt idx="22">
+                  <c:v>1950</c:v>
+                </c:pt>
+                <c:pt idx="23">
+                  <c:v>1951</c:v>
+                </c:pt>
+                <c:pt idx="24">
+                  <c:v>1952</c:v>
+                </c:pt>
+                <c:pt idx="25">
+                  <c:v>1953</c:v>
+                </c:pt>
+                <c:pt idx="26">
+                  <c:v>1954</c:v>
+                </c:pt>
+                <c:pt idx="27">
+                  <c:v>1955</c:v>
+                </c:pt>
+                <c:pt idx="28">
+                  <c:v>1956</c:v>
+                </c:pt>
+                <c:pt idx="29">
+                  <c:v>1957</c:v>
+                </c:pt>
+                <c:pt idx="30">
+                  <c:v>1958</c:v>
+                </c:pt>
+                <c:pt idx="31">
+                  <c:v>1959</c:v>
+                </c:pt>
+                <c:pt idx="32">
+                  <c:v>1960</c:v>
+                </c:pt>
+                <c:pt idx="33">
+                  <c:v>1961</c:v>
+                </c:pt>
+                <c:pt idx="34">
+                  <c:v>1962</c:v>
+                </c:pt>
+                <c:pt idx="35">
+                  <c:v>1963</c:v>
+                </c:pt>
+                <c:pt idx="36">
+                  <c:v>1964</c:v>
+                </c:pt>
+                <c:pt idx="37">
+                  <c:v>1965</c:v>
+                </c:pt>
+                <c:pt idx="38">
+                  <c:v>1966</c:v>
+                </c:pt>
+                <c:pt idx="39">
+                  <c:v>1967</c:v>
+                </c:pt>
+                <c:pt idx="40">
+                  <c:v>1968</c:v>
+                </c:pt>
+                <c:pt idx="41">
+                  <c:v>1969</c:v>
+                </c:pt>
+                <c:pt idx="42">
+                  <c:v>1970</c:v>
+                </c:pt>
+                <c:pt idx="43">
+                  <c:v>1971</c:v>
+                </c:pt>
+                <c:pt idx="44">
+                  <c:v>1972</c:v>
+                </c:pt>
+                <c:pt idx="45">
+                  <c:v>1973</c:v>
+                </c:pt>
+                <c:pt idx="46">
+                  <c:v>1974</c:v>
+                </c:pt>
+                <c:pt idx="47">
+                  <c:v>1975</c:v>
+                </c:pt>
+                <c:pt idx="48">
+                  <c:v>1976</c:v>
+                </c:pt>
+                <c:pt idx="49">
+                  <c:v>1977</c:v>
+                </c:pt>
+                <c:pt idx="50">
+                  <c:v>1978</c:v>
+                </c:pt>
+                <c:pt idx="51">
+                  <c:v>1979</c:v>
+                </c:pt>
+                <c:pt idx="52">
+                  <c:v>1980</c:v>
+                </c:pt>
+                <c:pt idx="53">
+                  <c:v>1981</c:v>
+                </c:pt>
+                <c:pt idx="54">
+                  <c:v>1982</c:v>
+                </c:pt>
+                <c:pt idx="55">
+                  <c:v>1983</c:v>
+                </c:pt>
+                <c:pt idx="56">
+                  <c:v>1984</c:v>
+                </c:pt>
+                <c:pt idx="57">
+                  <c:v>1985</c:v>
+                </c:pt>
+                <c:pt idx="58">
+                  <c:v>1986</c:v>
+                </c:pt>
+                <c:pt idx="59">
+                  <c:v>1987</c:v>
+                </c:pt>
+                <c:pt idx="60">
+                  <c:v>1988</c:v>
+                </c:pt>
+                <c:pt idx="61">
+                  <c:v>1989</c:v>
+                </c:pt>
+                <c:pt idx="62">
+                  <c:v>1990</c:v>
+                </c:pt>
+                <c:pt idx="63">
+                  <c:v>1991</c:v>
+                </c:pt>
+                <c:pt idx="64">
+                  <c:v>1992</c:v>
+                </c:pt>
+                <c:pt idx="65">
+                  <c:v>1993</c:v>
+                </c:pt>
+                <c:pt idx="66">
+                  <c:v>1994</c:v>
+                </c:pt>
+                <c:pt idx="67">
+                  <c:v>1995</c:v>
+                </c:pt>
+                <c:pt idx="68">
+                  <c:v>1996</c:v>
+                </c:pt>
+                <c:pt idx="69">
+                  <c:v>1997</c:v>
+                </c:pt>
+                <c:pt idx="70">
+                  <c:v>1998</c:v>
+                </c:pt>
+                <c:pt idx="71">
+                  <c:v>1999</c:v>
+                </c:pt>
+                <c:pt idx="72">
+                  <c:v>2000</c:v>
+                </c:pt>
+                <c:pt idx="73">
+                  <c:v>2001</c:v>
+                </c:pt>
+                <c:pt idx="74">
+                  <c:v>2002</c:v>
+                </c:pt>
+                <c:pt idx="75">
+                  <c:v>2003</c:v>
+                </c:pt>
+                <c:pt idx="76">
+                  <c:v>2004</c:v>
+                </c:pt>
+                <c:pt idx="77">
+                  <c:v>2005</c:v>
+                </c:pt>
+                <c:pt idx="78">
+                  <c:v>2006</c:v>
+                </c:pt>
+                <c:pt idx="79">
+                  <c:v>2007</c:v>
+                </c:pt>
+                <c:pt idx="80">
+                  <c:v>2008</c:v>
+                </c:pt>
+                <c:pt idx="81">
+                  <c:v>2009</c:v>
+                </c:pt>
+                <c:pt idx="82">
+                  <c:v>2010</c:v>
+                </c:pt>
+                <c:pt idx="83">
+                  <c:v>2011</c:v>
+                </c:pt>
+                <c:pt idx="84">
+                  <c:v>2012</c:v>
+                </c:pt>
+                <c:pt idx="85">
+                  <c:v>2013</c:v>
+                </c:pt>
+                <c:pt idx="86">
+                  <c:v>2014</c:v>
+                </c:pt>
+                <c:pt idx="87">
+                  <c:v>2015</c:v>
+                </c:pt>
+                <c:pt idx="88">
+                  <c:v>2016</c:v>
+                </c:pt>
+                <c:pt idx="89">
+                  <c:v>2017</c:v>
+                </c:pt>
+                <c:pt idx="90">
+                  <c:v>2018</c:v>
+                </c:pt>
+              </c:numCache>
+            </c:numRef>
+          </c:xVal>
+          <c:yVal>
+            <c:numRef>
+              <c:f>Hoja1!$B$2:$B$92</c:f>
+              <c:numCache>
+                <c:formatCode>0.00%</c:formatCode>
+                <c:ptCount val="91"/>
+                <c:pt idx="0">
+                  <c:v>0.6</c:v>
+                </c:pt>
+                <c:pt idx="1">
+                  <c:v>0.6333333333333333</c:v>
+                </c:pt>
+                <c:pt idx="2">
+                  <c:v>0.6333333333333333</c:v>
+                </c:pt>
+                <c:pt idx="3">
+                  <c:v>0.65555555555555556</c:v>
+                </c:pt>
+                <c:pt idx="4">
+                  <c:v>0.62222222222222223</c:v>
+                </c:pt>
+                <c:pt idx="5">
+                  <c:v>0.77777777777777779</c:v>
+                </c:pt>
+                <c:pt idx="6">
+                  <c:v>0.62121212121212122</c:v>
+                </c:pt>
+                <c:pt idx="7">
+                  <c:v>0.68939393939393945</c:v>
+                </c:pt>
+                <c:pt idx="11">
+                  <c:v>0.65151515151515149</c:v>
+                </c:pt>
+                <c:pt idx="12">
+                  <c:v>0.66666666666666663</c:v>
+                </c:pt>
+                <c:pt idx="13">
+                  <c:v>0.59340659340659341</c:v>
+                </c:pt>
+                <c:pt idx="14">
+                  <c:v>0.59340659340659341</c:v>
+                </c:pt>
+                <c:pt idx="15">
+                  <c:v>0.55494505494505497</c:v>
+                </c:pt>
+                <c:pt idx="16">
+                  <c:v>0.63186813186813184</c:v>
+                </c:pt>
+                <c:pt idx="17">
+                  <c:v>0.56593406593406592</c:v>
+                </c:pt>
+                <c:pt idx="18">
+                  <c:v>0.60989010989010994</c:v>
+                </c:pt>
+                <c:pt idx="19">
+                  <c:v>0.65934065934065933</c:v>
+                </c:pt>
+                <c:pt idx="20">
+                  <c:v>0.70879120879120883</c:v>
+                </c:pt>
+                <c:pt idx="21">
+                  <c:v>0.61538461538461542</c:v>
+                </c:pt>
+                <c:pt idx="22">
+                  <c:v>0.70416666666666672</c:v>
+                </c:pt>
+                <c:pt idx="23">
+                  <c:v>0.68333333333333335</c:v>
+                </c:pt>
+                <c:pt idx="24">
+                  <c:v>0.66249999999999998</c:v>
+                </c:pt>
+                <c:pt idx="25">
+                  <c:v>0.64166666666666672</c:v>
+                </c:pt>
+                <c:pt idx="26">
+                  <c:v>0.64583333333333337</c:v>
+                </c:pt>
+                <c:pt idx="27">
+                  <c:v>0.67500000000000004</c:v>
+                </c:pt>
+                <c:pt idx="28">
+                  <c:v>0.64583333333333337</c:v>
+                </c:pt>
+                <c:pt idx="29">
+                  <c:v>0.64166666666666672</c:v>
+                </c:pt>
+                <c:pt idx="30">
+                  <c:v>0.64583333333333337</c:v>
+                </c:pt>
+                <c:pt idx="31">
+                  <c:v>0.65</c:v>
+                </c:pt>
+                <c:pt idx="32">
+                  <c:v>0.59583333333333333</c:v>
+                </c:pt>
+                <c:pt idx="33">
+                  <c:v>0.6333333333333333</c:v>
+                </c:pt>
+                <c:pt idx="34">
+                  <c:v>0.66666666666666663</c:v>
+                </c:pt>
+                <c:pt idx="35">
+                  <c:v>0.66249999999999998</c:v>
+                </c:pt>
+                <c:pt idx="36">
+                  <c:v>0.65</c:v>
+                </c:pt>
+                <c:pt idx="37">
+                  <c:v>0.58750000000000002</c:v>
+                </c:pt>
+                <c:pt idx="38">
+                  <c:v>0.62083333333333335</c:v>
+                </c:pt>
+                <c:pt idx="39">
+                  <c:v>0.59583333333333333</c:v>
+                </c:pt>
+                <c:pt idx="40">
+                  <c:v>0.53749999999999998</c:v>
+                </c:pt>
+                <c:pt idx="41">
+                  <c:v>0.5708333333333333</c:v>
+                </c:pt>
+                <c:pt idx="42">
+                  <c:v>0.58333333333333337</c:v>
+                </c:pt>
+                <c:pt idx="43">
+                  <c:v>0.57843137254901966</c:v>
+                </c:pt>
+                <c:pt idx="44">
+                  <c:v>0.56209150326797386</c:v>
+                </c:pt>
+                <c:pt idx="45">
+                  <c:v>0.64379084967320266</c:v>
+                </c:pt>
+                <c:pt idx="46">
+                  <c:v>0.63725490196078427</c:v>
+                </c:pt>
+                <c:pt idx="47">
+                  <c:v>0.65359477124183007</c:v>
+                </c:pt>
+                <c:pt idx="48">
+                  <c:v>0.62745098039215685</c:v>
+                </c:pt>
+                <c:pt idx="49">
+                  <c:v>0.65359477124183007</c:v>
+                </c:pt>
+                <c:pt idx="50">
+                  <c:v>0.62091503267973858</c:v>
+                </c:pt>
+                <c:pt idx="51">
+                  <c:v>0.58032786885245902</c:v>
+                </c:pt>
+                <c:pt idx="52">
+                  <c:v>0.565359477124183</c:v>
+                </c:pt>
+                <c:pt idx="53">
+                  <c:v>0.63725490196078427</c:v>
+                </c:pt>
+                <c:pt idx="54">
+                  <c:v>0.58496732026143794</c:v>
+                </c:pt>
+                <c:pt idx="55">
+                  <c:v>0.55228758169934644</c:v>
+                </c:pt>
+                <c:pt idx="56">
+                  <c:v>0.42156862745098039</c:v>
+                </c:pt>
+                <c:pt idx="57">
+                  <c:v>0.54575163398692805</c:v>
+                </c:pt>
+                <c:pt idx="58">
+                  <c:v>0.57828282828282829</c:v>
+                </c:pt>
+                <c:pt idx="59">
+                  <c:v>0.51842105263157889</c:v>
+                </c:pt>
+                <c:pt idx="60">
+                  <c:v>0.46052631578947367</c:v>
+                </c:pt>
+                <c:pt idx="61">
+                  <c:v>0.52105263157894732</c:v>
+                </c:pt>
+                <c:pt idx="62">
+                  <c:v>0.52105263157894732</c:v>
+                </c:pt>
+                <c:pt idx="63">
+                  <c:v>0.54736842105263162</c:v>
+                </c:pt>
+                <c:pt idx="64">
+                  <c:v>0.47894736842105262</c:v>
+                </c:pt>
+                <c:pt idx="65">
+                  <c:v>0.49473684210526314</c:v>
+                </c:pt>
+                <c:pt idx="66">
+                  <c:v>0.47631578947368419</c:v>
+                </c:pt>
+                <c:pt idx="67">
+                  <c:v>0.45670995670995673</c:v>
+                </c:pt>
+                <c:pt idx="68">
+                  <c:v>0.47619047619047616</c:v>
+                </c:pt>
+                <c:pt idx="69">
+                  <c:v>0.47894736842105262</c:v>
+                </c:pt>
+                <c:pt idx="70">
+                  <c:v>0.50263157894736843</c:v>
+                </c:pt>
+                <c:pt idx="71">
+                  <c:v>0.47894736842105262</c:v>
+                </c:pt>
+                <c:pt idx="72">
+                  <c:v>0.52368421052631575</c:v>
+                </c:pt>
+                <c:pt idx="73">
+                  <c:v>0.48947368421052634</c:v>
+                </c:pt>
+                <c:pt idx="74">
+                  <c:v>0.4631578947368421</c:v>
+                </c:pt>
+                <c:pt idx="75">
+                  <c:v>0.45263157894736844</c:v>
+                </c:pt>
+                <c:pt idx="76">
+                  <c:v>0.50526315789473686</c:v>
+                </c:pt>
+                <c:pt idx="77">
+                  <c:v>0.4263157894736842</c:v>
+                </c:pt>
+                <c:pt idx="78">
+                  <c:v>0.45263157894736844</c:v>
+                </c:pt>
+                <c:pt idx="79">
+                  <c:v>0.47894736842105262</c:v>
+                </c:pt>
+                <c:pt idx="80">
+                  <c:v>0.48421052631578948</c:v>
+                </c:pt>
+                <c:pt idx="81">
+                  <c:v>0.51052631578947372</c:v>
+                </c:pt>
+                <c:pt idx="82">
+                  <c:v>0.51842105263157889</c:v>
+                </c:pt>
+                <c:pt idx="83">
+                  <c:v>0.49473684210526314</c:v>
+                </c:pt>
+                <c:pt idx="84">
+                  <c:v>0.49736842105263157</c:v>
+                </c:pt>
+                <c:pt idx="85">
+                  <c:v>0.47105263157894739</c:v>
+                </c:pt>
+                <c:pt idx="86">
+                  <c:v>0.45</c:v>
+                </c:pt>
+                <c:pt idx="87">
+                  <c:v>0.48157894736842105</c:v>
+                </c:pt>
+                <c:pt idx="88">
+                  <c:v>0.47631578947368419</c:v>
+                </c:pt>
+                <c:pt idx="89">
+                  <c:v>0.47105263157894739</c:v>
+                </c:pt>
+                <c:pt idx="90">
+                  <c:v>0.44210526315789472</c:v>
+                </c:pt>
+              </c:numCache>
+            </c:numRef>
+          </c:yVal>
+          <c:smooth val="0"/>
+          <c:extLst>
+            <c:ext xmlns:c16="http://schemas.microsoft.com/office/drawing/2014/chart" uri="{C3380CC4-5D6E-409C-BE32-E72D297353CC}">
+              <c16:uniqueId val="{00000000-DE5B-4729-9A6D-B62C7A69917E}"/>
+            </c:ext>
+          </c:extLst>
+        </c:ser>
+        <c:ser>
+          <c:idx val="1"/>
+          <c:order val="1"/>
+          <c:tx>
+            <c:strRef>
+              <c:f>Hoja1!$C$1</c:f>
+              <c:strCache>
+                <c:ptCount val="1"/>
+                <c:pt idx="0">
+                  <c:v>X%</c:v>
+                </c:pt>
+              </c:strCache>
+            </c:strRef>
+          </c:tx>
+          <c:spPr>
+            <a:ln w="28575" cap="rnd">
+              <a:solidFill>
+                <a:srgbClr val="FFC000"/>
+              </a:solidFill>
+              <a:round/>
+            </a:ln>
+            <a:effectLst/>
+          </c:spPr>
+          <c:marker>
+            <c:symbol val="none"/>
+          </c:marker>
+          <c:xVal>
+            <c:numRef>
+              <c:f>Hoja1!$A$2:$A$92</c:f>
+              <c:numCache>
+                <c:formatCode>General</c:formatCode>
+                <c:ptCount val="91"/>
+                <c:pt idx="0">
+                  <c:v>1928</c:v>
+                </c:pt>
+                <c:pt idx="1">
+                  <c:v>1929</c:v>
+                </c:pt>
+                <c:pt idx="2">
+                  <c:v>1930</c:v>
+                </c:pt>
+                <c:pt idx="3">
+                  <c:v>1931</c:v>
+                </c:pt>
+                <c:pt idx="4">
+                  <c:v>1932</c:v>
+                </c:pt>
+                <c:pt idx="5">
+                  <c:v>1933</c:v>
+                </c:pt>
+                <c:pt idx="6">
+                  <c:v>1934</c:v>
+                </c:pt>
+                <c:pt idx="7">
+                  <c:v>1935</c:v>
+                </c:pt>
+                <c:pt idx="8">
+                  <c:v>1936</c:v>
+                </c:pt>
+                <c:pt idx="9">
+                  <c:v>1937</c:v>
+                </c:pt>
+                <c:pt idx="10">
+                  <c:v>1938</c:v>
+                </c:pt>
+                <c:pt idx="11">
+                  <c:v>1939</c:v>
+                </c:pt>
+                <c:pt idx="12">
+                  <c:v>1940</c:v>
+                </c:pt>
+                <c:pt idx="13">
+                  <c:v>1941</c:v>
+                </c:pt>
+                <c:pt idx="14">
+                  <c:v>1942</c:v>
+                </c:pt>
+                <c:pt idx="15">
+                  <c:v>1943</c:v>
+                </c:pt>
+                <c:pt idx="16">
+                  <c:v>1944</c:v>
+                </c:pt>
+                <c:pt idx="17">
+                  <c:v>1945</c:v>
+                </c:pt>
+                <c:pt idx="18">
+                  <c:v>1946</c:v>
+                </c:pt>
+                <c:pt idx="19">
+                  <c:v>1947</c:v>
+                </c:pt>
+                <c:pt idx="20">
+                  <c:v>1948</c:v>
+                </c:pt>
+                <c:pt idx="21">
+                  <c:v>1949</c:v>
+                </c:pt>
+                <c:pt idx="22">
+                  <c:v>1950</c:v>
+                </c:pt>
+                <c:pt idx="23">
+                  <c:v>1951</c:v>
+                </c:pt>
+                <c:pt idx="24">
+                  <c:v>1952</c:v>
+                </c:pt>
+                <c:pt idx="25">
+                  <c:v>1953</c:v>
+                </c:pt>
+                <c:pt idx="26">
+                  <c:v>1954</c:v>
+                </c:pt>
+                <c:pt idx="27">
+                  <c:v>1955</c:v>
+                </c:pt>
+                <c:pt idx="28">
+                  <c:v>1956</c:v>
+                </c:pt>
+                <c:pt idx="29">
+                  <c:v>1957</c:v>
+                </c:pt>
+                <c:pt idx="30">
+                  <c:v>1958</c:v>
+                </c:pt>
+                <c:pt idx="31">
+                  <c:v>1959</c:v>
+                </c:pt>
+                <c:pt idx="32">
+                  <c:v>1960</c:v>
+                </c:pt>
+                <c:pt idx="33">
+                  <c:v>1961</c:v>
+                </c:pt>
+                <c:pt idx="34">
+                  <c:v>1962</c:v>
+                </c:pt>
+                <c:pt idx="35">
+                  <c:v>1963</c:v>
+                </c:pt>
+                <c:pt idx="36">
+                  <c:v>1964</c:v>
+                </c:pt>
+                <c:pt idx="37">
+                  <c:v>1965</c:v>
+                </c:pt>
+                <c:pt idx="38">
+                  <c:v>1966</c:v>
+                </c:pt>
+                <c:pt idx="39">
+                  <c:v>1967</c:v>
+                </c:pt>
+                <c:pt idx="40">
+                  <c:v>1968</c:v>
+                </c:pt>
+                <c:pt idx="41">
+                  <c:v>1969</c:v>
+                </c:pt>
+                <c:pt idx="42">
+                  <c:v>1970</c:v>
+                </c:pt>
+                <c:pt idx="43">
+                  <c:v>1971</c:v>
+                </c:pt>
+                <c:pt idx="44">
+                  <c:v>1972</c:v>
+                </c:pt>
+                <c:pt idx="45">
+                  <c:v>1973</c:v>
+                </c:pt>
+                <c:pt idx="46">
+                  <c:v>1974</c:v>
+                </c:pt>
+                <c:pt idx="47">
+                  <c:v>1975</c:v>
+                </c:pt>
+                <c:pt idx="48">
+                  <c:v>1976</c:v>
+                </c:pt>
+                <c:pt idx="49">
+                  <c:v>1977</c:v>
+                </c:pt>
+                <c:pt idx="50">
+                  <c:v>1978</c:v>
+                </c:pt>
+                <c:pt idx="51">
+                  <c:v>1979</c:v>
+                </c:pt>
+                <c:pt idx="52">
+                  <c:v>1980</c:v>
+                </c:pt>
+                <c:pt idx="53">
+                  <c:v>1981</c:v>
+                </c:pt>
+                <c:pt idx="54">
+                  <c:v>1982</c:v>
+                </c:pt>
+                <c:pt idx="55">
+                  <c:v>1983</c:v>
+                </c:pt>
+                <c:pt idx="56">
+                  <c:v>1984</c:v>
+                </c:pt>
+                <c:pt idx="57">
+                  <c:v>1985</c:v>
+                </c:pt>
+                <c:pt idx="58">
+                  <c:v>1986</c:v>
+                </c:pt>
+                <c:pt idx="59">
+                  <c:v>1987</c:v>
+                </c:pt>
+                <c:pt idx="60">
+                  <c:v>1988</c:v>
+                </c:pt>
+                <c:pt idx="61">
+                  <c:v>1989</c:v>
+                </c:pt>
+                <c:pt idx="62">
+                  <c:v>1990</c:v>
+                </c:pt>
+                <c:pt idx="63">
+                  <c:v>1991</c:v>
+                </c:pt>
+                <c:pt idx="64">
+                  <c:v>1992</c:v>
+                </c:pt>
+                <c:pt idx="65">
+                  <c:v>1993</c:v>
+                </c:pt>
+                <c:pt idx="66">
+                  <c:v>1994</c:v>
+                </c:pt>
+                <c:pt idx="67">
+                  <c:v>1995</c:v>
+                </c:pt>
+                <c:pt idx="68">
+                  <c:v>1996</c:v>
+                </c:pt>
+                <c:pt idx="69">
+                  <c:v>1997</c:v>
+                </c:pt>
+                <c:pt idx="70">
+                  <c:v>1998</c:v>
+                </c:pt>
+                <c:pt idx="71">
+                  <c:v>1999</c:v>
+                </c:pt>
+                <c:pt idx="72">
+                  <c:v>2000</c:v>
+                </c:pt>
+                <c:pt idx="73">
+                  <c:v>2001</c:v>
+                </c:pt>
+                <c:pt idx="74">
+                  <c:v>2002</c:v>
+                </c:pt>
+                <c:pt idx="75">
+                  <c:v>2003</c:v>
+                </c:pt>
+                <c:pt idx="76">
+                  <c:v>2004</c:v>
+                </c:pt>
+                <c:pt idx="77">
+                  <c:v>2005</c:v>
+                </c:pt>
+                <c:pt idx="78">
+                  <c:v>2006</c:v>
+                </c:pt>
+                <c:pt idx="79">
+                  <c:v>2007</c:v>
+                </c:pt>
+                <c:pt idx="80">
+                  <c:v>2008</c:v>
+                </c:pt>
+                <c:pt idx="81">
+                  <c:v>2009</c:v>
+                </c:pt>
+                <c:pt idx="82">
+                  <c:v>2010</c:v>
+                </c:pt>
+                <c:pt idx="83">
+                  <c:v>2011</c:v>
+                </c:pt>
+                <c:pt idx="84">
+                  <c:v>2012</c:v>
+                </c:pt>
+                <c:pt idx="85">
+                  <c:v>2013</c:v>
+                </c:pt>
+                <c:pt idx="86">
+                  <c:v>2014</c:v>
+                </c:pt>
+                <c:pt idx="87">
+                  <c:v>2015</c:v>
+                </c:pt>
+                <c:pt idx="88">
+                  <c:v>2016</c:v>
+                </c:pt>
+                <c:pt idx="89">
+                  <c:v>2017</c:v>
+                </c:pt>
+                <c:pt idx="90">
+                  <c:v>2018</c:v>
+                </c:pt>
+              </c:numCache>
+            </c:numRef>
+          </c:xVal>
+          <c:yVal>
+            <c:numRef>
+              <c:f>Hoja1!$C$2:$C$92</c:f>
+              <c:numCache>
+                <c:formatCode>0.00%</c:formatCode>
+                <c:ptCount val="91"/>
+                <c:pt idx="0">
+                  <c:v>0.16666666666666666</c:v>
+                </c:pt>
+                <c:pt idx="1">
+                  <c:v>0.14444444444444443</c:v>
+                </c:pt>
+                <c:pt idx="2">
+                  <c:v>0.15555555555555556</c:v>
+                </c:pt>
+                <c:pt idx="3">
+                  <c:v>0.17777777777777778</c:v>
+                </c:pt>
+                <c:pt idx="4">
+                  <c:v>0.16666666666666666</c:v>
+                </c:pt>
+                <c:pt idx="5">
+                  <c:v>0.12222222222222222</c:v>
+                </c:pt>
+                <c:pt idx="6">
+                  <c:v>0.12878787878787878</c:v>
+                </c:pt>
+                <c:pt idx="7">
+                  <c:v>0.11363636363636363</c:v>
+                </c:pt>
+                <c:pt idx="11">
+                  <c:v>0.14393939393939395</c:v>
+                </c:pt>
+                <c:pt idx="12">
+                  <c:v>0.13636363636363635</c:v>
+                </c:pt>
+                <c:pt idx="13">
+                  <c:v>0.19780219780219779</c:v>
+                </c:pt>
+                <c:pt idx="14">
+                  <c:v>0.2087912087912088</c:v>
+                </c:pt>
+                <c:pt idx="15">
+                  <c:v>0.21428571428571427</c:v>
+                </c:pt>
+                <c:pt idx="16">
+                  <c:v>0.17582417582417584</c:v>
+                </c:pt>
+                <c:pt idx="17">
+                  <c:v>0.26373626373626374</c:v>
+                </c:pt>
+                <c:pt idx="18">
+                  <c:v>0.19230769230769232</c:v>
+                </c:pt>
+                <c:pt idx="19">
+                  <c:v>0.18131868131868131</c:v>
+                </c:pt>
+                <c:pt idx="20">
+                  <c:v>0.13186813186813187</c:v>
+                </c:pt>
+                <c:pt idx="21">
+                  <c:v>0.21428571428571427</c:v>
+                </c:pt>
+                <c:pt idx="22">
+                  <c:v>0.12916666666666668</c:v>
+                </c:pt>
+                <c:pt idx="23">
+                  <c:v>0.17499999999999999</c:v>
+                </c:pt>
+                <c:pt idx="24">
+                  <c:v>0.16250000000000001</c:v>
+                </c:pt>
+                <c:pt idx="25">
+                  <c:v>0.17916666666666667</c:v>
+                </c:pt>
+                <c:pt idx="26">
+                  <c:v>0.20833333333333334</c:v>
+                </c:pt>
+                <c:pt idx="27">
+                  <c:v>0.13750000000000001</c:v>
+                </c:pt>
+                <c:pt idx="28">
+                  <c:v>0.20416666666666666</c:v>
+                </c:pt>
+                <c:pt idx="29">
+                  <c:v>0.19166666666666668</c:v>
+                </c:pt>
+                <c:pt idx="30">
+                  <c:v>0.16250000000000001</c:v>
+                </c:pt>
+                <c:pt idx="31">
+                  <c:v>0.13333333333333333</c:v>
+                </c:pt>
+                <c:pt idx="32">
+                  <c:v>0.21249999999999999</c:v>
+                </c:pt>
+                <c:pt idx="33">
+                  <c:v>0.21666666666666667</c:v>
+                </c:pt>
+                <c:pt idx="34">
+                  <c:v>0.16250000000000001</c:v>
+                </c:pt>
+                <c:pt idx="35">
+                  <c:v>0.18333333333333332</c:v>
+                </c:pt>
+                <c:pt idx="36">
+                  <c:v>0.15833333333333333</c:v>
+                </c:pt>
+                <c:pt idx="37">
+                  <c:v>0.22500000000000001</c:v>
+                </c:pt>
+                <c:pt idx="38">
+                  <c:v>0.23749999999999999</c:v>
+                </c:pt>
+                <c:pt idx="39">
+                  <c:v>0.22916666666666666</c:v>
+                </c:pt>
+                <c:pt idx="40">
+                  <c:v>0.32500000000000001</c:v>
+                </c:pt>
+                <c:pt idx="41">
+                  <c:v>0.23749999999999999</c:v>
+                </c:pt>
+                <c:pt idx="42">
+                  <c:v>0.25416666666666665</c:v>
+                </c:pt>
+                <c:pt idx="43">
+                  <c:v>0.26797385620915032</c:v>
+                </c:pt>
+                <c:pt idx="44">
+                  <c:v>0.29411764705882354</c:v>
+                </c:pt>
+                <c:pt idx="45">
+                  <c:v>0.23202614379084968</c:v>
+                </c:pt>
+                <c:pt idx="46">
+                  <c:v>0.27124183006535946</c:v>
+                </c:pt>
+                <c:pt idx="47">
+                  <c:v>0.23202614379084968</c:v>
+                </c:pt>
+                <c:pt idx="48">
+                  <c:v>0.24509803921568626</c:v>
+                </c:pt>
+                <c:pt idx="49">
+                  <c:v>0.22875816993464052</c:v>
+                </c:pt>
+                <c:pt idx="50">
+                  <c:v>0.24509803921568626</c:v>
+                </c:pt>
+                <c:pt idx="51">
+                  <c:v>0.27540983606557379</c:v>
+                </c:pt>
+                <c:pt idx="52">
+                  <c:v>0.22875816993464052</c:v>
+                </c:pt>
+                <c:pt idx="53">
+                  <c:v>0.18300653594771241</c:v>
+                </c:pt>
+                <c:pt idx="54">
+                  <c:v>0.2581699346405229</c:v>
+                </c:pt>
+                <c:pt idx="55">
+                  <c:v>0.26470588235294118</c:v>
+                </c:pt>
+                <c:pt idx="56">
+                  <c:v>0.3562091503267974</c:v>
+                </c:pt>
+                <c:pt idx="57">
+                  <c:v>0.25490196078431371</c:v>
+                </c:pt>
+                <c:pt idx="58">
+                  <c:v>0.25505050505050503</c:v>
+                </c:pt>
+                <c:pt idx="59">
+                  <c:v>0.26842105263157895</c:v>
+                </c:pt>
+                <c:pt idx="60">
+                  <c:v>0.29473684210526313</c:v>
+                </c:pt>
+                <c:pt idx="61">
+                  <c:v>0.28157894736842104</c:v>
+                </c:pt>
+                <c:pt idx="62">
+                  <c:v>0.30526315789473685</c:v>
+                </c:pt>
+                <c:pt idx="63">
+                  <c:v>0.25</c:v>
+                </c:pt>
+                <c:pt idx="64">
+                  <c:v>0.28947368421052633</c:v>
+                </c:pt>
+                <c:pt idx="65">
+                  <c:v>0.27894736842105261</c:v>
+                </c:pt>
+                <c:pt idx="66">
+                  <c:v>0.29736842105263156</c:v>
+                </c:pt>
+                <c:pt idx="67">
+                  <c:v>0.2813852813852814</c:v>
+                </c:pt>
+                <c:pt idx="68">
+                  <c:v>0.25757575757575757</c:v>
+                </c:pt>
+                <c:pt idx="69">
+                  <c:v>0.28947368421052633</c:v>
+                </c:pt>
+                <c:pt idx="70">
+                  <c:v>0.25526315789473686</c:v>
+                </c:pt>
+                <c:pt idx="71">
+                  <c:v>0.29473684210526313</c:v>
+                </c:pt>
+                <c:pt idx="72">
+                  <c:v>0.26052631578947366</c:v>
+                </c:pt>
+                <c:pt idx="73">
+                  <c:v>0.26578947368421052</c:v>
+                </c:pt>
+                <c:pt idx="74">
+                  <c:v>0.27631578947368424</c:v>
+                </c:pt>
+                <c:pt idx="75">
+                  <c:v>0.25</c:v>
+                </c:pt>
+                <c:pt idx="76">
+                  <c:v>0.26315789473684209</c:v>
+                </c:pt>
+                <c:pt idx="77">
+                  <c:v>0.27631578947368424</c:v>
+                </c:pt>
+                <c:pt idx="78">
+                  <c:v>0.25789473684210529</c:v>
+                </c:pt>
+                <c:pt idx="79">
+                  <c:v>0.22894736842105262</c:v>
+                </c:pt>
+                <c:pt idx="80">
+                  <c:v>0.21842105263157896</c:v>
+                </c:pt>
+                <c:pt idx="81">
+                  <c:v>0.25</c:v>
+                </c:pt>
+                <c:pt idx="82">
+                  <c:v>0.20789473684210527</c:v>
+                </c:pt>
+                <c:pt idx="83">
+                  <c:v>0.24736842105263157</c:v>
+                </c:pt>
+                <c:pt idx="84">
+                  <c:v>0.22105263157894736</c:v>
+                </c:pt>
+                <c:pt idx="85">
+                  <c:v>0.22631578947368422</c:v>
+                </c:pt>
+                <c:pt idx="86">
+                  <c:v>0.23947368421052631</c:v>
+                </c:pt>
+                <c:pt idx="87">
+                  <c:v>0.24210526315789474</c:v>
+                </c:pt>
+                <c:pt idx="88">
+                  <c:v>0.23421052631578948</c:v>
+                </c:pt>
+                <c:pt idx="89">
+                  <c:v>0.22631578947368422</c:v>
+                </c:pt>
+                <c:pt idx="90">
+                  <c:v>0.28947368421052633</c:v>
+                </c:pt>
+              </c:numCache>
+            </c:numRef>
+          </c:yVal>
+          <c:smooth val="0"/>
+          <c:extLst>
+            <c:ext xmlns:c16="http://schemas.microsoft.com/office/drawing/2014/chart" uri="{C3380CC4-5D6E-409C-BE32-E72D297353CC}">
+              <c16:uniqueId val="{00000001-DE5B-4729-9A6D-B62C7A69917E}"/>
+            </c:ext>
+          </c:extLst>
+        </c:ser>
+        <c:ser>
+          <c:idx val="2"/>
+          <c:order val="2"/>
+          <c:tx>
+            <c:strRef>
+              <c:f>Hoja1!$D$1</c:f>
+              <c:strCache>
+                <c:ptCount val="1"/>
+                <c:pt idx="0">
+                  <c:v>2%</c:v>
+                </c:pt>
+              </c:strCache>
+            </c:strRef>
+          </c:tx>
+          <c:spPr>
+            <a:ln w="28575" cap="rnd">
+              <a:solidFill>
+                <a:schemeClr val="accent5"/>
+              </a:solidFill>
+              <a:round/>
+            </a:ln>
+            <a:effectLst/>
+          </c:spPr>
+          <c:marker>
+            <c:symbol val="none"/>
+          </c:marker>
+          <c:xVal>
+            <c:numRef>
+              <c:f>Hoja1!$A$2:$A$92</c:f>
+              <c:numCache>
+                <c:formatCode>General</c:formatCode>
+                <c:ptCount val="91"/>
+                <c:pt idx="0">
+                  <c:v>1928</c:v>
+                </c:pt>
+                <c:pt idx="1">
+                  <c:v>1929</c:v>
+                </c:pt>
+                <c:pt idx="2">
+                  <c:v>1930</c:v>
+                </c:pt>
+                <c:pt idx="3">
+                  <c:v>1931</c:v>
+                </c:pt>
+                <c:pt idx="4">
+                  <c:v>1932</c:v>
+                </c:pt>
+                <c:pt idx="5">
+                  <c:v>1933</c:v>
+                </c:pt>
+                <c:pt idx="6">
+                  <c:v>1934</c:v>
+                </c:pt>
+                <c:pt idx="7">
+                  <c:v>1935</c:v>
+                </c:pt>
+                <c:pt idx="8">
+                  <c:v>1936</c:v>
+                </c:pt>
+                <c:pt idx="9">
+                  <c:v>1937</c:v>
+                </c:pt>
+                <c:pt idx="10">
+                  <c:v>1938</c:v>
+                </c:pt>
+                <c:pt idx="11">
+                  <c:v>1939</c:v>
+                </c:pt>
+                <c:pt idx="12">
+                  <c:v>1940</c:v>
+                </c:pt>
+                <c:pt idx="13">
+                  <c:v>1941</c:v>
+                </c:pt>
+                <c:pt idx="14">
+                  <c:v>1942</c:v>
+                </c:pt>
+                <c:pt idx="15">
+                  <c:v>1943</c:v>
+                </c:pt>
+                <c:pt idx="16">
+                  <c:v>1944</c:v>
+                </c:pt>
+                <c:pt idx="17">
+                  <c:v>1945</c:v>
+                </c:pt>
+                <c:pt idx="18">
+                  <c:v>1946</c:v>
+                </c:pt>
+                <c:pt idx="19">
+                  <c:v>1947</c:v>
+                </c:pt>
+                <c:pt idx="20">
+                  <c:v>1948</c:v>
+                </c:pt>
+                <c:pt idx="21">
+                  <c:v>1949</c:v>
+                </c:pt>
+                <c:pt idx="22">
+                  <c:v>1950</c:v>
+                </c:pt>
+                <c:pt idx="23">
+                  <c:v>1951</c:v>
+                </c:pt>
+                <c:pt idx="24">
+                  <c:v>1952</c:v>
+                </c:pt>
+                <c:pt idx="25">
+                  <c:v>1953</c:v>
+                </c:pt>
+                <c:pt idx="26">
+                  <c:v>1954</c:v>
+                </c:pt>
+                <c:pt idx="27">
+                  <c:v>1955</c:v>
+                </c:pt>
+                <c:pt idx="28">
+                  <c:v>1956</c:v>
+                </c:pt>
+                <c:pt idx="29">
+                  <c:v>1957</c:v>
+                </c:pt>
+                <c:pt idx="30">
+                  <c:v>1958</c:v>
+                </c:pt>
+                <c:pt idx="31">
+                  <c:v>1959</c:v>
+                </c:pt>
+                <c:pt idx="32">
+                  <c:v>1960</c:v>
+                </c:pt>
+                <c:pt idx="33">
+                  <c:v>1961</c:v>
+                </c:pt>
+                <c:pt idx="34">
+                  <c:v>1962</c:v>
+                </c:pt>
+                <c:pt idx="35">
+                  <c:v>1963</c:v>
+                </c:pt>
+                <c:pt idx="36">
+                  <c:v>1964</c:v>
+                </c:pt>
+                <c:pt idx="37">
+                  <c:v>1965</c:v>
+                </c:pt>
+                <c:pt idx="38">
+                  <c:v>1966</c:v>
+                </c:pt>
+                <c:pt idx="39">
+                  <c:v>1967</c:v>
+                </c:pt>
+                <c:pt idx="40">
+                  <c:v>1968</c:v>
+                </c:pt>
+                <c:pt idx="41">
+                  <c:v>1969</c:v>
+                </c:pt>
+                <c:pt idx="42">
+                  <c:v>1970</c:v>
+                </c:pt>
+                <c:pt idx="43">
+                  <c:v>1971</c:v>
+                </c:pt>
+                <c:pt idx="44">
+                  <c:v>1972</c:v>
+                </c:pt>
+                <c:pt idx="45">
+                  <c:v>1973</c:v>
+                </c:pt>
+                <c:pt idx="46">
+                  <c:v>1974</c:v>
+                </c:pt>
+                <c:pt idx="47">
+                  <c:v>1975</c:v>
+                </c:pt>
+                <c:pt idx="48">
+                  <c:v>1976</c:v>
+                </c:pt>
+                <c:pt idx="49">
+                  <c:v>1977</c:v>
+                </c:pt>
+                <c:pt idx="50">
+                  <c:v>1978</c:v>
+                </c:pt>
+                <c:pt idx="51">
+                  <c:v>1979</c:v>
+                </c:pt>
+                <c:pt idx="52">
+                  <c:v>1980</c:v>
+                </c:pt>
+                <c:pt idx="53">
+                  <c:v>1981</c:v>
+                </c:pt>
+                <c:pt idx="54">
+                  <c:v>1982</c:v>
+                </c:pt>
+                <c:pt idx="55">
+                  <c:v>1983</c:v>
+                </c:pt>
+                <c:pt idx="56">
+                  <c:v>1984</c:v>
+                </c:pt>
+                <c:pt idx="57">
+                  <c:v>1985</c:v>
+                </c:pt>
+                <c:pt idx="58">
+                  <c:v>1986</c:v>
+                </c:pt>
+                <c:pt idx="59">
+                  <c:v>1987</c:v>
+                </c:pt>
+                <c:pt idx="60">
+                  <c:v>1988</c:v>
+                </c:pt>
+                <c:pt idx="61">
+                  <c:v>1989</c:v>
+                </c:pt>
+                <c:pt idx="62">
+                  <c:v>1990</c:v>
+                </c:pt>
+                <c:pt idx="63">
+                  <c:v>1991</c:v>
+                </c:pt>
+                <c:pt idx="64">
+                  <c:v>1992</c:v>
+                </c:pt>
+                <c:pt idx="65">
+                  <c:v>1993</c:v>
+                </c:pt>
+                <c:pt idx="66">
+                  <c:v>1994</c:v>
+                </c:pt>
+                <c:pt idx="67">
+                  <c:v>1995</c:v>
+                </c:pt>
+                <c:pt idx="68">
+                  <c:v>1996</c:v>
+                </c:pt>
+                <c:pt idx="69">
+                  <c:v>1997</c:v>
+                </c:pt>
+                <c:pt idx="70">
+                  <c:v>1998</c:v>
+                </c:pt>
+                <c:pt idx="71">
+                  <c:v>1999</c:v>
+                </c:pt>
+                <c:pt idx="72">
+                  <c:v>2000</c:v>
+                </c:pt>
+                <c:pt idx="73">
+                  <c:v>2001</c:v>
+                </c:pt>
+                <c:pt idx="74">
+                  <c:v>2002</c:v>
+                </c:pt>
+                <c:pt idx="75">
+                  <c:v>2003</c:v>
+                </c:pt>
+                <c:pt idx="76">
+                  <c:v>2004</c:v>
+                </c:pt>
+                <c:pt idx="77">
+                  <c:v>2005</c:v>
+                </c:pt>
+                <c:pt idx="78">
+                  <c:v>2006</c:v>
+                </c:pt>
+                <c:pt idx="79">
+                  <c:v>2007</c:v>
+                </c:pt>
+                <c:pt idx="80">
+                  <c:v>2008</c:v>
+                </c:pt>
+                <c:pt idx="81">
+                  <c:v>2009</c:v>
+                </c:pt>
+                <c:pt idx="82">
+                  <c:v>2010</c:v>
+                </c:pt>
+                <c:pt idx="83">
+                  <c:v>2011</c:v>
+                </c:pt>
+                <c:pt idx="84">
+                  <c:v>2012</c:v>
+                </c:pt>
+                <c:pt idx="85">
+                  <c:v>2013</c:v>
+                </c:pt>
+                <c:pt idx="86">
+                  <c:v>2014</c:v>
+                </c:pt>
+                <c:pt idx="87">
+                  <c:v>2015</c:v>
+                </c:pt>
+                <c:pt idx="88">
+                  <c:v>2016</c:v>
+                </c:pt>
+                <c:pt idx="89">
+                  <c:v>2017</c:v>
+                </c:pt>
+                <c:pt idx="90">
+                  <c:v>2018</c:v>
+                </c:pt>
+              </c:numCache>
+            </c:numRef>
+          </c:xVal>
+          <c:yVal>
+            <c:numRef>
+              <c:f>Hoja1!$D$2:$D$92</c:f>
+              <c:numCache>
+                <c:formatCode>0.00%</c:formatCode>
+                <c:ptCount val="91"/>
+                <c:pt idx="0">
+                  <c:v>0.23333333333333334</c:v>
+                </c:pt>
+                <c:pt idx="1">
+                  <c:v>0.22222222222222221</c:v>
+                </c:pt>
+                <c:pt idx="2">
+                  <c:v>0.21111111111111111</c:v>
+                </c:pt>
+                <c:pt idx="3">
+                  <c:v>0.16666666666666666</c:v>
+                </c:pt>
+                <c:pt idx="4">
+                  <c:v>0.21111111111111111</c:v>
+                </c:pt>
+                <c:pt idx="5">
+                  <c:v>0.1</c:v>
+                </c:pt>
+                <c:pt idx="6">
+                  <c:v>0.25</c:v>
+                </c:pt>
+                <c:pt idx="7">
+                  <c:v>0.19696969696969696</c:v>
+                </c:pt>
+                <c:pt idx="11">
+                  <c:v>0.20454545454545456</c:v>
+                </c:pt>
+                <c:pt idx="12">
+                  <c:v>0.19696969696969696</c:v>
+                </c:pt>
+                <c:pt idx="13">
+                  <c:v>0.2087912087912088</c:v>
+                </c:pt>
+                <c:pt idx="14">
+                  <c:v>0.19780219780219779</c:v>
+                </c:pt>
+                <c:pt idx="15">
+                  <c:v>0.23076923076923078</c:v>
+                </c:pt>
+                <c:pt idx="16">
+                  <c:v>0.19230769230769232</c:v>
+                </c:pt>
+                <c:pt idx="17">
+                  <c:v>0.17032967032967034</c:v>
+                </c:pt>
+                <c:pt idx="18">
+                  <c:v>0.19780219780219779</c:v>
+                </c:pt>
+                <c:pt idx="19">
+                  <c:v>0.15934065934065933</c:v>
+                </c:pt>
+                <c:pt idx="20">
+                  <c:v>0.15934065934065933</c:v>
+                </c:pt>
+                <c:pt idx="21">
+                  <c:v>0.17032967032967034</c:v>
+                </c:pt>
+                <c:pt idx="22">
+                  <c:v>0.16666666666666666</c:v>
+                </c:pt>
+                <c:pt idx="23">
+                  <c:v>0.14166666666666666</c:v>
+                </c:pt>
+                <c:pt idx="24">
+                  <c:v>0.17499999999999999</c:v>
+                </c:pt>
+                <c:pt idx="25">
+                  <c:v>0.17916666666666667</c:v>
+                </c:pt>
+                <c:pt idx="26">
+                  <c:v>0.14583333333333334</c:v>
+                </c:pt>
+                <c:pt idx="27">
+                  <c:v>0.1875</c:v>
+                </c:pt>
+                <c:pt idx="28">
+                  <c:v>0.15</c:v>
+                </c:pt>
+                <c:pt idx="29">
+                  <c:v>0.16666666666666666</c:v>
+                </c:pt>
+                <c:pt idx="30">
+                  <c:v>0.19166666666666668</c:v>
+                </c:pt>
+                <c:pt idx="31">
+                  <c:v>0.21666666666666667</c:v>
+                </c:pt>
+                <c:pt idx="32">
+                  <c:v>0.19166666666666668</c:v>
+                </c:pt>
+                <c:pt idx="33">
+                  <c:v>0.15</c:v>
+                </c:pt>
+                <c:pt idx="34">
+                  <c:v>0.17083333333333334</c:v>
+                </c:pt>
+                <c:pt idx="35">
+                  <c:v>0.15416666666666667</c:v>
+                </c:pt>
+                <c:pt idx="36">
+                  <c:v>0.19166666666666668</c:v>
+                </c:pt>
+                <c:pt idx="37">
+                  <c:v>0.1875</c:v>
+                </c:pt>
+                <c:pt idx="38">
+                  <c:v>0.14166666666666666</c:v>
+                </c:pt>
+                <c:pt idx="39">
+                  <c:v>0.17499999999999999</c:v>
+                </c:pt>
+                <c:pt idx="40">
+                  <c:v>0.13750000000000001</c:v>
+                </c:pt>
+                <c:pt idx="41">
+                  <c:v>0.19166666666666668</c:v>
+                </c:pt>
+                <c:pt idx="42">
+                  <c:v>0.16250000000000001</c:v>
+                </c:pt>
+                <c:pt idx="43">
+                  <c:v>0.15359477124183007</c:v>
+                </c:pt>
+                <c:pt idx="44">
+                  <c:v>0.1437908496732026</c:v>
+                </c:pt>
+                <c:pt idx="45">
+                  <c:v>0.12418300653594772</c:v>
+                </c:pt>
+                <c:pt idx="46">
+                  <c:v>9.1503267973856203E-2</c:v>
+                </c:pt>
+                <c:pt idx="47">
+                  <c:v>0.11437908496732026</c:v>
+                </c:pt>
+                <c:pt idx="48">
+                  <c:v>0.12745098039215685</c:v>
+                </c:pt>
+                <c:pt idx="49">
+                  <c:v>0.11764705882352941</c:v>
+                </c:pt>
+                <c:pt idx="50">
+                  <c:v>0.13398692810457516</c:v>
+                </c:pt>
+                <c:pt idx="51">
+                  <c:v>0.14426229508196722</c:v>
+                </c:pt>
+                <c:pt idx="52">
+                  <c:v>0.20588235294117646</c:v>
+                </c:pt>
+                <c:pt idx="53">
+                  <c:v>0.17973856209150327</c:v>
+                </c:pt>
+                <c:pt idx="54">
+                  <c:v>0.15686274509803921</c:v>
+                </c:pt>
+                <c:pt idx="55">
+                  <c:v>0.18300653594771241</c:v>
+                </c:pt>
+                <c:pt idx="56">
+                  <c:v>0.22222222222222221</c:v>
+                </c:pt>
+                <c:pt idx="57">
+                  <c:v>0.19934640522875818</c:v>
+                </c:pt>
+                <c:pt idx="58">
+                  <c:v>0.16666666666666666</c:v>
+                </c:pt>
+                <c:pt idx="59">
+                  <c:v>0.2131578947368421</c:v>
+                </c:pt>
+                <c:pt idx="60">
+                  <c:v>0.24473684210526317</c:v>
+                </c:pt>
+                <c:pt idx="61">
+                  <c:v>0.19736842105263158</c:v>
+                </c:pt>
+                <c:pt idx="62">
+                  <c:v>0.1736842105263158</c:v>
+                </c:pt>
+                <c:pt idx="63">
+                  <c:v>0.20263157894736841</c:v>
+                </c:pt>
+                <c:pt idx="64">
+                  <c:v>0.23157894736842105</c:v>
+                </c:pt>
+                <c:pt idx="65">
+                  <c:v>0.22631578947368422</c:v>
+                </c:pt>
+                <c:pt idx="66">
+                  <c:v>0.22631578947368422</c:v>
+                </c:pt>
+                <c:pt idx="67">
+                  <c:v>0.26190476190476192</c:v>
+                </c:pt>
+                <c:pt idx="68">
+                  <c:v>0.26623376623376621</c:v>
+                </c:pt>
+                <c:pt idx="69">
+                  <c:v>0.23157894736842105</c:v>
+                </c:pt>
+                <c:pt idx="70">
+                  <c:v>0.24210526315789474</c:v>
+                </c:pt>
+                <c:pt idx="71">
+                  <c:v>0.22631578947368422</c:v>
+                </c:pt>
+                <c:pt idx="72">
+                  <c:v>0.21578947368421053</c:v>
+                </c:pt>
+                <c:pt idx="73">
+                  <c:v>0.24473684210526317</c:v>
+                </c:pt>
+                <c:pt idx="74">
+                  <c:v>0.26052631578947366</c:v>
+                </c:pt>
+                <c:pt idx="75">
+                  <c:v>0.29736842105263156</c:v>
+                </c:pt>
+                <c:pt idx="76">
+                  <c:v>0.23157894736842105</c:v>
+                </c:pt>
+                <c:pt idx="77">
+                  <c:v>0.29736842105263156</c:v>
+                </c:pt>
+                <c:pt idx="78">
+                  <c:v>0.28947368421052633</c:v>
+                </c:pt>
+                <c:pt idx="79">
+                  <c:v>0.29210526315789476</c:v>
+                </c:pt>
+                <c:pt idx="80">
+                  <c:v>0.29736842105263156</c:v>
+                </c:pt>
+                <c:pt idx="81">
+                  <c:v>0.23947368421052631</c:v>
+                </c:pt>
+                <c:pt idx="82">
+                  <c:v>0.27368421052631581</c:v>
+                </c:pt>
+                <c:pt idx="83">
+                  <c:v>0.25789473684210529</c:v>
+                </c:pt>
+                <c:pt idx="84">
+                  <c:v>0.28157894736842104</c:v>
+                </c:pt>
+                <c:pt idx="85">
+                  <c:v>0.30263157894736842</c:v>
+                </c:pt>
+                <c:pt idx="86">
+                  <c:v>0.31052631578947371</c:v>
+                </c:pt>
+                <c:pt idx="87">
+                  <c:v>0.27631578947368424</c:v>
+                </c:pt>
+                <c:pt idx="88">
+                  <c:v>0.28947368421052633</c:v>
+                </c:pt>
+                <c:pt idx="89">
+                  <c:v>0.30263157894736842</c:v>
+                </c:pt>
+                <c:pt idx="90">
+                  <c:v>0.26842105263157895</c:v>
+                </c:pt>
+              </c:numCache>
+            </c:numRef>
+          </c:yVal>
+          <c:smooth val="0"/>
+          <c:extLst>
+            <c:ext xmlns:c16="http://schemas.microsoft.com/office/drawing/2014/chart" uri="{C3380CC4-5D6E-409C-BE32-E72D297353CC}">
+              <c16:uniqueId val="{00000002-DE5B-4729-9A6D-B62C7A69917E}"/>
+            </c:ext>
+          </c:extLst>
+        </c:ser>
+        <c:dLbls>
+          <c:showLegendKey val="0"/>
+          <c:showVal val="0"/>
+          <c:showCatName val="0"/>
+          <c:showSerName val="0"/>
+          <c:showPercent val="0"/>
+          <c:showBubbleSize val="0"/>
+        </c:dLbls>
+        <c:axId val="315973440"/>
+        <c:axId val="175273088"/>
+      </c:scatterChart>
+      <c:valAx>
+        <c:axId val="315973440"/>
+        <c:scaling>
+          <c:orientation val="minMax"/>
+          <c:max val="2020"/>
+          <c:min val="1925"/>
+        </c:scaling>
+        <c:delete val="0"/>
+        <c:axPos val="b"/>
+        <c:majorGridlines>
+          <c:spPr>
+            <a:ln w="9525" cap="flat" cmpd="sng" algn="ctr">
+              <a:solidFill>
+                <a:schemeClr val="tx1">
+                  <a:lumMod val="15000"/>
+                  <a:lumOff val="85000"/>
+                </a:schemeClr>
+              </a:solidFill>
+              <a:round/>
+            </a:ln>
+            <a:effectLst/>
+          </c:spPr>
+        </c:majorGridlines>
+        <c:numFmt formatCode="General" sourceLinked="1"/>
+        <c:majorTickMark val="none"/>
+        <c:minorTickMark val="none"/>
+        <c:tickLblPos val="nextTo"/>
+        <c:spPr>
+          <a:noFill/>
+          <a:ln w="9525" cap="flat" cmpd="sng" algn="ctr">
+            <a:solidFill>
+              <a:schemeClr val="tx1">
+                <a:lumMod val="15000"/>
+                <a:lumOff val="85000"/>
+              </a:schemeClr>
+            </a:solidFill>
+            <a:round/>
+          </a:ln>
+          <a:effectLst/>
+        </c:spPr>
+        <c:txPr>
+          <a:bodyPr rot="-60000000" spcFirstLastPara="1" vertOverflow="ellipsis" vert="horz" wrap="square" anchor="ctr" anchorCtr="1"/>
+          <a:lstStyle/>
+          <a:p>
+            <a:pPr>
+              <a:defRPr sz="1200" b="0" i="0" u="none" strike="noStrike" kern="1200" baseline="0">
+                <a:solidFill>
+                  <a:schemeClr val="tx1">
+                    <a:lumMod val="65000"/>
+                    <a:lumOff val="35000"/>
+                  </a:schemeClr>
+                </a:solidFill>
+                <a:latin typeface="Calibri Light" panose="020F0302020204030204" pitchFamily="34" charset="0"/>
+                <a:ea typeface="+mn-ea"/>
+                <a:cs typeface="Calibri Light" panose="020F0302020204030204" pitchFamily="34" charset="0"/>
+              </a:defRPr>
+            </a:pPr>
+            <a:endParaRPr lang="es-ES"/>
+          </a:p>
+        </c:txPr>
+        <c:crossAx val="175273088"/>
+        <c:crosses val="autoZero"/>
+        <c:crossBetween val="midCat"/>
+        <c:majorUnit val="5"/>
+      </c:valAx>
+      <c:valAx>
+        <c:axId val="175273088"/>
+        <c:scaling>
+          <c:orientation val="minMax"/>
+        </c:scaling>
+        <c:delete val="0"/>
+        <c:axPos val="l"/>
+        <c:majorGridlines>
+          <c:spPr>
+            <a:ln w="9525" cap="flat" cmpd="sng" algn="ctr">
+              <a:solidFill>
+                <a:schemeClr val="tx1">
+                  <a:lumMod val="15000"/>
+                  <a:lumOff val="85000"/>
+                </a:schemeClr>
+              </a:solidFill>
+              <a:round/>
+            </a:ln>
+            <a:effectLst/>
+          </c:spPr>
+        </c:majorGridlines>
+        <c:numFmt formatCode="0%" sourceLinked="0"/>
+        <c:majorTickMark val="none"/>
+        <c:minorTickMark val="none"/>
+        <c:tickLblPos val="nextTo"/>
+        <c:spPr>
+          <a:noFill/>
+          <a:ln>
+            <a:noFill/>
+          </a:ln>
+          <a:effectLst/>
+        </c:spPr>
+        <c:txPr>
+          <a:bodyPr rot="-60000000" spcFirstLastPara="1" vertOverflow="ellipsis" vert="horz" wrap="square" anchor="ctr" anchorCtr="1"/>
+          <a:lstStyle/>
+          <a:p>
+            <a:pPr>
+              <a:defRPr sz="1200" b="0" i="0" u="none" strike="noStrike" kern="1200" baseline="0">
+                <a:solidFill>
+                  <a:schemeClr val="tx1">
+                    <a:lumMod val="65000"/>
+                    <a:lumOff val="35000"/>
+                  </a:schemeClr>
+                </a:solidFill>
+                <a:latin typeface="Calibri Light" panose="020F0302020204030204" pitchFamily="34" charset="0"/>
+                <a:ea typeface="+mn-ea"/>
+                <a:cs typeface="Calibri Light" panose="020F0302020204030204" pitchFamily="34" charset="0"/>
+              </a:defRPr>
+            </a:pPr>
+            <a:endParaRPr lang="es-ES"/>
+          </a:p>
+        </c:txPr>
+        <c:crossAx val="315973440"/>
+        <c:crosses val="autoZero"/>
+        <c:crossBetween val="midCat"/>
+      </c:valAx>
+      <c:spPr>
+        <a:noFill/>
+        <a:ln>
+          <a:noFill/>
+        </a:ln>
+        <a:effectLst/>
+      </c:spPr>
+    </c:plotArea>
+    <c:legend>
+      <c:legendPos val="b"/>
+      <c:overlay val="0"/>
+      <c:spPr>
+        <a:noFill/>
+        <a:ln>
+          <a:noFill/>
+        </a:ln>
+        <a:effectLst/>
+      </c:spPr>
+      <c:txPr>
+        <a:bodyPr rot="0" spcFirstLastPara="1" vertOverflow="ellipsis" vert="horz" wrap="square" anchor="ctr" anchorCtr="1"/>
+        <a:lstStyle/>
+        <a:p>
+          <a:pPr>
+            <a:defRPr sz="1200" b="0" i="0" u="none" strike="noStrike" kern="1200" baseline="0">
+              <a:solidFill>
+                <a:schemeClr val="tx1">
+                  <a:lumMod val="65000"/>
+                  <a:lumOff val="35000"/>
+                </a:schemeClr>
+              </a:solidFill>
+              <a:latin typeface="Calibri Light" panose="020F0302020204030204" pitchFamily="34" charset="0"/>
+              <a:ea typeface="+mn-ea"/>
+              <a:cs typeface="Calibri Light" panose="020F0302020204030204" pitchFamily="34" charset="0"/>
+            </a:defRPr>
+          </a:pPr>
+          <a:endParaRPr lang="es-ES"/>
+        </a:p>
+      </c:txPr>
+    </c:legend>
+    <c:plotVisOnly val="1"/>
+    <c:dispBlanksAs val="gap"/>
+    <c:extLst>
+      <c:ext xmlns:c16r3="http://schemas.microsoft.com/office/drawing/2017/03/chart" uri="{56B9EC1D-385E-4148-901F-78D8002777C0}">
+        <c16r3:dataDisplayOptions16>
+          <c16r3:dispNaAsBlank val="1"/>
+        </c16r3:dataDisplayOptions16>
+      </c:ext>
+    </c:extLst>
+    <c:showDLblsOverMax val="0"/>
+  </c:chart>
+  <c:spPr>
+    <a:noFill/>
+    <a:ln>
+      <a:noFill/>
+    </a:ln>
+    <a:effectLst/>
+  </c:spPr>
+  <c:txPr>
+    <a:bodyPr/>
+    <a:lstStyle/>
+    <a:p>
+      <a:pPr>
+        <a:defRPr sz="1200">
+          <a:latin typeface="Calibri Light" panose="020F0302020204030204" pitchFamily="34" charset="0"/>
+          <a:cs typeface="Calibri Light" panose="020F0302020204030204" pitchFamily="34" charset="0"/>
+        </a:defRPr>
+      </a:pPr>
+      <a:endParaRPr lang="es-ES"/>
+    </a:p>
+  </c:txPr>
+  <c:externalData r:id="rId3">
+    <c:autoUpdate val="0"/>
+  </c:externalData>
+</c:chartSpace>
+</file>
+
+<file path=ppt/charts/colors1.xml><?xml version="1.0" encoding="utf-8"?>
+<cs:colorStyle xmlns:cs="http://schemas.microsoft.com/office/drawing/2012/chartStyle" xmlns:a="http://schemas.openxmlformats.org/drawingml/2006/main" meth="cycle" id="11">
+  <a:schemeClr val="accent1"/>
+  <a:schemeClr val="accent3"/>
+  <a:schemeClr val="accent5"/>
+  <cs:variation/>
+  <cs:variation>
+    <a:lumMod val="60000"/>
+  </cs:variation>
+  <cs:variation>
+    <a:lumMod val="80000"/>
+    <a:lumOff val="20000"/>
+  </cs:variation>
+  <cs:variation>
+    <a:lumMod val="80000"/>
+  </cs:variation>
+  <cs:variation>
+    <a:lumMod val="60000"/>
+    <a:lumOff val="40000"/>
+  </cs:variation>
+  <cs:variation>
+    <a:lumMod val="50000"/>
+  </cs:variation>
+  <cs:variation>
+    <a:lumMod val="70000"/>
+    <a:lumOff val="30000"/>
+  </cs:variation>
+  <cs:variation>
+    <a:lumMod val="70000"/>
+  </cs:variation>
+  <cs:variation>
+    <a:lumMod val="50000"/>
+    <a:lumOff val="50000"/>
+  </cs:variation>
+</cs:colorStyle>
+</file>
+
+<file path=ppt/charts/style1.xml><?xml version="1.0" encoding="utf-8"?>
+<cs:chartStyle xmlns:cs="http://schemas.microsoft.com/office/drawing/2012/chartStyle" xmlns:a="http://schemas.openxmlformats.org/drawingml/2006/main" id="227">
+  <cs:axisTitle>
+    <cs:lnRef idx="0"/>
+    <cs:fillRef idx="0"/>
+    <cs:effectRef idx="0"/>
+    <cs:fontRef idx="minor">
+      <a:schemeClr val="tx1">
+        <a:lumMod val="65000"/>
+        <a:lumOff val="35000"/>
+      </a:schemeClr>
+    </cs:fontRef>
+    <cs:defRPr sz="1330" kern="1200"/>
+  </cs:axisTitle>
+  <cs:categoryAxis>
+    <cs:lnRef idx="0"/>
+    <cs:fillRef idx="0"/>
+    <cs:effectRef idx="0"/>
+    <cs:fontRef idx="minor">
+      <a:schemeClr val="tx1">
+        <a:lumMod val="65000"/>
+        <a:lumOff val="35000"/>
+      </a:schemeClr>
+    </cs:fontRef>
+    <cs:spPr>
+      <a:ln w="9525" cap="flat" cmpd="sng" algn="ctr">
+        <a:solidFill>
+          <a:schemeClr val="tx1">
+            <a:lumMod val="15000"/>
+            <a:lumOff val="85000"/>
+          </a:schemeClr>
+        </a:solidFill>
+        <a:round/>
+      </a:ln>
+    </cs:spPr>
+    <cs:defRPr sz="1197" kern="1200"/>
+  </cs:categoryAxis>
+  <cs:chartArea mods="allowNoFillOverride allowNoLineOverride">
+    <cs:lnRef idx="0"/>
+    <cs:fillRef idx="0"/>
+    <cs:effectRef idx="0"/>
+    <cs:fontRef idx="minor">
+      <a:schemeClr val="tx1"/>
+    </cs:fontRef>
+    <cs:spPr>
+      <a:solidFill>
+        <a:schemeClr val="bg1"/>
+      </a:solidFill>
+      <a:ln w="9525" cap="flat" cmpd="sng" algn="ctr">
+        <a:solidFill>
+          <a:schemeClr val="tx1">
+            <a:lumMod val="15000"/>
+            <a:lumOff val="85000"/>
+          </a:schemeClr>
+        </a:solidFill>
+        <a:round/>
+      </a:ln>
+    </cs:spPr>
+    <cs:defRPr sz="1330" kern="1200"/>
+  </cs:chartArea>
+  <cs:dataLabel>
+    <cs:lnRef idx="0"/>
+    <cs:fillRef idx="0"/>
+    <cs:effectRef idx="0"/>
+    <cs:fontRef idx="minor">
+      <a:schemeClr val="tx1">
+        <a:lumMod val="75000"/>
+        <a:lumOff val="25000"/>
+      </a:schemeClr>
+    </cs:fontRef>
+    <cs:defRPr sz="1197" kern="1200"/>
+  </cs:dataLabel>
+  <cs:dataLabelCallout>
+    <cs:lnRef idx="0"/>
+    <cs:fillRef idx="0"/>
+    <cs:effectRef idx="0"/>
+    <cs:fontRef idx="minor">
+      <a:schemeClr val="dk1">
+        <a:lumMod val="65000"/>
+        <a:lumOff val="35000"/>
+      </a:schemeClr>
+    </cs:fontRef>
+    <cs:spPr>
+      <a:solidFill>
+        <a:schemeClr val="lt1"/>
+      </a:solidFill>
+      <a:ln>
+        <a:solidFill>
+          <a:schemeClr val="dk1">
+            <a:lumMod val="25000"/>
+            <a:lumOff val="75000"/>
+          </a:schemeClr>
+        </a:solidFill>
+      </a:ln>
+    </cs:spPr>
+    <cs:defRPr sz="1197" kern="1200"/>
+    <cs:bodyPr rot="0" spcFirstLastPara="1" vertOverflow="clip" horzOverflow="clip" vert="horz" wrap="square" lIns="36576" tIns="18288" rIns="36576" bIns="18288" anchor="ctr" anchorCtr="1">
+      <a:spAutoFit/>
+    </cs:bodyPr>
+  </cs:dataLabelCallout>
+  <cs:dataPoint>
+    <cs:lnRef idx="0"/>
+    <cs:fillRef idx="1">
+      <cs:styleClr val="auto"/>
+    </cs:fillRef>
+    <cs:effectRef idx="0"/>
+    <cs:fontRef idx="minor">
+      <a:schemeClr val="tx1"/>
+    </cs:fontRef>
+    <cs:spPr>
+      <a:solidFill>
+        <a:schemeClr val="phClr"/>
+      </a:solidFill>
+    </cs:spPr>
+  </cs:dataPoint>
+  <cs:dataPoint3D>
+    <cs:lnRef idx="0"/>
+    <cs:fillRef idx="1">
+      <cs:styleClr val="auto"/>
+    </cs:fillRef>
+    <cs:effectRef idx="0"/>
+    <cs:fontRef idx="minor">
+      <a:schemeClr val="tx1"/>
+    </cs:fontRef>
+    <cs:spPr>
+      <a:solidFill>
+        <a:schemeClr val="phClr"/>
+      </a:solidFill>
+    </cs:spPr>
+  </cs:dataPoint3D>
+  <cs:dataPointLine>
+    <cs:lnRef idx="0">
+      <cs:styleClr val="auto"/>
+    </cs:lnRef>
+    <cs:fillRef idx="1"/>
+    <cs:effectRef idx="0"/>
+    <cs:fontRef idx="minor">
+      <a:schemeClr val="tx1"/>
+    </cs:fontRef>
+    <cs:spPr>
+      <a:ln w="28575" cap="rnd">
+        <a:solidFill>
+          <a:schemeClr val="phClr"/>
+        </a:solidFill>
+        <a:round/>
+      </a:ln>
+    </cs:spPr>
+  </cs:dataPointLine>
+  <cs:dataPointMarker>
+    <cs:lnRef idx="0">
+      <cs:styleClr val="auto"/>
+    </cs:lnRef>
+    <cs:fillRef idx="1">
+      <cs:styleClr val="auto"/>
+    </cs:fillRef>
+    <cs:effectRef idx="0"/>
+    <cs:fontRef idx="minor">
+      <a:schemeClr val="tx1"/>
+    </cs:fontRef>
+    <cs:spPr>
+      <a:solidFill>
+        <a:schemeClr val="phClr"/>
+      </a:solidFill>
+      <a:ln w="9525">
+        <a:solidFill>
+          <a:schemeClr val="phClr"/>
+        </a:solidFill>
+      </a:ln>
+    </cs:spPr>
+  </cs:dataPointMarker>
+  <cs:dataPointMarkerLayout symbol="circle" size="5"/>
+  <cs:dataPointWireframe>
+    <cs:lnRef idx="0">
+      <cs:styleClr val="auto"/>
+    </cs:lnRef>
+    <cs:fillRef idx="1"/>
+    <cs:effectRef idx="0"/>
+    <cs:fontRef idx="minor">
+      <a:schemeClr val="tx1"/>
+    </cs:fontRef>
+    <cs:spPr>
+      <a:ln w="9525" cap="rnd">
+        <a:solidFill>
+          <a:schemeClr val="phClr"/>
+        </a:solidFill>
+        <a:round/>
+      </a:ln>
+    </cs:spPr>
+  </cs:dataPointWireframe>
+  <cs:dataTable>
+    <cs:lnRef idx="0"/>
+    <cs:fillRef idx="0"/>
+    <cs:effectRef idx="0"/>
+    <cs:fontRef idx="minor">
+      <a:schemeClr val="tx1">
+        <a:lumMod val="65000"/>
+        <a:lumOff val="35000"/>
+      </a:schemeClr>
+    </cs:fontRef>
+    <cs:spPr>
+      <a:noFill/>
+      <a:ln w="9525" cap="flat" cmpd="sng" algn="ctr">
+        <a:solidFill>
+          <a:schemeClr val="tx1">
+            <a:lumMod val="15000"/>
+            <a:lumOff val="85000"/>
+          </a:schemeClr>
+        </a:solidFill>
+        <a:round/>
+      </a:ln>
+    </cs:spPr>
+    <cs:defRPr sz="1197" kern="1200"/>
+  </cs:dataTable>
+  <cs:downBar>
+    <cs:lnRef idx="0"/>
+    <cs:fillRef idx="0"/>
+    <cs:effectRef idx="0"/>
+    <cs:fontRef idx="minor">
+      <a:schemeClr val="dk1"/>
+    </cs:fontRef>
+    <cs:spPr>
+      <a:solidFill>
+        <a:schemeClr val="dk1">
+          <a:lumMod val="65000"/>
+          <a:lumOff val="35000"/>
+        </a:schemeClr>
+      </a:solidFill>
+      <a:ln w="9525">
+        <a:solidFill>
+          <a:schemeClr val="tx1">
+            <a:lumMod val="65000"/>
+            <a:lumOff val="35000"/>
+          </a:schemeClr>
+        </a:solidFill>
+      </a:ln>
+    </cs:spPr>
+  </cs:downBar>
+  <cs:dropLine>
+    <cs:lnRef idx="0"/>
+    <cs:fillRef idx="0"/>
+    <cs:effectRef idx="0"/>
+    <cs:fontRef idx="minor">
+      <a:schemeClr val="tx1"/>
+    </cs:fontRef>
+    <cs:spPr>
+      <a:ln w="9525" cap="flat" cmpd="sng" algn="ctr">
+        <a:solidFill>
+          <a:schemeClr val="tx1">
+            <a:lumMod val="35000"/>
+            <a:lumOff val="65000"/>
+          </a:schemeClr>
+        </a:solidFill>
+        <a:round/>
+      </a:ln>
+    </cs:spPr>
+  </cs:dropLine>
+  <cs:errorBar>
+    <cs:lnRef idx="0"/>
+    <cs:fillRef idx="0"/>
+    <cs:effectRef idx="0"/>
+    <cs:fontRef idx="minor">
+      <a:schemeClr val="tx1"/>
+    </cs:fontRef>
+    <cs:spPr>
+      <a:ln w="9525" cap="flat" cmpd="sng" algn="ctr">
+        <a:solidFill>
+          <a:schemeClr val="tx1">
+            <a:lumMod val="65000"/>
+            <a:lumOff val="35000"/>
+          </a:schemeClr>
+        </a:solidFill>
+        <a:round/>
+      </a:ln>
+    </cs:spPr>
+  </cs:errorBar>
+  <cs:floor>
+    <cs:lnRef idx="0"/>
+    <cs:fillRef idx="0"/>
+    <cs:effectRef idx="0"/>
+    <cs:fontRef idx="minor">
+      <a:schemeClr val="tx1"/>
+    </cs:fontRef>
+    <cs:spPr>
+      <a:noFill/>
+      <a:ln>
+        <a:noFill/>
+      </a:ln>
+    </cs:spPr>
+  </cs:floor>
+  <cs:gridlineMajor>
+    <cs:lnRef idx="0"/>
+    <cs:fillRef idx="0"/>
+    <cs:effectRef idx="0"/>
+    <cs:fontRef idx="minor">
+      <a:schemeClr val="tx1"/>
+    </cs:fontRef>
+    <cs:spPr>
+      <a:ln w="9525" cap="flat" cmpd="sng" algn="ctr">
+        <a:solidFill>
+          <a:schemeClr val="tx1">
+            <a:lumMod val="15000"/>
+            <a:lumOff val="85000"/>
+          </a:schemeClr>
+        </a:solidFill>
+        <a:round/>
+      </a:ln>
+    </cs:spPr>
+  </cs:gridlineMajor>
+  <cs:gridlineMinor>
+    <cs:lnRef idx="0"/>
+    <cs:fillRef idx="0"/>
+    <cs:effectRef idx="0"/>
+    <cs:fontRef idx="minor">
+      <a:schemeClr val="tx1"/>
+    </cs:fontRef>
+    <cs:spPr>
+      <a:ln w="9525" cap="flat" cmpd="sng" algn="ctr">
+        <a:solidFill>
+          <a:schemeClr val="tx1">
+            <a:lumMod val="5000"/>
+            <a:lumOff val="95000"/>
+          </a:schemeClr>
+        </a:solidFill>
+        <a:round/>
+      </a:ln>
+    </cs:spPr>
+  </cs:gridlineMinor>
+  <cs:hiLoLine>
+    <cs:lnRef idx="0"/>
+    <cs:fillRef idx="0"/>
+    <cs:effectRef idx="0"/>
+    <cs:fontRef idx="minor">
+      <a:schemeClr val="tx1"/>
+    </cs:fontRef>
+    <cs:spPr>
+      <a:ln w="9525" cap="flat" cmpd="sng" algn="ctr">
+        <a:solidFill>
+          <a:schemeClr val="tx1">
+            <a:lumMod val="75000"/>
+            <a:lumOff val="25000"/>
+          </a:schemeClr>
+        </a:solidFill>
+        <a:round/>
+      </a:ln>
+    </cs:spPr>
+  </cs:hiLoLine>
+  <cs:leaderLine>
+    <cs:lnRef idx="0"/>
+    <cs:fillRef idx="0"/>
+    <cs:effectRef idx="0"/>
+    <cs:fontRef idx="minor">
+      <a:schemeClr val="tx1"/>
+    </cs:fontRef>
+    <cs:spPr>
+      <a:ln w="9525" cap="flat" cmpd="sng" algn="ctr">
+        <a:solidFill>
+          <a:schemeClr val="tx1">
+            <a:lumMod val="35000"/>
+            <a:lumOff val="65000"/>
+          </a:schemeClr>
+        </a:solidFill>
+        <a:round/>
+      </a:ln>
+    </cs:spPr>
+  </cs:leaderLine>
+  <cs:legend>
+    <cs:lnRef idx="0"/>
+    <cs:fillRef idx="0"/>
+    <cs:effectRef idx="0"/>
+    <cs:fontRef idx="minor">
+      <a:schemeClr val="tx1">
+        <a:lumMod val="65000"/>
+        <a:lumOff val="35000"/>
+      </a:schemeClr>
+    </cs:fontRef>
+    <cs:defRPr sz="1197" kern="1200"/>
+  </cs:legend>
+  <cs:plotArea mods="allowNoFillOverride allowNoLineOverride">
+    <cs:lnRef idx="0"/>
+    <cs:fillRef idx="0"/>
+    <cs:effectRef idx="0"/>
+    <cs:fontRef idx="minor">
+      <a:schemeClr val="tx1"/>
+    </cs:fontRef>
+  </cs:plotArea>
+  <cs:plotArea3D mods="allowNoFillOverride allowNoLineOverride">
+    <cs:lnRef idx="0"/>
+    <cs:fillRef idx="0"/>
+    <cs:effectRef idx="0"/>
+    <cs:fontRef idx="minor">
+      <a:schemeClr val="tx1"/>
+    </cs:fontRef>
+  </cs:plotArea3D>
+  <cs:seriesAxis>
+    <cs:lnRef idx="0"/>
+    <cs:fillRef idx="0"/>
+    <cs:effectRef idx="0"/>
+    <cs:fontRef idx="minor">
+      <a:schemeClr val="tx1">
+        <a:lumMod val="65000"/>
+        <a:lumOff val="35000"/>
+      </a:schemeClr>
+    </cs:fontRef>
+    <cs:defRPr sz="1197" kern="1200"/>
+  </cs:seriesAxis>
+  <cs:seriesLine>
+    <cs:lnRef idx="0"/>
+    <cs:fillRef idx="0"/>
+    <cs:effectRef idx="0"/>
+    <cs:fontRef idx="minor">
+      <a:schemeClr val="tx1"/>
+    </cs:fontRef>
+    <cs:spPr>
+      <a:ln w="9525" cap="flat" cmpd="sng" algn="ctr">
+        <a:solidFill>
+          <a:schemeClr val="tx1">
+            <a:lumMod val="35000"/>
+            <a:lumOff val="65000"/>
+          </a:schemeClr>
+        </a:solidFill>
+        <a:round/>
+      </a:ln>
+    </cs:spPr>
+  </cs:seriesLine>
+  <cs:title>
+    <cs:lnRef idx="0"/>
+    <cs:fillRef idx="0"/>
+    <cs:effectRef idx="0"/>
+    <cs:fontRef idx="minor">
+      <a:schemeClr val="tx1">
+        <a:lumMod val="65000"/>
+        <a:lumOff val="35000"/>
+      </a:schemeClr>
+    </cs:fontRef>
+    <cs:defRPr sz="1862" b="0" kern="1200" spc="0" baseline="0"/>
+  </cs:title>
+  <cs:trendline>
+    <cs:lnRef idx="0">
+      <cs:styleClr val="auto"/>
+    </cs:lnRef>
+    <cs:fillRef idx="0"/>
+    <cs:effectRef idx="0"/>
+    <cs:fontRef idx="minor">
+      <a:schemeClr val="tx1"/>
+    </cs:fontRef>
+    <cs:spPr>
+      <a:ln w="19050" cap="rnd">
+        <a:solidFill>
+          <a:schemeClr val="phClr"/>
+        </a:solidFill>
+        <a:prstDash val="sysDot"/>
+      </a:ln>
+    </cs:spPr>
+  </cs:trendline>
+  <cs:trendlineLabel>
+    <cs:lnRef idx="0"/>
+    <cs:fillRef idx="0"/>
+    <cs:effectRef idx="0"/>
+    <cs:fontRef idx="minor">
+      <a:schemeClr val="tx1">
+        <a:lumMod val="65000"/>
+        <a:lumOff val="35000"/>
+      </a:schemeClr>
+    </cs:fontRef>
+    <cs:defRPr sz="1197" kern="1200"/>
+  </cs:trendlineLabel>
+  <cs:upBar>
+    <cs:lnRef idx="0"/>
+    <cs:fillRef idx="0"/>
+    <cs:effectRef idx="0"/>
+    <cs:fontRef idx="minor">
+      <a:schemeClr val="dk1"/>
+    </cs:fontRef>
+    <cs:spPr>
+      <a:solidFill>
+        <a:schemeClr val="lt1"/>
+      </a:solidFill>
+      <a:ln w="9525">
+        <a:solidFill>
+          <a:schemeClr val="tx1">
+            <a:lumMod val="15000"/>
+            <a:lumOff val="85000"/>
+          </a:schemeClr>
+        </a:solidFill>
+      </a:ln>
+    </cs:spPr>
+  </cs:upBar>
+  <cs:valueAxis>
+    <cs:lnRef idx="0"/>
+    <cs:fillRef idx="0"/>
+    <cs:effectRef idx="0"/>
+    <cs:fontRef idx="minor">
+      <a:schemeClr val="tx1">
+        <a:lumMod val="65000"/>
+        <a:lumOff val="35000"/>
+      </a:schemeClr>
+    </cs:fontRef>
+    <cs:defRPr sz="1197" kern="1200"/>
+  </cs:valueAxis>
+  <cs:wall>
+    <cs:lnRef idx="0"/>
+    <cs:fillRef idx="0"/>
+    <cs:effectRef idx="0"/>
+    <cs:fontRef idx="minor">
+      <a:schemeClr val="tx1"/>
+    </cs:fontRef>
+    <cs:spPr>
+      <a:noFill/>
+      <a:ln>
+        <a:noFill/>
+      </a:ln>
+    </cs:spPr>
+  </cs:wall>
+</cs:chartStyle>
+</file>
+
 <file path=ppt/handoutMasters/handoutMaster1.xml><?xml version="1.0" encoding="utf-8"?>
 <p:handoutMaster xmlns:a="http://schemas.openxmlformats.org/drawingml/2006/main" xmlns:r="http://schemas.openxmlformats.org/officeDocument/2006/relationships" xmlns:p="http://schemas.openxmlformats.org/presentationml/2006/main">
   <p:cSld>
@@ -243,7 +2799,7 @@
           <a:p>
             <a:fld id="{F6C20B68-83F5-473B-815A-1B1AD2334AD2}" type="datetimeFigureOut">
               <a:rPr lang="en-GB" smtClean="0"/>
-              <a:t>15/01/2020</a:t>
+              <a:t>16/01/2020</a:t>
             </a:fld>
             <a:endParaRPr lang="en-GB"/>
           </a:p>
@@ -420,7 +2976,7 @@
           <a:p>
             <a:fld id="{2E016E0A-16CC-45D7-A99F-8500BDA2347F}" type="datetimeFigureOut">
               <a:rPr lang="en-GB" smtClean="0"/>
-              <a:t>15/01/2020</a:t>
+              <a:t>16/01/2020</a:t>
             </a:fld>
             <a:endParaRPr lang="en-GB"/>
           </a:p>
@@ -9481,7 +12037,7 @@
           <a:p>
             <a:fld id="{6AD6EE87-EBD5-4F12-A48A-63ACA297AC8F}" type="datetimeFigureOut">
               <a:rPr lang="en-US" dirty="0"/>
-              <a:t>1/15/2020</a:t>
+              <a:t>1/16/2020</a:t>
             </a:fld>
             <a:endParaRPr lang="en-US" dirty="0"/>
           </a:p>
@@ -9683,7 +12239,7 @@
           <a:p>
             <a:fld id="{4CD73815-2707-4475-8F1A-B873CB631BB4}" type="datetimeFigureOut">
               <a:rPr lang="en-US" dirty="0"/>
-              <a:t>1/15/2020</a:t>
+              <a:t>1/16/2020</a:t>
             </a:fld>
             <a:endParaRPr lang="en-US" dirty="0"/>
           </a:p>
@@ -9858,7 +12414,7 @@
           <a:p>
             <a:fld id="{2A4AFB99-0EAB-4182-AFF8-E214C82A68F6}" type="datetimeFigureOut">
               <a:rPr lang="en-US" dirty="0"/>
-              <a:t>1/15/2020</a:t>
+              <a:t>1/16/2020</a:t>
             </a:fld>
             <a:endParaRPr lang="en-US" dirty="0"/>
           </a:p>
@@ -10089,7 +12645,7 @@
           <a:p>
             <a:fld id="{A5D3794B-289A-4A80-97D7-111025398D45}" type="datetimeFigureOut">
               <a:rPr lang="en-US" dirty="0"/>
-              <a:t>1/15/2020</a:t>
+              <a:t>1/16/2020</a:t>
             </a:fld>
             <a:endParaRPr lang="en-US" dirty="0"/>
           </a:p>
@@ -18982,7 +21538,7 @@
           <a:p>
             <a:fld id="{5A61015F-7CC6-4D0A-9D87-873EA4C304CC}" type="datetimeFigureOut">
               <a:rPr lang="en-US" dirty="0"/>
-              <a:t>1/15/2020</a:t>
+              <a:t>1/16/2020</a:t>
             </a:fld>
             <a:endParaRPr lang="en-US" dirty="0"/>
           </a:p>
@@ -19251,7 +21807,7 @@
           <a:p>
             <a:fld id="{93C6A301-0538-44EC-B09D-202E1042A48B}" type="datetimeFigureOut">
               <a:rPr lang="en-US" dirty="0"/>
-              <a:t>1/15/2020</a:t>
+              <a:t>1/16/2020</a:t>
             </a:fld>
             <a:endParaRPr lang="en-US" dirty="0"/>
           </a:p>
@@ -19644,7 +22200,7 @@
           <a:p>
             <a:fld id="{D789574A-8875-45EF-8EA2-3CAA0F7ABC4C}" type="datetimeFigureOut">
               <a:rPr lang="en-US" dirty="0"/>
-              <a:t>1/15/2020</a:t>
+              <a:t>1/16/2020</a:t>
             </a:fld>
             <a:endParaRPr lang="en-US" dirty="0"/>
           </a:p>
@@ -19757,7 +22313,7 @@
           <a:p>
             <a:fld id="{67EF4D4C-5367-4C26-9E2B-D8088D7FCA81}" type="datetimeFigureOut">
               <a:rPr lang="en-US" dirty="0"/>
-              <a:t>1/15/2020</a:t>
+              <a:t>1/16/2020</a:t>
             </a:fld>
             <a:endParaRPr lang="en-US" dirty="0"/>
           </a:p>
@@ -19847,7 +22403,7 @@
           <a:p>
             <a:fld id="{56E91E96-98B0-4413-9547-46F3504108EF}" type="datetimeFigureOut">
               <a:rPr lang="en-US" dirty="0"/>
-              <a:t>1/15/2020</a:t>
+              <a:t>1/16/2020</a:t>
             </a:fld>
             <a:endParaRPr lang="en-US" dirty="0"/>
           </a:p>
@@ -20132,7 +22688,7 @@
           <a:p>
             <a:fld id="{05C68B11-C5A8-448C-8CE9-B1A273C79CFC}" type="datetimeFigureOut">
               <a:rPr lang="en-US" dirty="0"/>
-              <a:t>1/15/2020</a:t>
+              <a:t>1/16/2020</a:t>
             </a:fld>
             <a:endParaRPr lang="en-US" dirty="0"/>
           </a:p>
@@ -20407,7 +22963,7 @@
           <a:p>
             <a:fld id="{C7616CA0-919D-4A49-9C8A-62FDFB3A5183}" type="datetimeFigureOut">
               <a:rPr lang="en-US" dirty="0"/>
-              <a:t>1/15/2020</a:t>
+              <a:t>1/16/2020</a:t>
             </a:fld>
             <a:endParaRPr lang="en-US" dirty="0"/>
           </a:p>
@@ -20653,7 +23209,7 @@
             <a:fld id="{90298CD5-6C1E-4009-B41F-6DF62E31D3BE}" type="datetimeFigureOut">
               <a:rPr lang="en-US" dirty="0"/>
               <a:pPr/>
-              <a:t>1/15/2020</a:t>
+              <a:t>1/16/2020</a:t>
             </a:fld>
             <a:endParaRPr lang="en-US" dirty="0"/>
           </a:p>
@@ -22463,6 +25019,379 @@
           <p:cNvPr id="2" name="Título 1">
             <a:extLst>
               <a:ext uri="{FF2B5EF4-FFF2-40B4-BE49-F238E27FC236}">
+                <a16:creationId xmlns:a16="http://schemas.microsoft.com/office/drawing/2014/main" id="{2597ECEB-5B48-4F7A-A751-6C5C761AB7B3}"/>
+              </a:ext>
+            </a:extLst>
+          </p:cNvPr>
+          <p:cNvSpPr>
+            <a:spLocks noGrp="1"/>
+          </p:cNvSpPr>
+          <p:nvPr>
+            <p:ph type="title"/>
+          </p:nvPr>
+        </p:nvSpPr>
+        <p:spPr/>
+        <p:txBody>
+          <a:bodyPr/>
+          <a:lstStyle/>
+          <a:p>
+            <a:r>
+              <a:rPr lang="en-GB" dirty="0"/>
+              <a:t>Used data</a:t>
+            </a:r>
+          </a:p>
+        </p:txBody>
+      </p:sp>
+      <p:graphicFrame>
+        <p:nvGraphicFramePr>
+          <p:cNvPr id="6" name="Marcador de contenido 5">
+            <a:extLst>
+              <a:ext uri="{FF2B5EF4-FFF2-40B4-BE49-F238E27FC236}">
+                <a16:creationId xmlns:a16="http://schemas.microsoft.com/office/drawing/2014/main" id="{40B0B49E-6995-4562-9B21-12DF09C5A33C}"/>
+              </a:ext>
+            </a:extLst>
+          </p:cNvPr>
+          <p:cNvGraphicFramePr>
+            <a:graphicFrameLocks noGrp="1"/>
+          </p:cNvGraphicFramePr>
+          <p:nvPr>
+            <p:ph idx="1"/>
+            <p:extLst>
+              <p:ext uri="{D42A27DB-BD31-4B8C-83A1-F6EECF244321}">
+                <p14:modId xmlns:p14="http://schemas.microsoft.com/office/powerpoint/2010/main" val="736810611"/>
+              </p:ext>
+            </p:extLst>
+          </p:nvPr>
+        </p:nvGraphicFramePr>
+        <p:xfrm>
+          <a:off x="660903" y="1339912"/>
+          <a:ext cx="10873212" cy="5121531"/>
+        </p:xfrm>
+        <a:graphic>
+          <a:graphicData uri="http://schemas.openxmlformats.org/drawingml/2006/chart">
+            <c:chart xmlns:c="http://schemas.openxmlformats.org/drawingml/2006/chart" xmlns:r="http://schemas.openxmlformats.org/officeDocument/2006/relationships" r:id="rId2"/>
+          </a:graphicData>
+        </a:graphic>
+      </p:graphicFrame>
+      <p:pic>
+        <p:nvPicPr>
+          <p:cNvPr id="7" name="Picture 2" descr="https://static.thenounproject.com/png/2560083-200.png">
+            <a:extLst>
+              <a:ext uri="{FF2B5EF4-FFF2-40B4-BE49-F238E27FC236}">
+                <a16:creationId xmlns:a16="http://schemas.microsoft.com/office/drawing/2014/main" id="{655D4A17-866F-4590-B67F-01E0809D92D6}"/>
+              </a:ext>
+            </a:extLst>
+          </p:cNvPr>
+          <p:cNvPicPr>
+            <a:picLocks noChangeAspect="1" noChangeArrowheads="1"/>
+          </p:cNvPicPr>
+          <p:nvPr/>
+        </p:nvPicPr>
+        <p:blipFill>
+          <a:blip r:embed="rId3">
+            <a:extLst>
+              <a:ext uri="{28A0092B-C50C-407E-A947-70E740481C1C}">
+                <a14:useLocalDpi xmlns:a14="http://schemas.microsoft.com/office/drawing/2010/main" val="0"/>
+              </a:ext>
+            </a:extLst>
+          </a:blip>
+          <a:srcRect/>
+          <a:stretch>
+            <a:fillRect/>
+          </a:stretch>
+        </p:blipFill>
+        <p:spPr bwMode="auto">
+          <a:xfrm>
+            <a:off x="11016000" y="288000"/>
+            <a:ext cx="838800" cy="838800"/>
+          </a:xfrm>
+          <a:prstGeom prst="rect">
+            <a:avLst/>
+          </a:prstGeom>
+          <a:noFill/>
+          <a:extLst>
+            <a:ext uri="{909E8E84-426E-40DD-AFC4-6F175D3DCCD1}">
+              <a14:hiddenFill xmlns:a14="http://schemas.microsoft.com/office/drawing/2010/main">
+                <a:solidFill>
+                  <a:srgbClr val="FFFFFF"/>
+                </a:solidFill>
+              </a14:hiddenFill>
+            </a:ext>
+          </a:extLst>
+        </p:spPr>
+      </p:pic>
+      <p:sp>
+        <p:nvSpPr>
+          <p:cNvPr id="8" name="Rectángulo 7">
+            <a:extLst>
+              <a:ext uri="{FF2B5EF4-FFF2-40B4-BE49-F238E27FC236}">
+                <a16:creationId xmlns:a16="http://schemas.microsoft.com/office/drawing/2014/main" id="{D59C43A1-290C-4608-BBF1-ED6020B47B93}"/>
+              </a:ext>
+            </a:extLst>
+          </p:cNvPr>
+          <p:cNvSpPr/>
+          <p:nvPr/>
+        </p:nvSpPr>
+        <p:spPr>
+          <a:xfrm>
+            <a:off x="8967354" y="2649681"/>
+            <a:ext cx="2254827" cy="2753592"/>
+          </a:xfrm>
+          <a:prstGeom prst="rect">
+            <a:avLst/>
+          </a:prstGeom>
+          <a:noFill/>
+          <a:ln w="34925">
+            <a:solidFill>
+              <a:schemeClr val="tx1">
+                <a:lumMod val="75000"/>
+                <a:lumOff val="25000"/>
+              </a:schemeClr>
+            </a:solidFill>
+            <a:prstDash val="dash"/>
+          </a:ln>
+        </p:spPr>
+        <p:style>
+          <a:lnRef idx="2">
+            <a:schemeClr val="accent1">
+              <a:shade val="50000"/>
+            </a:schemeClr>
+          </a:lnRef>
+          <a:fillRef idx="1">
+            <a:schemeClr val="accent1"/>
+          </a:fillRef>
+          <a:effectRef idx="0">
+            <a:schemeClr val="accent1"/>
+          </a:effectRef>
+          <a:fontRef idx="minor">
+            <a:schemeClr val="lt1"/>
+          </a:fontRef>
+        </p:style>
+        <p:txBody>
+          <a:bodyPr rtlCol="0" anchor="ctr"/>
+          <a:lstStyle/>
+          <a:p>
+            <a:pPr algn="ctr"/>
+            <a:endParaRPr lang="en-GB"/>
+          </a:p>
+        </p:txBody>
+      </p:sp>
+      <p:sp>
+        <p:nvSpPr>
+          <p:cNvPr id="9" name="CuadroTexto 8">
+            <a:extLst>
+              <a:ext uri="{FF2B5EF4-FFF2-40B4-BE49-F238E27FC236}">
+                <a16:creationId xmlns:a16="http://schemas.microsoft.com/office/drawing/2014/main" id="{A5486850-0730-45A3-B926-EF61CBDDD2AA}"/>
+              </a:ext>
+            </a:extLst>
+          </p:cNvPr>
+          <p:cNvSpPr txBox="1"/>
+          <p:nvPr/>
+        </p:nvSpPr>
+        <p:spPr>
+          <a:xfrm>
+            <a:off x="9261693" y="2272421"/>
+            <a:ext cx="1647730" cy="369332"/>
+          </a:xfrm>
+          <a:prstGeom prst="rect">
+            <a:avLst/>
+          </a:prstGeom>
+          <a:noFill/>
+        </p:spPr>
+        <p:txBody>
+          <a:bodyPr wrap="square" rtlCol="0">
+            <a:spAutoFit/>
+          </a:bodyPr>
+          <a:lstStyle/>
+          <a:p>
+            <a:pPr algn="ctr"/>
+            <a:r>
+              <a:rPr lang="en-GB" b="1" dirty="0">
+                <a:latin typeface="Calibri "/>
+                <a:cs typeface="Calibri Light" panose="020F0302020204030204" pitchFamily="34" charset="0"/>
+              </a:rPr>
+              <a:t>20 years</a:t>
+            </a:r>
+          </a:p>
+        </p:txBody>
+      </p:sp>
+      <p:sp>
+        <p:nvSpPr>
+          <p:cNvPr id="10" name="CuadroTexto 9">
+            <a:extLst>
+              <a:ext uri="{FF2B5EF4-FFF2-40B4-BE49-F238E27FC236}">
+                <a16:creationId xmlns:a16="http://schemas.microsoft.com/office/drawing/2014/main" id="{FD5F98F3-80BF-4021-A49B-B266F1E85F16}"/>
+              </a:ext>
+            </a:extLst>
+          </p:cNvPr>
+          <p:cNvSpPr txBox="1"/>
+          <p:nvPr/>
+        </p:nvSpPr>
+        <p:spPr>
+          <a:xfrm>
+            <a:off x="1149799" y="1121917"/>
+            <a:ext cx="3340728" cy="369332"/>
+          </a:xfrm>
+          <a:prstGeom prst="rect">
+            <a:avLst/>
+          </a:prstGeom>
+          <a:noFill/>
+        </p:spPr>
+        <p:txBody>
+          <a:bodyPr wrap="square" rtlCol="0">
+            <a:spAutoFit/>
+          </a:bodyPr>
+          <a:lstStyle/>
+          <a:p>
+            <a:r>
+              <a:rPr lang="en-GB" dirty="0">
+                <a:solidFill>
+                  <a:schemeClr val="bg1">
+                    <a:lumMod val="50000"/>
+                  </a:schemeClr>
+                </a:solidFill>
+                <a:latin typeface="Calibri "/>
+              </a:rPr>
+              <a:t>1</a:t>
+            </a:r>
+            <a:r>
+              <a:rPr lang="en-GB" baseline="30000" dirty="0">
+                <a:solidFill>
+                  <a:schemeClr val="bg1">
+                    <a:lumMod val="50000"/>
+                  </a:schemeClr>
+                </a:solidFill>
+                <a:latin typeface="Calibri "/>
+              </a:rPr>
+              <a:t>st</a:t>
+            </a:r>
+            <a:r>
+              <a:rPr lang="en-GB" dirty="0">
+                <a:solidFill>
+                  <a:schemeClr val="bg1">
+                    <a:lumMod val="50000"/>
+                  </a:schemeClr>
+                </a:solidFill>
+                <a:latin typeface="Calibri "/>
+              </a:rPr>
+              <a:t> League Results by Year</a:t>
+            </a:r>
+          </a:p>
+        </p:txBody>
+      </p:sp>
+    </p:spTree>
+    <p:extLst>
+      <p:ext uri="{BB962C8B-B14F-4D97-AF65-F5344CB8AC3E}">
+        <p14:creationId xmlns:p14="http://schemas.microsoft.com/office/powerpoint/2010/main" val="1906608753"/>
+      </p:ext>
+    </p:extLst>
+  </p:cSld>
+  <p:clrMapOvr>
+    <a:masterClrMapping/>
+  </p:clrMapOvr>
+  <p:timing>
+    <p:tnLst>
+      <p:par>
+        <p:cTn id="1" dur="indefinite" restart="never" nodeType="tmRoot">
+          <p:childTnLst>
+            <p:seq concurrent="1" nextAc="seek">
+              <p:cTn id="2" dur="indefinite" nodeType="mainSeq">
+                <p:childTnLst>
+                  <p:par>
+                    <p:cTn id="3" fill="hold">
+                      <p:stCondLst>
+                        <p:cond delay="indefinite"/>
+                        <p:cond evt="onBegin" delay="0">
+                          <p:tn val="2"/>
+                        </p:cond>
+                      </p:stCondLst>
+                      <p:childTnLst>
+                        <p:par>
+                          <p:cTn id="4" fill="hold">
+                            <p:stCondLst>
+                              <p:cond delay="0"/>
+                            </p:stCondLst>
+                            <p:childTnLst>
+                              <p:par>
+                                <p:cTn id="5" presetID="1" presetClass="entr" presetSubtype="0" fill="hold" nodeType="withEffect">
+                                  <p:stCondLst>
+                                    <p:cond delay="0"/>
+                                  </p:stCondLst>
+                                  <p:childTnLst>
+                                    <p:set>
+                                      <p:cBhvr>
+                                        <p:cTn id="6" dur="1" fill="hold">
+                                          <p:stCondLst>
+                                            <p:cond delay="0"/>
+                                          </p:stCondLst>
+                                        </p:cTn>
+                                        <p:tgtEl>
+                                          <p:spTgt spid="7"/>
+                                        </p:tgtEl>
+                                        <p:attrNameLst>
+                                          <p:attrName>style.visibility</p:attrName>
+                                        </p:attrNameLst>
+                                      </p:cBhvr>
+                                      <p:to>
+                                        <p:strVal val="visible"/>
+                                      </p:to>
+                                    </p:set>
+                                  </p:childTnLst>
+                                </p:cTn>
+                              </p:par>
+                            </p:childTnLst>
+                          </p:cTn>
+                        </p:par>
+                      </p:childTnLst>
+                    </p:cTn>
+                  </p:par>
+                </p:childTnLst>
+              </p:cTn>
+              <p:prevCondLst>
+                <p:cond evt="onPrev" delay="0">
+                  <p:tgtEl>
+                    <p:sldTgt/>
+                  </p:tgtEl>
+                </p:cond>
+              </p:prevCondLst>
+              <p:nextCondLst>
+                <p:cond evt="onNext" delay="0">
+                  <p:tgtEl>
+                    <p:sldTgt/>
+                  </p:tgtEl>
+                </p:cond>
+              </p:nextCondLst>
+            </p:seq>
+          </p:childTnLst>
+        </p:cTn>
+      </p:par>
+    </p:tnLst>
+  </p:timing>
+</p:sld>
+</file>
+
+<file path=ppt/slides/slide13.xml><?xml version="1.0" encoding="utf-8"?>
+<p:sld xmlns:a="http://schemas.openxmlformats.org/drawingml/2006/main" xmlns:r="http://schemas.openxmlformats.org/officeDocument/2006/relationships" xmlns:p="http://schemas.openxmlformats.org/presentationml/2006/main">
+  <p:cSld>
+    <p:spTree>
+      <p:nvGrpSpPr>
+        <p:cNvPr id="1" name=""/>
+        <p:cNvGrpSpPr/>
+        <p:nvPr/>
+      </p:nvGrpSpPr>
+      <p:grpSpPr>
+        <a:xfrm>
+          <a:off x="0" y="0"/>
+          <a:ext cx="0" cy="0"/>
+          <a:chOff x="0" y="0"/>
+          <a:chExt cx="0" cy="0"/>
+        </a:xfrm>
+      </p:grpSpPr>
+      <p:sp>
+        <p:nvSpPr>
+          <p:cNvPr id="2" name="Título 1">
+            <a:extLst>
+              <a:ext uri="{FF2B5EF4-FFF2-40B4-BE49-F238E27FC236}">
                 <a16:creationId xmlns:a16="http://schemas.microsoft.com/office/drawing/2014/main" id="{FC40D7B6-FB68-4D83-AA0C-22A4B2497397}"/>
               </a:ext>
             </a:extLst>
@@ -22940,7 +25869,7 @@
 </p:sld>
 </file>
 
-<file path=ppt/slides/slide13.xml><?xml version="1.0" encoding="utf-8"?>
+<file path=ppt/slides/slide14.xml><?xml version="1.0" encoding="utf-8"?>
 <p:sld xmlns:a="http://schemas.openxmlformats.org/drawingml/2006/main" xmlns:r="http://schemas.openxmlformats.org/officeDocument/2006/relationships" xmlns:p="http://schemas.openxmlformats.org/presentationml/2006/main">
   <p:cSld>
     <p:spTree>
@@ -23562,7 +26491,7 @@
 </p:sld>
 </file>
 
-<file path=ppt/slides/slide14.xml><?xml version="1.0" encoding="utf-8"?>
+<file path=ppt/slides/slide15.xml><?xml version="1.0" encoding="utf-8"?>
 <p:sld xmlns:a="http://schemas.openxmlformats.org/drawingml/2006/main" xmlns:r="http://schemas.openxmlformats.org/officeDocument/2006/relationships" xmlns:p="http://schemas.openxmlformats.org/presentationml/2006/main">
   <p:cSld>
     <p:spTree>
@@ -25741,7 +28670,7 @@
 </p:sld>
 </file>
 
-<file path=ppt/slides/slide15.xml><?xml version="1.0" encoding="utf-8"?>
+<file path=ppt/slides/slide16.xml><?xml version="1.0" encoding="utf-8"?>
 <p:sld xmlns:a="http://schemas.openxmlformats.org/drawingml/2006/main" xmlns:r="http://schemas.openxmlformats.org/officeDocument/2006/relationships" xmlns:p="http://schemas.openxmlformats.org/presentationml/2006/main">
   <p:cSld>
     <p:spTree>
@@ -25807,7 +28736,7 @@
 </p:sld>
 </file>
 
-<file path=ppt/slides/slide16.xml><?xml version="1.0" encoding="utf-8"?>
+<file path=ppt/slides/slide17.xml><?xml version="1.0" encoding="utf-8"?>
 <p:sld xmlns:a="http://schemas.openxmlformats.org/drawingml/2006/main" xmlns:r="http://schemas.openxmlformats.org/officeDocument/2006/relationships" xmlns:p="http://schemas.openxmlformats.org/presentationml/2006/main">
   <p:cSld>
     <p:spTree>
@@ -25873,36 +28802,60 @@
           <a:bodyPr/>
           <a:lstStyle/>
           <a:p>
+            <a:pPr marL="457200" indent="-457200">
+              <a:buFont typeface="+mj-lt"/>
+              <a:buAutoNum type="arabicPeriod"/>
+            </a:pPr>
             <a:r>
               <a:rPr lang="en-GB" dirty="0"/>
               <a:t>Store the WebApp in a cloud service.</a:t>
             </a:r>
           </a:p>
           <a:p>
+            <a:pPr marL="457200" indent="-457200">
+              <a:buFont typeface="+mj-lt"/>
+              <a:buAutoNum type="arabicPeriod"/>
+            </a:pPr>
             <a:r>
               <a:rPr lang="en-GB" dirty="0"/>
               <a:t>Automatize processes to access to a new season.</a:t>
             </a:r>
           </a:p>
           <a:p>
+            <a:pPr marL="457200" indent="-457200">
+              <a:buFont typeface="+mj-lt"/>
+              <a:buAutoNum type="arabicPeriod"/>
+            </a:pPr>
             <a:r>
               <a:rPr lang="en-GB" dirty="0"/>
               <a:t>Interface to manage dictionaries.</a:t>
             </a:r>
           </a:p>
           <a:p>
+            <a:pPr marL="457200" indent="-457200">
+              <a:buFont typeface="+mj-lt"/>
+              <a:buAutoNum type="arabicPeriod"/>
+            </a:pPr>
             <a:r>
               <a:rPr lang="en-GB" dirty="0"/>
               <a:t>Build better models with more information and make better predictions.</a:t>
             </a:r>
           </a:p>
           <a:p>
+            <a:pPr marL="457200" indent="-457200">
+              <a:buFont typeface="+mj-lt"/>
+              <a:buAutoNum type="arabicPeriod"/>
+            </a:pPr>
             <a:r>
               <a:rPr lang="en-GB" dirty="0"/>
               <a:t>Create a module to check bets created in the past.</a:t>
             </a:r>
           </a:p>
           <a:p>
+            <a:pPr marL="457200" indent="-457200">
+              <a:buFont typeface="+mj-lt"/>
+              <a:buAutoNum type="arabicPeriod"/>
+            </a:pPr>
             <a:r>
               <a:rPr lang="en-GB" dirty="0"/>
               <a:t>Don’t stop learning but start making money.</a:t>
@@ -25910,53 +28863,6 @@
           </a:p>
         </p:txBody>
       </p:sp>
-      <p:pic>
-        <p:nvPicPr>
-          <p:cNvPr id="5122" name="Picture 2" descr="Imatge relacionada">
-            <a:extLst>
-              <a:ext uri="{FF2B5EF4-FFF2-40B4-BE49-F238E27FC236}">
-                <a16:creationId xmlns:a16="http://schemas.microsoft.com/office/drawing/2014/main" id="{D96B874E-9F06-453A-924F-B148BE68B56C}"/>
-              </a:ext>
-            </a:extLst>
-          </p:cNvPr>
-          <p:cNvPicPr>
-            <a:picLocks noChangeAspect="1" noChangeArrowheads="1"/>
-          </p:cNvPicPr>
-          <p:nvPr/>
-        </p:nvPicPr>
-        <p:blipFill>
-          <a:blip r:embed="rId2">
-            <a:extLst>
-              <a:ext uri="{28A0092B-C50C-407E-A947-70E740481C1C}">
-                <a14:useLocalDpi xmlns:a14="http://schemas.microsoft.com/office/drawing/2010/main" val="0"/>
-              </a:ext>
-            </a:extLst>
-          </a:blip>
-          <a:srcRect/>
-          <a:stretch>
-            <a:fillRect/>
-          </a:stretch>
-        </p:blipFill>
-        <p:spPr bwMode="auto">
-          <a:xfrm>
-            <a:off x="7917873" y="3655260"/>
-            <a:ext cx="3807836" cy="2806184"/>
-          </a:xfrm>
-          <a:prstGeom prst="rect">
-            <a:avLst/>
-          </a:prstGeom>
-          <a:noFill/>
-          <a:extLst>
-            <a:ext uri="{909E8E84-426E-40DD-AFC4-6F175D3DCCD1}">
-              <a14:hiddenFill xmlns:a14="http://schemas.microsoft.com/office/drawing/2010/main">
-                <a:solidFill>
-                  <a:srgbClr val="FFFFFF"/>
-                </a:solidFill>
-              </a14:hiddenFill>
-            </a:ext>
-          </a:extLst>
-        </p:spPr>
-      </p:pic>
     </p:spTree>
     <p:extLst>
       <p:ext uri="{BB962C8B-B14F-4D97-AF65-F5344CB8AC3E}">
@@ -25970,7 +28876,7 @@
 </p:sld>
 </file>
 
-<file path=ppt/slides/slide17.xml><?xml version="1.0" encoding="utf-8"?>
+<file path=ppt/slides/slide18.xml><?xml version="1.0" encoding="utf-8"?>
 <p:sld xmlns:a="http://schemas.openxmlformats.org/drawingml/2006/main" xmlns:r="http://schemas.openxmlformats.org/officeDocument/2006/relationships" xmlns:p="http://schemas.openxmlformats.org/presentationml/2006/main">
   <p:cSld>
     <p:spTree>
@@ -29387,7 +32293,7 @@
                   <a:latin typeface="Calibri Light" panose="020F0302020204030204" pitchFamily="34" charset="0"/>
                   <a:cs typeface="Calibri Light" panose="020F0302020204030204" pitchFamily="34" charset="0"/>
                 </a:rPr>
-                <a:t> Spanish League since first edition. Only last 20 seasons used</a:t>
+                <a:t> Spanish League since first edition. </a:t>
               </a:r>
             </a:p>
           </p:txBody>
@@ -30161,35 +33067,7 @@
                   </a:extLst>
                 </a:hlinkClick>
               </a:rPr>
-              <a:t>https://</a:t>
-            </a:r>
-            <a:r>
-              <a:rPr lang="es-ES" dirty="0">
-                <a:latin typeface="Calibri Light" panose="020F0302020204030204" pitchFamily="34" charset="0"/>
-                <a:cs typeface="Calibri Light" panose="020F0302020204030204" pitchFamily="34" charset="0"/>
-                <a:hlinkClick r:id="rId4">
-                  <a:extLst>
-                    <a:ext uri="{A12FA001-AC4F-418D-AE19-62706E023703}">
-                      <ahyp:hlinkClr xmlns:ahyp="http://schemas.microsoft.com/office/drawing/2018/hyperlinkcolor" val="tx"/>
-                    </a:ext>
-                  </a:extLst>
-                </a:hlinkClick>
-              </a:rPr>
-              <a:t>www.api-football.com</a:t>
-            </a:r>
-            <a:r>
-              <a:rPr lang="es-ES" dirty="0">
-                <a:latin typeface="Calibri Light" panose="020F0302020204030204" pitchFamily="34" charset="0"/>
-                <a:cs typeface="Calibri Light" panose="020F0302020204030204" pitchFamily="34" charset="0"/>
-                <a:hlinkClick r:id="rId4">
-                  <a:extLst>
-                    <a:ext uri="{A12FA001-AC4F-418D-AE19-62706E023703}">
-                      <ahyp:hlinkClr xmlns:ahyp="http://schemas.microsoft.com/office/drawing/2018/hyperlinkcolor" val="tx"/>
-                    </a:ext>
-                  </a:extLst>
-                </a:hlinkClick>
-              </a:rPr>
-              <a:t>/</a:t>
+              <a:t>https://www.api-football.com</a:t>
             </a:r>
             <a:r>
               <a:rPr lang="es-ES" dirty="0">

--- a/PRESENTACION ALBERT.pptx
+++ b/PRESENTACION ALBERT.pptx
@@ -5,30 +5,31 @@
     <p:sldMasterId id="2147483648" r:id="rId1"/>
   </p:sldMasterIdLst>
   <p:notesMasterIdLst>
-    <p:notesMasterId r:id="rId20"/>
+    <p:notesMasterId r:id="rId21"/>
   </p:notesMasterIdLst>
   <p:handoutMasterIdLst>
-    <p:handoutMasterId r:id="rId21"/>
+    <p:handoutMasterId r:id="rId22"/>
   </p:handoutMasterIdLst>
   <p:sldIdLst>
     <p:sldId id="256" r:id="rId2"/>
     <p:sldId id="310" r:id="rId3"/>
-    <p:sldId id="316" r:id="rId4"/>
-    <p:sldId id="311" r:id="rId5"/>
-    <p:sldId id="323" r:id="rId6"/>
-    <p:sldId id="312" r:id="rId7"/>
-    <p:sldId id="314" r:id="rId8"/>
-    <p:sldId id="315" r:id="rId9"/>
-    <p:sldId id="326" r:id="rId10"/>
-    <p:sldId id="317" r:id="rId11"/>
-    <p:sldId id="322" r:id="rId12"/>
-    <p:sldId id="327" r:id="rId13"/>
-    <p:sldId id="324" r:id="rId14"/>
-    <p:sldId id="318" r:id="rId15"/>
-    <p:sldId id="320" r:id="rId16"/>
-    <p:sldId id="321" r:id="rId17"/>
-    <p:sldId id="325" r:id="rId18"/>
-    <p:sldId id="282" r:id="rId19"/>
+    <p:sldId id="328" r:id="rId4"/>
+    <p:sldId id="316" r:id="rId5"/>
+    <p:sldId id="311" r:id="rId6"/>
+    <p:sldId id="323" r:id="rId7"/>
+    <p:sldId id="312" r:id="rId8"/>
+    <p:sldId id="329" r:id="rId9"/>
+    <p:sldId id="315" r:id="rId10"/>
+    <p:sldId id="326" r:id="rId11"/>
+    <p:sldId id="317" r:id="rId12"/>
+    <p:sldId id="322" r:id="rId13"/>
+    <p:sldId id="327" r:id="rId14"/>
+    <p:sldId id="324" r:id="rId15"/>
+    <p:sldId id="318" r:id="rId16"/>
+    <p:sldId id="320" r:id="rId17"/>
+    <p:sldId id="321" r:id="rId18"/>
+    <p:sldId id="325" r:id="rId19"/>
+    <p:sldId id="282" r:id="rId20"/>
   </p:sldIdLst>
   <p:sldSz cx="12192000" cy="6858000"/>
   <p:notesSz cx="6858000" cy="9144000"/>
@@ -2799,7 +2800,7 @@
           <a:p>
             <a:fld id="{F6C20B68-83F5-473B-815A-1B1AD2334AD2}" type="datetimeFigureOut">
               <a:rPr lang="en-GB" smtClean="0"/>
-              <a:t>16/01/2020</a:t>
+              <a:t>22/01/2020</a:t>
             </a:fld>
             <a:endParaRPr lang="en-GB"/>
           </a:p>
@@ -2976,7 +2977,7 @@
           <a:p>
             <a:fld id="{2E016E0A-16CC-45D7-A99F-8500BDA2347F}" type="datetimeFigureOut">
               <a:rPr lang="en-GB" smtClean="0"/>
-              <a:t>16/01/2020</a:t>
+              <a:t>22/01/2020</a:t>
             </a:fld>
             <a:endParaRPr lang="en-GB"/>
           </a:p>
@@ -12037,7 +12038,7 @@
           <a:p>
             <a:fld id="{6AD6EE87-EBD5-4F12-A48A-63ACA297AC8F}" type="datetimeFigureOut">
               <a:rPr lang="en-US" dirty="0"/>
-              <a:t>1/16/2020</a:t>
+              <a:t>1/22/2020</a:t>
             </a:fld>
             <a:endParaRPr lang="en-US" dirty="0"/>
           </a:p>
@@ -12239,7 +12240,7 @@
           <a:p>
             <a:fld id="{4CD73815-2707-4475-8F1A-B873CB631BB4}" type="datetimeFigureOut">
               <a:rPr lang="en-US" dirty="0"/>
-              <a:t>1/16/2020</a:t>
+              <a:t>1/22/2020</a:t>
             </a:fld>
             <a:endParaRPr lang="en-US" dirty="0"/>
           </a:p>
@@ -12414,7 +12415,7 @@
           <a:p>
             <a:fld id="{2A4AFB99-0EAB-4182-AFF8-E214C82A68F6}" type="datetimeFigureOut">
               <a:rPr lang="en-US" dirty="0"/>
-              <a:t>1/16/2020</a:t>
+              <a:t>1/22/2020</a:t>
             </a:fld>
             <a:endParaRPr lang="en-US" dirty="0"/>
           </a:p>
@@ -12645,7 +12646,7 @@
           <a:p>
             <a:fld id="{A5D3794B-289A-4A80-97D7-111025398D45}" type="datetimeFigureOut">
               <a:rPr lang="en-US" dirty="0"/>
-              <a:t>1/16/2020</a:t>
+              <a:t>1/22/2020</a:t>
             </a:fld>
             <a:endParaRPr lang="en-US" dirty="0"/>
           </a:p>
@@ -21538,7 +21539,7 @@
           <a:p>
             <a:fld id="{5A61015F-7CC6-4D0A-9D87-873EA4C304CC}" type="datetimeFigureOut">
               <a:rPr lang="en-US" dirty="0"/>
-              <a:t>1/16/2020</a:t>
+              <a:t>1/22/2020</a:t>
             </a:fld>
             <a:endParaRPr lang="en-US" dirty="0"/>
           </a:p>
@@ -21807,7 +21808,7 @@
           <a:p>
             <a:fld id="{93C6A301-0538-44EC-B09D-202E1042A48B}" type="datetimeFigureOut">
               <a:rPr lang="en-US" dirty="0"/>
-              <a:t>1/16/2020</a:t>
+              <a:t>1/22/2020</a:t>
             </a:fld>
             <a:endParaRPr lang="en-US" dirty="0"/>
           </a:p>
@@ -22200,7 +22201,7 @@
           <a:p>
             <a:fld id="{D789574A-8875-45EF-8EA2-3CAA0F7ABC4C}" type="datetimeFigureOut">
               <a:rPr lang="en-US" dirty="0"/>
-              <a:t>1/16/2020</a:t>
+              <a:t>1/22/2020</a:t>
             </a:fld>
             <a:endParaRPr lang="en-US" dirty="0"/>
           </a:p>
@@ -22313,7 +22314,7 @@
           <a:p>
             <a:fld id="{67EF4D4C-5367-4C26-9E2B-D8088D7FCA81}" type="datetimeFigureOut">
               <a:rPr lang="en-US" dirty="0"/>
-              <a:t>1/16/2020</a:t>
+              <a:t>1/22/2020</a:t>
             </a:fld>
             <a:endParaRPr lang="en-US" dirty="0"/>
           </a:p>
@@ -22403,7 +22404,7 @@
           <a:p>
             <a:fld id="{56E91E96-98B0-4413-9547-46F3504108EF}" type="datetimeFigureOut">
               <a:rPr lang="en-US" dirty="0"/>
-              <a:t>1/16/2020</a:t>
+              <a:t>1/22/2020</a:t>
             </a:fld>
             <a:endParaRPr lang="en-US" dirty="0"/>
           </a:p>
@@ -22688,7 +22689,7 @@
           <a:p>
             <a:fld id="{05C68B11-C5A8-448C-8CE9-B1A273C79CFC}" type="datetimeFigureOut">
               <a:rPr lang="en-US" dirty="0"/>
-              <a:t>1/16/2020</a:t>
+              <a:t>1/22/2020</a:t>
             </a:fld>
             <a:endParaRPr lang="en-US" dirty="0"/>
           </a:p>
@@ -22963,7 +22964,7 @@
           <a:p>
             <a:fld id="{C7616CA0-919D-4A49-9C8A-62FDFB3A5183}" type="datetimeFigureOut">
               <a:rPr lang="en-US" dirty="0"/>
-              <a:t>1/16/2020</a:t>
+              <a:t>1/22/2020</a:t>
             </a:fld>
             <a:endParaRPr lang="en-US" dirty="0"/>
           </a:p>
@@ -23209,7 +23210,7 @@
             <a:fld id="{90298CD5-6C1E-4009-B41F-6DF62E31D3BE}" type="datetimeFigureOut">
               <a:rPr lang="en-US" dirty="0"/>
               <a:pPr/>
-              <a:t>1/16/2020</a:t>
+              <a:t>1/22/2020</a:t>
             </a:fld>
             <a:endParaRPr lang="en-US" dirty="0"/>
           </a:p>
@@ -23785,6 +23786,291 @@
 </file>
 
 <file path=ppt/slides/slide10.xml><?xml version="1.0" encoding="utf-8"?>
+<p:sld xmlns:a="http://schemas.openxmlformats.org/drawingml/2006/main" xmlns:r="http://schemas.openxmlformats.org/officeDocument/2006/relationships" xmlns:p="http://schemas.openxmlformats.org/presentationml/2006/main" show="0">
+  <p:cSld>
+    <p:spTree>
+      <p:nvGrpSpPr>
+        <p:cNvPr id="1" name=""/>
+        <p:cNvGrpSpPr/>
+        <p:nvPr/>
+      </p:nvGrpSpPr>
+      <p:grpSpPr>
+        <a:xfrm>
+          <a:off x="0" y="0"/>
+          <a:ext cx="0" cy="0"/>
+          <a:chOff x="0" y="0"/>
+          <a:chExt cx="0" cy="0"/>
+        </a:xfrm>
+      </p:grpSpPr>
+      <p:sp>
+        <p:nvSpPr>
+          <p:cNvPr id="2" name="Título 1">
+            <a:extLst>
+              <a:ext uri="{FF2B5EF4-FFF2-40B4-BE49-F238E27FC236}">
+                <a16:creationId xmlns:a16="http://schemas.microsoft.com/office/drawing/2014/main" id="{F4453047-2425-4233-8A95-62086D4A0897}"/>
+              </a:ext>
+            </a:extLst>
+          </p:cNvPr>
+          <p:cNvSpPr>
+            <a:spLocks noGrp="1"/>
+          </p:cNvSpPr>
+          <p:nvPr>
+            <p:ph type="title"/>
+          </p:nvPr>
+        </p:nvSpPr>
+        <p:spPr/>
+        <p:txBody>
+          <a:bodyPr/>
+          <a:lstStyle/>
+          <a:p>
+            <a:r>
+              <a:rPr lang="en-GB" dirty="0"/>
+              <a:t>What is an </a:t>
+            </a:r>
+            <a:r>
+              <a:rPr lang="en-GB" dirty="0" err="1"/>
+              <a:t>api</a:t>
+            </a:r>
+            <a:endParaRPr lang="en-GB" dirty="0"/>
+          </a:p>
+        </p:txBody>
+      </p:sp>
+      <p:pic>
+        <p:nvPicPr>
+          <p:cNvPr id="4" name="Imagen 3">
+            <a:extLst>
+              <a:ext uri="{FF2B5EF4-FFF2-40B4-BE49-F238E27FC236}">
+                <a16:creationId xmlns:a16="http://schemas.microsoft.com/office/drawing/2014/main" id="{64790677-F5CF-4CFB-B2D1-7A27B7F95E3F}"/>
+              </a:ext>
+            </a:extLst>
+          </p:cNvPr>
+          <p:cNvPicPr>
+            <a:picLocks noChangeAspect="1"/>
+          </p:cNvPicPr>
+          <p:nvPr/>
+        </p:nvPicPr>
+        <p:blipFill>
+          <a:blip r:embed="rId2"/>
+          <a:stretch>
+            <a:fillRect/>
+          </a:stretch>
+        </p:blipFill>
+        <p:spPr>
+          <a:xfrm>
+            <a:off x="7251826" y="1178832"/>
+            <a:ext cx="1020455" cy="1020455"/>
+          </a:xfrm>
+          <a:prstGeom prst="rect">
+            <a:avLst/>
+          </a:prstGeom>
+        </p:spPr>
+      </p:pic>
+      <p:pic>
+        <p:nvPicPr>
+          <p:cNvPr id="5" name="Imagen 4">
+            <a:extLst>
+              <a:ext uri="{FF2B5EF4-FFF2-40B4-BE49-F238E27FC236}">
+                <a16:creationId xmlns:a16="http://schemas.microsoft.com/office/drawing/2014/main" id="{23ABCD90-0D52-4C21-9095-363534216154}"/>
+              </a:ext>
+            </a:extLst>
+          </p:cNvPr>
+          <p:cNvPicPr>
+            <a:picLocks noChangeAspect="1"/>
+          </p:cNvPicPr>
+          <p:nvPr/>
+        </p:nvPicPr>
+        <p:blipFill rotWithShape="1">
+          <a:blip r:embed="rId3"/>
+          <a:srcRect l="41927" t="12775" r="1413"/>
+          <a:stretch/>
+        </p:blipFill>
+        <p:spPr>
+          <a:xfrm>
+            <a:off x="1010488" y="1220147"/>
+            <a:ext cx="5869075" cy="5646905"/>
+          </a:xfrm>
+          <a:prstGeom prst="rect">
+            <a:avLst/>
+          </a:prstGeom>
+          <a:ln w="6350">
+            <a:solidFill>
+              <a:schemeClr val="bg1">
+                <a:lumMod val="75000"/>
+              </a:schemeClr>
+            </a:solidFill>
+          </a:ln>
+        </p:spPr>
+      </p:pic>
+      <p:sp>
+        <p:nvSpPr>
+          <p:cNvPr id="6" name="CuadroTexto 5">
+            <a:extLst>
+              <a:ext uri="{FF2B5EF4-FFF2-40B4-BE49-F238E27FC236}">
+                <a16:creationId xmlns:a16="http://schemas.microsoft.com/office/drawing/2014/main" id="{A79A607B-F710-468F-8496-7BCC0319AAFD}"/>
+              </a:ext>
+            </a:extLst>
+          </p:cNvPr>
+          <p:cNvSpPr txBox="1"/>
+          <p:nvPr/>
+        </p:nvSpPr>
+        <p:spPr>
+          <a:xfrm>
+            <a:off x="7251826" y="2344848"/>
+            <a:ext cx="3929686" cy="3139321"/>
+          </a:xfrm>
+          <a:prstGeom prst="rect">
+            <a:avLst/>
+          </a:prstGeom>
+          <a:noFill/>
+        </p:spPr>
+        <p:txBody>
+          <a:bodyPr wrap="square" rtlCol="0">
+            <a:spAutoFit/>
+          </a:bodyPr>
+          <a:lstStyle/>
+          <a:p>
+            <a:r>
+              <a:rPr lang="en-US" dirty="0">
+                <a:latin typeface="Calibri Light" panose="020F0302020204030204" pitchFamily="34" charset="0"/>
+                <a:cs typeface="Calibri Light" panose="020F0302020204030204" pitchFamily="34" charset="0"/>
+              </a:rPr>
+              <a:t>API is the acronym for Application Programming Interface, which is a software intermediary that allows two applications to talk to each other. </a:t>
+            </a:r>
+          </a:p>
+          <a:p>
+            <a:endParaRPr lang="en-US" dirty="0">
+              <a:latin typeface="Calibri Light" panose="020F0302020204030204" pitchFamily="34" charset="0"/>
+              <a:cs typeface="Calibri Light" panose="020F0302020204030204" pitchFamily="34" charset="0"/>
+            </a:endParaRPr>
+          </a:p>
+          <a:p>
+            <a:r>
+              <a:rPr lang="en-US" dirty="0">
+                <a:latin typeface="Calibri Light" panose="020F0302020204030204" pitchFamily="34" charset="0"/>
+                <a:cs typeface="Calibri Light" panose="020F0302020204030204" pitchFamily="34" charset="0"/>
+              </a:rPr>
+              <a:t>In this case is the way that </a:t>
+            </a:r>
+            <a:r>
+              <a:rPr lang="en-US" dirty="0" err="1">
+                <a:latin typeface="Calibri Light" panose="020F0302020204030204" pitchFamily="34" charset="0"/>
+                <a:cs typeface="Calibri Light" panose="020F0302020204030204" pitchFamily="34" charset="0"/>
+              </a:rPr>
+              <a:t>Quinielas</a:t>
+            </a:r>
+            <a:r>
+              <a:rPr lang="en-US" dirty="0">
+                <a:latin typeface="Calibri Light" panose="020F0302020204030204" pitchFamily="34" charset="0"/>
+                <a:cs typeface="Calibri Light" panose="020F0302020204030204" pitchFamily="34" charset="0"/>
+              </a:rPr>
+              <a:t> has to access the data stored in </a:t>
+            </a:r>
+            <a:r>
+              <a:rPr lang="es-ES" dirty="0">
+                <a:latin typeface="Calibri Light" panose="020F0302020204030204" pitchFamily="34" charset="0"/>
+                <a:cs typeface="Calibri Light" panose="020F0302020204030204" pitchFamily="34" charset="0"/>
+                <a:hlinkClick r:id="rId4">
+                  <a:extLst>
+                    <a:ext uri="{A12FA001-AC4F-418D-AE19-62706E023703}">
+                      <ahyp:hlinkClr xmlns:ahyp="http://schemas.microsoft.com/office/drawing/2018/hyperlinkcolor" val="tx"/>
+                    </a:ext>
+                  </a:extLst>
+                </a:hlinkClick>
+              </a:rPr>
+              <a:t>https://www.api-football.com</a:t>
+            </a:r>
+            <a:r>
+              <a:rPr lang="es-ES" dirty="0">
+                <a:latin typeface="Calibri Light" panose="020F0302020204030204" pitchFamily="34" charset="0"/>
+                <a:cs typeface="Calibri Light" panose="020F0302020204030204" pitchFamily="34" charset="0"/>
+              </a:rPr>
+              <a:t> and </a:t>
+            </a:r>
+            <a:r>
+              <a:rPr lang="es-ES" dirty="0" err="1">
+                <a:latin typeface="Calibri Light" panose="020F0302020204030204" pitchFamily="34" charset="0"/>
+                <a:cs typeface="Calibri Light" panose="020F0302020204030204" pitchFamily="34" charset="0"/>
+              </a:rPr>
+              <a:t>download</a:t>
+            </a:r>
+            <a:r>
+              <a:rPr lang="es-ES" dirty="0">
+                <a:latin typeface="Calibri Light" panose="020F0302020204030204" pitchFamily="34" charset="0"/>
+                <a:cs typeface="Calibri Light" panose="020F0302020204030204" pitchFamily="34" charset="0"/>
+              </a:rPr>
+              <a:t> </a:t>
+            </a:r>
+            <a:r>
+              <a:rPr lang="es-ES" dirty="0" err="1">
+                <a:latin typeface="Calibri Light" panose="020F0302020204030204" pitchFamily="34" charset="0"/>
+                <a:cs typeface="Calibri Light" panose="020F0302020204030204" pitchFamily="34" charset="0"/>
+              </a:rPr>
+              <a:t>it</a:t>
+            </a:r>
+            <a:r>
+              <a:rPr lang="es-ES" dirty="0">
+                <a:latin typeface="Calibri Light" panose="020F0302020204030204" pitchFamily="34" charset="0"/>
+                <a:cs typeface="Calibri Light" panose="020F0302020204030204" pitchFamily="34" charset="0"/>
+              </a:rPr>
+              <a:t> in </a:t>
+            </a:r>
+            <a:r>
+              <a:rPr lang="es-ES" dirty="0" err="1">
+                <a:latin typeface="Calibri Light" panose="020F0302020204030204" pitchFamily="34" charset="0"/>
+                <a:cs typeface="Calibri Light" panose="020F0302020204030204" pitchFamily="34" charset="0"/>
+              </a:rPr>
+              <a:t>json</a:t>
+            </a:r>
+            <a:r>
+              <a:rPr lang="es-ES" dirty="0">
+                <a:latin typeface="Calibri Light" panose="020F0302020204030204" pitchFamily="34" charset="0"/>
+                <a:cs typeface="Calibri Light" panose="020F0302020204030204" pitchFamily="34" charset="0"/>
+              </a:rPr>
+              <a:t> </a:t>
+            </a:r>
+            <a:r>
+              <a:rPr lang="es-ES" dirty="0" err="1">
+                <a:latin typeface="Calibri Light" panose="020F0302020204030204" pitchFamily="34" charset="0"/>
+                <a:cs typeface="Calibri Light" panose="020F0302020204030204" pitchFamily="34" charset="0"/>
+              </a:rPr>
+              <a:t>format</a:t>
+            </a:r>
+            <a:r>
+              <a:rPr lang="es-ES" dirty="0">
+                <a:latin typeface="Calibri Light" panose="020F0302020204030204" pitchFamily="34" charset="0"/>
+                <a:cs typeface="Calibri Light" panose="020F0302020204030204" pitchFamily="34" charset="0"/>
+              </a:rPr>
+              <a:t>.</a:t>
+            </a:r>
+          </a:p>
+          <a:p>
+            <a:endParaRPr lang="es-ES" dirty="0">
+              <a:latin typeface="Calibri Light" panose="020F0302020204030204" pitchFamily="34" charset="0"/>
+              <a:cs typeface="Calibri Light" panose="020F0302020204030204" pitchFamily="34" charset="0"/>
+            </a:endParaRPr>
+          </a:p>
+          <a:p>
+            <a:endParaRPr lang="en-GB" dirty="0">
+              <a:latin typeface="Calibri Light" panose="020F0302020204030204" pitchFamily="34" charset="0"/>
+              <a:cs typeface="Calibri Light" panose="020F0302020204030204" pitchFamily="34" charset="0"/>
+            </a:endParaRPr>
+          </a:p>
+        </p:txBody>
+      </p:sp>
+    </p:spTree>
+    <p:extLst>
+      <p:ext uri="{BB962C8B-B14F-4D97-AF65-F5344CB8AC3E}">
+        <p14:creationId xmlns:p14="http://schemas.microsoft.com/office/powerpoint/2010/main" val="848837283"/>
+      </p:ext>
+    </p:extLst>
+  </p:cSld>
+  <p:clrMapOvr>
+    <a:masterClrMapping/>
+  </p:clrMapOvr>
+</p:sld>
+</file>
+
+<file path=ppt/slides/slide11.xml><?xml version="1.0" encoding="utf-8"?>
 <p:sld xmlns:a="http://schemas.openxmlformats.org/drawingml/2006/main" xmlns:r="http://schemas.openxmlformats.org/officeDocument/2006/relationships" xmlns:p="http://schemas.openxmlformats.org/presentationml/2006/main">
   <p:cSld>
     <p:spTree>
@@ -24749,10 +25035,171 @@
   <p:clrMapOvr>
     <a:masterClrMapping/>
   </p:clrMapOvr>
+  <p:timing>
+    <p:tnLst>
+      <p:par>
+        <p:cTn id="1" dur="indefinite" restart="never" nodeType="tmRoot">
+          <p:childTnLst>
+            <p:seq concurrent="1" nextAc="seek">
+              <p:cTn id="2" dur="indefinite" nodeType="mainSeq">
+                <p:childTnLst>
+                  <p:par>
+                    <p:cTn id="3" fill="hold">
+                      <p:stCondLst>
+                        <p:cond delay="indefinite"/>
+                      </p:stCondLst>
+                      <p:childTnLst>
+                        <p:par>
+                          <p:cTn id="4" fill="hold">
+                            <p:stCondLst>
+                              <p:cond delay="0"/>
+                            </p:stCondLst>
+                            <p:childTnLst>
+                              <p:par>
+                                <p:cTn id="5" presetID="1" presetClass="entr" presetSubtype="0" fill="hold" grpId="0" nodeType="clickEffect">
+                                  <p:stCondLst>
+                                    <p:cond delay="0"/>
+                                  </p:stCondLst>
+                                  <p:childTnLst>
+                                    <p:set>
+                                      <p:cBhvr>
+                                        <p:cTn id="6" dur="1" fill="hold">
+                                          <p:stCondLst>
+                                            <p:cond delay="0"/>
+                                          </p:stCondLst>
+                                        </p:cTn>
+                                        <p:tgtEl>
+                                          <p:spTgt spid="14"/>
+                                        </p:tgtEl>
+                                        <p:attrNameLst>
+                                          <p:attrName>style.visibility</p:attrName>
+                                        </p:attrNameLst>
+                                      </p:cBhvr>
+                                      <p:to>
+                                        <p:strVal val="visible"/>
+                                      </p:to>
+                                    </p:set>
+                                  </p:childTnLst>
+                                </p:cTn>
+                              </p:par>
+                              <p:par>
+                                <p:cTn id="7" presetID="1" presetClass="entr" presetSubtype="0" fill="hold" nodeType="withEffect">
+                                  <p:stCondLst>
+                                    <p:cond delay="0"/>
+                                  </p:stCondLst>
+                                  <p:childTnLst>
+                                    <p:set>
+                                      <p:cBhvr>
+                                        <p:cTn id="8" dur="1" fill="hold">
+                                          <p:stCondLst>
+                                            <p:cond delay="0"/>
+                                          </p:stCondLst>
+                                        </p:cTn>
+                                        <p:tgtEl>
+                                          <p:spTgt spid="15"/>
+                                        </p:tgtEl>
+                                        <p:attrNameLst>
+                                          <p:attrName>style.visibility</p:attrName>
+                                        </p:attrNameLst>
+                                      </p:cBhvr>
+                                      <p:to>
+                                        <p:strVal val="visible"/>
+                                      </p:to>
+                                    </p:set>
+                                  </p:childTnLst>
+                                </p:cTn>
+                              </p:par>
+                              <p:par>
+                                <p:cTn id="9" presetID="1" presetClass="entr" presetSubtype="0" fill="hold" grpId="0" nodeType="withEffect">
+                                  <p:stCondLst>
+                                    <p:cond delay="0"/>
+                                  </p:stCondLst>
+                                  <p:childTnLst>
+                                    <p:set>
+                                      <p:cBhvr>
+                                        <p:cTn id="10" dur="1" fill="hold">
+                                          <p:stCondLst>
+                                            <p:cond delay="0"/>
+                                          </p:stCondLst>
+                                        </p:cTn>
+                                        <p:tgtEl>
+                                          <p:spTgt spid="18"/>
+                                        </p:tgtEl>
+                                        <p:attrNameLst>
+                                          <p:attrName>style.visibility</p:attrName>
+                                        </p:attrNameLst>
+                                      </p:cBhvr>
+                                      <p:to>
+                                        <p:strVal val="visible"/>
+                                      </p:to>
+                                    </p:set>
+                                  </p:childTnLst>
+                                </p:cTn>
+                              </p:par>
+                              <p:par>
+                                <p:cTn id="11" presetID="1" presetClass="entr" presetSubtype="0" fill="hold" grpId="0" nodeType="withEffect">
+                                  <p:stCondLst>
+                                    <p:cond delay="0"/>
+                                  </p:stCondLst>
+                                  <p:childTnLst>
+                                    <p:set>
+                                      <p:cBhvr>
+                                        <p:cTn id="12" dur="1" fill="hold">
+                                          <p:stCondLst>
+                                            <p:cond delay="0"/>
+                                          </p:stCondLst>
+                                        </p:cTn>
+                                        <p:tgtEl>
+                                          <p:spTgt spid="17"/>
+                                        </p:tgtEl>
+                                        <p:attrNameLst>
+                                          <p:attrName>style.visibility</p:attrName>
+                                        </p:attrNameLst>
+                                      </p:cBhvr>
+                                      <p:to>
+                                        <p:strVal val="visible"/>
+                                      </p:to>
+                                    </p:set>
+                                  </p:childTnLst>
+                                </p:cTn>
+                              </p:par>
+                            </p:childTnLst>
+                          </p:cTn>
+                        </p:par>
+                      </p:childTnLst>
+                    </p:cTn>
+                  </p:par>
+                </p:childTnLst>
+              </p:cTn>
+              <p:prevCondLst>
+                <p:cond evt="onPrev" delay="0">
+                  <p:tgtEl>
+                    <p:sldTgt/>
+                  </p:tgtEl>
+                </p:cond>
+              </p:prevCondLst>
+              <p:nextCondLst>
+                <p:cond evt="onNext" delay="0">
+                  <p:tgtEl>
+                    <p:sldTgt/>
+                  </p:tgtEl>
+                </p:cond>
+              </p:nextCondLst>
+            </p:seq>
+          </p:childTnLst>
+        </p:cTn>
+      </p:par>
+    </p:tnLst>
+    <p:bldLst>
+      <p:bldP spid="14" grpId="0" animBg="1"/>
+      <p:bldP spid="18" grpId="0" animBg="1"/>
+      <p:bldP spid="17" grpId="0" animBg="1"/>
+    </p:bldLst>
+  </p:timing>
 </p:sld>
 </file>
 
-<file path=ppt/slides/slide11.xml><?xml version="1.0" encoding="utf-8"?>
+<file path=ppt/slides/slide12.xml><?xml version="1.0" encoding="utf-8"?>
 <p:sld xmlns:a="http://schemas.openxmlformats.org/drawingml/2006/main" xmlns:r="http://schemas.openxmlformats.org/officeDocument/2006/relationships" xmlns:p="http://schemas.openxmlformats.org/presentationml/2006/main">
   <p:cSld>
     <p:spTree>
@@ -24997,7 +25444,7 @@
 </p:sld>
 </file>
 
-<file path=ppt/slides/slide12.xml><?xml version="1.0" encoding="utf-8"?>
+<file path=ppt/slides/slide13.xml><?xml version="1.0" encoding="utf-8"?>
 <p:sld xmlns:a="http://schemas.openxmlformats.org/drawingml/2006/main" xmlns:r="http://schemas.openxmlformats.org/officeDocument/2006/relationships" xmlns:p="http://schemas.openxmlformats.org/presentationml/2006/main">
   <p:cSld>
     <p:spTree>
@@ -25370,7 +25817,7 @@
 </p:sld>
 </file>
 
-<file path=ppt/slides/slide13.xml><?xml version="1.0" encoding="utf-8"?>
+<file path=ppt/slides/slide14.xml><?xml version="1.0" encoding="utf-8"?>
 <p:sld xmlns:a="http://schemas.openxmlformats.org/drawingml/2006/main" xmlns:r="http://schemas.openxmlformats.org/officeDocument/2006/relationships" xmlns:p="http://schemas.openxmlformats.org/presentationml/2006/main">
   <p:cSld>
     <p:spTree>
@@ -25459,13 +25906,6 @@
             <a:r>
               <a:rPr lang="en-GB" sz="2000" dirty="0"/>
               <a:t>Xtreme Gradient Boosting (XGB)</a:t>
-            </a:r>
-          </a:p>
-          <a:p>
-            <a:pPr algn="ctr"/>
-            <a:r>
-              <a:rPr lang="en-GB" sz="2000" dirty="0"/>
-              <a:t>Extra Trees Classifier</a:t>
             </a:r>
           </a:p>
           <a:p>
@@ -25792,7 +26232,7 @@
                 <a:latin typeface="Calibri Light" panose="020F0302020204030204" pitchFamily="34" charset="0"/>
                 <a:cs typeface="Calibri Light" panose="020F0302020204030204" pitchFamily="34" charset="0"/>
               </a:rPr>
-              <a:t>1</a:t>
+              <a:t>% 1</a:t>
             </a:r>
           </a:p>
           <a:p>
@@ -25802,7 +26242,7 @@
                 <a:latin typeface="Calibri Light" panose="020F0302020204030204" pitchFamily="34" charset="0"/>
                 <a:cs typeface="Calibri Light" panose="020F0302020204030204" pitchFamily="34" charset="0"/>
               </a:rPr>
-              <a:t>X </a:t>
+              <a:t>% X </a:t>
             </a:r>
           </a:p>
           <a:p>
@@ -25812,7 +26252,7 @@
                 <a:latin typeface="Calibri Light" panose="020F0302020204030204" pitchFamily="34" charset="0"/>
                 <a:cs typeface="Calibri Light" panose="020F0302020204030204" pitchFamily="34" charset="0"/>
               </a:rPr>
-              <a:t>2</a:t>
+              <a:t>% 2</a:t>
             </a:r>
           </a:p>
         </p:txBody>
@@ -25866,10 +26306,88 @@
   <p:clrMapOvr>
     <a:masterClrMapping/>
   </p:clrMapOvr>
+  <p:timing>
+    <p:tnLst>
+      <p:par>
+        <p:cTn id="1" dur="indefinite" restart="never" nodeType="tmRoot">
+          <p:childTnLst>
+            <p:seq concurrent="1" nextAc="seek">
+              <p:cTn id="2" dur="indefinite" nodeType="mainSeq">
+                <p:childTnLst>
+                  <p:par>
+                    <p:cTn id="3" fill="hold">
+                      <p:stCondLst>
+                        <p:cond delay="indefinite"/>
+                      </p:stCondLst>
+                      <p:childTnLst>
+                        <p:par>
+                          <p:cTn id="4" fill="hold">
+                            <p:stCondLst>
+                              <p:cond delay="0"/>
+                            </p:stCondLst>
+                            <p:childTnLst>
+                              <p:par>
+                                <p:cTn id="5" presetID="1" presetClass="entr" presetSubtype="0" fill="hold" grpId="0" nodeType="clickEffect">
+                                  <p:stCondLst>
+                                    <p:cond delay="0"/>
+                                  </p:stCondLst>
+                                  <p:childTnLst>
+                                    <p:set>
+                                      <p:cBhvr>
+                                        <p:cTn id="6" dur="1" fill="hold">
+                                          <p:stCondLst>
+                                            <p:cond delay="0"/>
+                                          </p:stCondLst>
+                                        </p:cTn>
+                                        <p:tgtEl>
+                                          <p:spTgt spid="7"/>
+                                        </p:tgtEl>
+                                        <p:attrNameLst>
+                                          <p:attrName>style.visibility</p:attrName>
+                                        </p:attrNameLst>
+                                      </p:cBhvr>
+                                      <p:to>
+                                        <p:strVal val="visible"/>
+                                      </p:to>
+                                    </p:set>
+                                  </p:childTnLst>
+                                </p:cTn>
+                              </p:par>
+                            </p:childTnLst>
+                          </p:cTn>
+                        </p:par>
+                      </p:childTnLst>
+                    </p:cTn>
+                  </p:par>
+                </p:childTnLst>
+              </p:cTn>
+              <p:prevCondLst>
+                <p:cond evt="onPrev" delay="0">
+                  <p:tgtEl>
+                    <p:sldTgt/>
+                  </p:tgtEl>
+                </p:cond>
+              </p:prevCondLst>
+              <p:nextCondLst>
+                <p:cond evt="onNext" delay="0">
+                  <p:tgtEl>
+                    <p:sldTgt/>
+                  </p:tgtEl>
+                </p:cond>
+              </p:nextCondLst>
+            </p:seq>
+          </p:childTnLst>
+        </p:cTn>
+      </p:par>
+    </p:tnLst>
+    <p:bldLst>
+      <p:bldP spid="7" grpId="0"/>
+    </p:bldLst>
+  </p:timing>
 </p:sld>
 </file>
 
-<file path=ppt/slides/slide14.xml><?xml version="1.0" encoding="utf-8"?>
+<file path=ppt/slides/slide15.xml><?xml version="1.0" encoding="utf-8"?>
 <p:sld xmlns:a="http://schemas.openxmlformats.org/drawingml/2006/main" xmlns:r="http://schemas.openxmlformats.org/officeDocument/2006/relationships" xmlns:p="http://schemas.openxmlformats.org/presentationml/2006/main">
   <p:cSld>
     <p:spTree>
@@ -26491,7 +27009,7 @@
 </p:sld>
 </file>
 
-<file path=ppt/slides/slide15.xml><?xml version="1.0" encoding="utf-8"?>
+<file path=ppt/slides/slide16.xml><?xml version="1.0" encoding="utf-8"?>
 <p:sld xmlns:a="http://schemas.openxmlformats.org/drawingml/2006/main" xmlns:r="http://schemas.openxmlformats.org/officeDocument/2006/relationships" xmlns:p="http://schemas.openxmlformats.org/presentationml/2006/main">
   <p:cSld>
     <p:spTree>
@@ -28657,6 +29175,53 @@
           </a:p>
         </p:txBody>
       </p:sp>
+      <p:pic>
+        <p:nvPicPr>
+          <p:cNvPr id="2050" name="Picture 2" descr="https://static.thenounproject.com/png/2372928-200.png">
+            <a:extLst>
+              <a:ext uri="{FF2B5EF4-FFF2-40B4-BE49-F238E27FC236}">
+                <a16:creationId xmlns:a16="http://schemas.microsoft.com/office/drawing/2014/main" id="{F22AB739-C6DE-46B1-9E2A-3AF9C45F7438}"/>
+              </a:ext>
+            </a:extLst>
+          </p:cNvPr>
+          <p:cNvPicPr>
+            <a:picLocks noChangeAspect="1" noChangeArrowheads="1"/>
+          </p:cNvPicPr>
+          <p:nvPr/>
+        </p:nvPicPr>
+        <p:blipFill>
+          <a:blip r:embed="rId11">
+            <a:extLst>
+              <a:ext uri="{28A0092B-C50C-407E-A947-70E740481C1C}">
+                <a14:useLocalDpi xmlns:a14="http://schemas.microsoft.com/office/drawing/2010/main" val="0"/>
+              </a:ext>
+            </a:extLst>
+          </a:blip>
+          <a:srcRect/>
+          <a:stretch>
+            <a:fillRect/>
+          </a:stretch>
+        </p:blipFill>
+        <p:spPr bwMode="auto">
+          <a:xfrm>
+            <a:off x="11016000" y="288000"/>
+            <a:ext cx="838800" cy="838800"/>
+          </a:xfrm>
+          <a:prstGeom prst="rect">
+            <a:avLst/>
+          </a:prstGeom>
+          <a:noFill/>
+          <a:extLst>
+            <a:ext uri="{909E8E84-426E-40DD-AFC4-6F175D3DCCD1}">
+              <a14:hiddenFill xmlns:a14="http://schemas.microsoft.com/office/drawing/2010/main">
+                <a:solidFill>
+                  <a:srgbClr val="FFFFFF"/>
+                </a:solidFill>
+              </a14:hiddenFill>
+            </a:ext>
+          </a:extLst>
+        </p:spPr>
+      </p:pic>
     </p:spTree>
     <p:extLst>
       <p:ext uri="{BB962C8B-B14F-4D97-AF65-F5344CB8AC3E}">
@@ -28670,7 +29235,7 @@
 </p:sld>
 </file>
 
-<file path=ppt/slides/slide16.xml><?xml version="1.0" encoding="utf-8"?>
+<file path=ppt/slides/slide17.xml><?xml version="1.0" encoding="utf-8"?>
 <p:sld xmlns:a="http://schemas.openxmlformats.org/drawingml/2006/main" xmlns:r="http://schemas.openxmlformats.org/officeDocument/2006/relationships" xmlns:p="http://schemas.openxmlformats.org/presentationml/2006/main">
   <p:cSld>
     <p:spTree>
@@ -28736,7 +29301,7 @@
 </p:sld>
 </file>
 
-<file path=ppt/slides/slide17.xml><?xml version="1.0" encoding="utf-8"?>
+<file path=ppt/slides/slide18.xml><?xml version="1.0" encoding="utf-8"?>
 <p:sld xmlns:a="http://schemas.openxmlformats.org/drawingml/2006/main" xmlns:r="http://schemas.openxmlformats.org/officeDocument/2006/relationships" xmlns:p="http://schemas.openxmlformats.org/presentationml/2006/main">
   <p:cSld>
     <p:spTree>
@@ -28808,16 +29373,6 @@
             </a:pPr>
             <a:r>
               <a:rPr lang="en-GB" dirty="0"/>
-              <a:t>Store the WebApp in a cloud service.</a:t>
-            </a:r>
-          </a:p>
-          <a:p>
-            <a:pPr marL="457200" indent="-457200">
-              <a:buFont typeface="+mj-lt"/>
-              <a:buAutoNum type="arabicPeriod"/>
-            </a:pPr>
-            <a:r>
-              <a:rPr lang="en-GB" dirty="0"/>
               <a:t>Automatize processes to access to a new season.</a:t>
             </a:r>
           </a:p>
@@ -28828,7 +29383,7 @@
             </a:pPr>
             <a:r>
               <a:rPr lang="en-GB" dirty="0"/>
-              <a:t>Interface to manage dictionaries.</a:t>
+              <a:t>Interface to manage dictionaries (New Teams)</a:t>
             </a:r>
           </a:p>
           <a:p>
@@ -28861,6 +29416,16 @@
               <a:t>Don’t stop learning but start making money.</a:t>
             </a:r>
           </a:p>
+          <a:p>
+            <a:pPr marL="457200" indent="-457200">
+              <a:buFont typeface="+mj-lt"/>
+              <a:buAutoNum type="arabicPeriod"/>
+            </a:pPr>
+            <a:r>
+              <a:rPr lang="en-GB" dirty="0"/>
+              <a:t>Store the WebApp in a cloud service.</a:t>
+            </a:r>
+          </a:p>
         </p:txBody>
       </p:sp>
     </p:spTree>
@@ -28876,7 +29441,7 @@
 </p:sld>
 </file>
 
-<file path=ppt/slides/slide18.xml><?xml version="1.0" encoding="utf-8"?>
+<file path=ppt/slides/slide19.xml><?xml version="1.0" encoding="utf-8"?>
 <p:sld xmlns:a="http://schemas.openxmlformats.org/drawingml/2006/main" xmlns:r="http://schemas.openxmlformats.org/officeDocument/2006/relationships" xmlns:p="http://schemas.openxmlformats.org/presentationml/2006/main">
   <p:cSld>
     <p:spTree>
@@ -28989,6 +29554,13 @@
           <a:prstGeom prst="rect">
             <a:avLst/>
           </a:prstGeom>
+          <a:ln>
+            <a:solidFill>
+              <a:schemeClr val="bg1">
+                <a:lumMod val="75000"/>
+              </a:schemeClr>
+            </a:solidFill>
+          </a:ln>
         </p:spPr>
       </p:pic>
     </p:spTree>
@@ -29005,6 +29577,73 @@
 </file>
 
 <file path=ppt/slides/slide3.xml><?xml version="1.0" encoding="utf-8"?>
+<p:sld xmlns:a="http://schemas.openxmlformats.org/drawingml/2006/main" xmlns:r="http://schemas.openxmlformats.org/officeDocument/2006/relationships" xmlns:p="http://schemas.openxmlformats.org/presentationml/2006/main">
+  <p:cSld>
+    <p:spTree>
+      <p:nvGrpSpPr>
+        <p:cNvPr id="1" name=""/>
+        <p:cNvGrpSpPr/>
+        <p:nvPr/>
+      </p:nvGrpSpPr>
+      <p:grpSpPr>
+        <a:xfrm>
+          <a:off x="0" y="0"/>
+          <a:ext cx="0" cy="0"/>
+          <a:chOff x="0" y="0"/>
+          <a:chExt cx="0" cy="0"/>
+        </a:xfrm>
+      </p:grpSpPr>
+      <p:pic>
+        <p:nvPicPr>
+          <p:cNvPr id="2" name="Imagen 1">
+            <a:extLst>
+              <a:ext uri="{FF2B5EF4-FFF2-40B4-BE49-F238E27FC236}">
+                <a16:creationId xmlns:a16="http://schemas.microsoft.com/office/drawing/2014/main" id="{0988796A-2A05-4A65-8850-C861747A5600}"/>
+              </a:ext>
+            </a:extLst>
+          </p:cNvPr>
+          <p:cNvPicPr>
+            <a:picLocks noChangeAspect="1"/>
+          </p:cNvPicPr>
+          <p:nvPr/>
+        </p:nvPicPr>
+        <p:blipFill>
+          <a:blip r:embed="rId2"/>
+          <a:stretch>
+            <a:fillRect/>
+          </a:stretch>
+        </p:blipFill>
+        <p:spPr>
+          <a:xfrm>
+            <a:off x="852487" y="504825"/>
+            <a:ext cx="10487025" cy="5848350"/>
+          </a:xfrm>
+          <a:prstGeom prst="rect">
+            <a:avLst/>
+          </a:prstGeom>
+          <a:ln>
+            <a:solidFill>
+              <a:schemeClr val="bg1">
+                <a:lumMod val="75000"/>
+              </a:schemeClr>
+            </a:solidFill>
+          </a:ln>
+        </p:spPr>
+      </p:pic>
+    </p:spTree>
+    <p:extLst>
+      <p:ext uri="{BB962C8B-B14F-4D97-AF65-F5344CB8AC3E}">
+        <p14:creationId xmlns:p14="http://schemas.microsoft.com/office/powerpoint/2010/main" val="4092928448"/>
+      </p:ext>
+    </p:extLst>
+  </p:cSld>
+  <p:clrMapOvr>
+    <a:masterClrMapping/>
+  </p:clrMapOvr>
+</p:sld>
+</file>
+
+<file path=ppt/slides/slide4.xml><?xml version="1.0" encoding="utf-8"?>
 <p:sld xmlns:a="http://schemas.openxmlformats.org/drawingml/2006/main" xmlns:r="http://schemas.openxmlformats.org/officeDocument/2006/relationships" xmlns:p="http://schemas.openxmlformats.org/presentationml/2006/main">
   <p:cSld>
     <p:spTree>
@@ -29537,7 +30176,7 @@
                 <a:latin typeface="+mj-lt"/>
                 <a:cs typeface="Calibri" panose="020F0502020204030204" pitchFamily="34" charset="0"/>
               </a:rPr>
-              <a:t>MAKE MONEY</a:t>
+              <a:t>GET MONEY</a:t>
             </a:r>
           </a:p>
         </p:txBody>
@@ -30456,7 +31095,7 @@
 </p:sld>
 </file>
 
-<file path=ppt/slides/slide4.xml><?xml version="1.0" encoding="utf-8"?>
+<file path=ppt/slides/slide5.xml><?xml version="1.0" encoding="utf-8"?>
 <p:sld xmlns:a="http://schemas.openxmlformats.org/drawingml/2006/main" xmlns:r="http://schemas.openxmlformats.org/officeDocument/2006/relationships" xmlns:p="http://schemas.openxmlformats.org/presentationml/2006/main">
   <p:cSld>
     <p:spTree>
@@ -30496,7 +31135,7 @@
           <a:p>
             <a:r>
               <a:rPr lang="en-GB" dirty="0"/>
-              <a:t>GOAL</a:t>
+              <a:t>PERSONAL GOAL</a:t>
             </a:r>
           </a:p>
         </p:txBody>
@@ -31137,7 +31776,7 @@
 </p:sld>
 </file>
 
-<file path=ppt/slides/slide5.xml><?xml version="1.0" encoding="utf-8"?>
+<file path=ppt/slides/slide6.xml><?xml version="1.0" encoding="utf-8"?>
 <p:sld xmlns:a="http://schemas.openxmlformats.org/drawingml/2006/main" xmlns:r="http://schemas.openxmlformats.org/officeDocument/2006/relationships" xmlns:p="http://schemas.openxmlformats.org/presentationml/2006/main" show="0">
   <p:cSld>
     <p:spTree>
@@ -31285,7 +31924,7 @@
 </p:sld>
 </file>
 
-<file path=ppt/slides/slide6.xml><?xml version="1.0" encoding="utf-8"?>
+<file path=ppt/slides/slide7.xml><?xml version="1.0" encoding="utf-8"?>
 <p:sld xmlns:a="http://schemas.openxmlformats.org/drawingml/2006/main" xmlns:r="http://schemas.openxmlformats.org/officeDocument/2006/relationships" xmlns:p="http://schemas.openxmlformats.org/presentationml/2006/main">
   <p:cSld>
     <p:spTree>
@@ -31325,7 +31964,7 @@
           <a:p>
             <a:r>
               <a:rPr lang="en-GB" dirty="0"/>
-              <a:t>Technologies used</a:t>
+              <a:t>Tools and Technologies used</a:t>
             </a:r>
           </a:p>
         </p:txBody>
@@ -31589,6 +32228,241 @@
           </a:p>
         </p:txBody>
       </p:sp>
+      <p:pic>
+        <p:nvPicPr>
+          <p:cNvPr id="1026" name="Picture 2" descr="Resultat d'imatges de new png">
+            <a:extLst>
+              <a:ext uri="{FF2B5EF4-FFF2-40B4-BE49-F238E27FC236}">
+                <a16:creationId xmlns:a16="http://schemas.microsoft.com/office/drawing/2014/main" id="{971E1226-E598-4E06-BAA8-E1E185CA02DE}"/>
+              </a:ext>
+            </a:extLst>
+          </p:cNvPr>
+          <p:cNvPicPr>
+            <a:picLocks noChangeAspect="1" noChangeArrowheads="1"/>
+          </p:cNvPicPr>
+          <p:nvPr/>
+        </p:nvPicPr>
+        <p:blipFill>
+          <a:blip r:embed="rId3">
+            <a:extLst>
+              <a:ext uri="{28A0092B-C50C-407E-A947-70E740481C1C}">
+                <a14:useLocalDpi xmlns:a14="http://schemas.microsoft.com/office/drawing/2010/main" val="0"/>
+              </a:ext>
+            </a:extLst>
+          </a:blip>
+          <a:srcRect/>
+          <a:stretch>
+            <a:fillRect/>
+          </a:stretch>
+        </p:blipFill>
+        <p:spPr bwMode="auto">
+          <a:xfrm rot="1277430">
+            <a:off x="6244683" y="2886305"/>
+            <a:ext cx="483220" cy="483220"/>
+          </a:xfrm>
+          <a:prstGeom prst="rect">
+            <a:avLst/>
+          </a:prstGeom>
+          <a:noFill/>
+          <a:extLst>
+            <a:ext uri="{909E8E84-426E-40DD-AFC4-6F175D3DCCD1}">
+              <a14:hiddenFill xmlns:a14="http://schemas.microsoft.com/office/drawing/2010/main">
+                <a:solidFill>
+                  <a:srgbClr val="FFFFFF"/>
+                </a:solidFill>
+              </a14:hiddenFill>
+            </a:ext>
+          </a:extLst>
+        </p:spPr>
+      </p:pic>
+      <p:pic>
+        <p:nvPicPr>
+          <p:cNvPr id="10" name="Picture 2" descr="Resultat d'imatges de new png">
+            <a:extLst>
+              <a:ext uri="{FF2B5EF4-FFF2-40B4-BE49-F238E27FC236}">
+                <a16:creationId xmlns:a16="http://schemas.microsoft.com/office/drawing/2014/main" id="{A7CBD498-D834-4038-8F42-5C2E76C06A9D}"/>
+              </a:ext>
+            </a:extLst>
+          </p:cNvPr>
+          <p:cNvPicPr>
+            <a:picLocks noChangeAspect="1" noChangeArrowheads="1"/>
+          </p:cNvPicPr>
+          <p:nvPr/>
+        </p:nvPicPr>
+        <p:blipFill>
+          <a:blip r:embed="rId3">
+            <a:extLst>
+              <a:ext uri="{28A0092B-C50C-407E-A947-70E740481C1C}">
+                <a14:useLocalDpi xmlns:a14="http://schemas.microsoft.com/office/drawing/2010/main" val="0"/>
+              </a:ext>
+            </a:extLst>
+          </a:blip>
+          <a:srcRect/>
+          <a:stretch>
+            <a:fillRect/>
+          </a:stretch>
+        </p:blipFill>
+        <p:spPr bwMode="auto">
+          <a:xfrm rot="1277430">
+            <a:off x="8114370" y="3495904"/>
+            <a:ext cx="483220" cy="483220"/>
+          </a:xfrm>
+          <a:prstGeom prst="rect">
+            <a:avLst/>
+          </a:prstGeom>
+          <a:noFill/>
+          <a:extLst>
+            <a:ext uri="{909E8E84-426E-40DD-AFC4-6F175D3DCCD1}">
+              <a14:hiddenFill xmlns:a14="http://schemas.microsoft.com/office/drawing/2010/main">
+                <a:solidFill>
+                  <a:srgbClr val="FFFFFF"/>
+                </a:solidFill>
+              </a14:hiddenFill>
+            </a:ext>
+          </a:extLst>
+        </p:spPr>
+      </p:pic>
+      <p:pic>
+        <p:nvPicPr>
+          <p:cNvPr id="11" name="Picture 2" descr="Resultat d'imatges de new png">
+            <a:extLst>
+              <a:ext uri="{FF2B5EF4-FFF2-40B4-BE49-F238E27FC236}">
+                <a16:creationId xmlns:a16="http://schemas.microsoft.com/office/drawing/2014/main" id="{6F3E1F55-F02B-4E98-A7F4-387F8485966F}"/>
+              </a:ext>
+            </a:extLst>
+          </p:cNvPr>
+          <p:cNvPicPr>
+            <a:picLocks noChangeAspect="1" noChangeArrowheads="1"/>
+          </p:cNvPicPr>
+          <p:nvPr/>
+        </p:nvPicPr>
+        <p:blipFill>
+          <a:blip r:embed="rId3">
+            <a:extLst>
+              <a:ext uri="{28A0092B-C50C-407E-A947-70E740481C1C}">
+                <a14:useLocalDpi xmlns:a14="http://schemas.microsoft.com/office/drawing/2010/main" val="0"/>
+              </a:ext>
+            </a:extLst>
+          </a:blip>
+          <a:srcRect/>
+          <a:stretch>
+            <a:fillRect/>
+          </a:stretch>
+        </p:blipFill>
+        <p:spPr bwMode="auto">
+          <a:xfrm rot="1277430">
+            <a:off x="8701665" y="4094352"/>
+            <a:ext cx="483220" cy="483220"/>
+          </a:xfrm>
+          <a:prstGeom prst="rect">
+            <a:avLst/>
+          </a:prstGeom>
+          <a:noFill/>
+          <a:extLst>
+            <a:ext uri="{909E8E84-426E-40DD-AFC4-6F175D3DCCD1}">
+              <a14:hiddenFill xmlns:a14="http://schemas.microsoft.com/office/drawing/2010/main">
+                <a:solidFill>
+                  <a:srgbClr val="FFFFFF"/>
+                </a:solidFill>
+              </a14:hiddenFill>
+            </a:ext>
+          </a:extLst>
+        </p:spPr>
+      </p:pic>
+      <p:pic>
+        <p:nvPicPr>
+          <p:cNvPr id="12" name="Picture 2" descr="Resultat d'imatges de new png">
+            <a:extLst>
+              <a:ext uri="{FF2B5EF4-FFF2-40B4-BE49-F238E27FC236}">
+                <a16:creationId xmlns:a16="http://schemas.microsoft.com/office/drawing/2014/main" id="{15D7032D-3220-42BE-A85E-6F8E0444FCEF}"/>
+              </a:ext>
+            </a:extLst>
+          </p:cNvPr>
+          <p:cNvPicPr>
+            <a:picLocks noChangeAspect="1" noChangeArrowheads="1"/>
+          </p:cNvPicPr>
+          <p:nvPr/>
+        </p:nvPicPr>
+        <p:blipFill>
+          <a:blip r:embed="rId3">
+            <a:extLst>
+              <a:ext uri="{28A0092B-C50C-407E-A947-70E740481C1C}">
+                <a14:useLocalDpi xmlns:a14="http://schemas.microsoft.com/office/drawing/2010/main" val="0"/>
+              </a:ext>
+            </a:extLst>
+          </a:blip>
+          <a:srcRect/>
+          <a:stretch>
+            <a:fillRect/>
+          </a:stretch>
+        </p:blipFill>
+        <p:spPr bwMode="auto">
+          <a:xfrm rot="1277430">
+            <a:off x="6493725" y="4741124"/>
+            <a:ext cx="483220" cy="483220"/>
+          </a:xfrm>
+          <a:prstGeom prst="rect">
+            <a:avLst/>
+          </a:prstGeom>
+          <a:noFill/>
+          <a:extLst>
+            <a:ext uri="{909E8E84-426E-40DD-AFC4-6F175D3DCCD1}">
+              <a14:hiddenFill xmlns:a14="http://schemas.microsoft.com/office/drawing/2010/main">
+                <a:solidFill>
+                  <a:srgbClr val="FFFFFF"/>
+                </a:solidFill>
+              </a14:hiddenFill>
+            </a:ext>
+          </a:extLst>
+        </p:spPr>
+      </p:pic>
+      <p:pic>
+        <p:nvPicPr>
+          <p:cNvPr id="13" name="Picture 2" descr="Resultat d'imatges de new png">
+            <a:extLst>
+              <a:ext uri="{FF2B5EF4-FFF2-40B4-BE49-F238E27FC236}">
+                <a16:creationId xmlns:a16="http://schemas.microsoft.com/office/drawing/2014/main" id="{8601EF59-D384-4C4F-A099-065A42C717A2}"/>
+              </a:ext>
+            </a:extLst>
+          </p:cNvPr>
+          <p:cNvPicPr>
+            <a:picLocks noChangeAspect="1" noChangeArrowheads="1"/>
+          </p:cNvPicPr>
+          <p:nvPr/>
+        </p:nvPicPr>
+        <p:blipFill>
+          <a:blip r:embed="rId3">
+            <a:extLst>
+              <a:ext uri="{28A0092B-C50C-407E-A947-70E740481C1C}">
+                <a14:useLocalDpi xmlns:a14="http://schemas.microsoft.com/office/drawing/2010/main" val="0"/>
+              </a:ext>
+            </a:extLst>
+          </a:blip>
+          <a:srcRect/>
+          <a:stretch>
+            <a:fillRect/>
+          </a:stretch>
+        </p:blipFill>
+        <p:spPr bwMode="auto">
+          <a:xfrm rot="1277430">
+            <a:off x="11212039" y="3040615"/>
+            <a:ext cx="483220" cy="483220"/>
+          </a:xfrm>
+          <a:prstGeom prst="rect">
+            <a:avLst/>
+          </a:prstGeom>
+          <a:noFill/>
+          <a:extLst>
+            <a:ext uri="{909E8E84-426E-40DD-AFC4-6F175D3DCCD1}">
+              <a14:hiddenFill xmlns:a14="http://schemas.microsoft.com/office/drawing/2010/main">
+                <a:solidFill>
+                  <a:srgbClr val="FFFFFF"/>
+                </a:solidFill>
+              </a14:hiddenFill>
+            </a:ext>
+          </a:extLst>
+        </p:spPr>
+      </p:pic>
     </p:spTree>
     <p:extLst>
       <p:ext uri="{BB962C8B-B14F-4D97-AF65-F5344CB8AC3E}">
@@ -31599,10 +32473,265 @@
   <p:clrMapOvr>
     <a:masterClrMapping/>
   </p:clrMapOvr>
+  <p:timing>
+    <p:tnLst>
+      <p:par>
+        <p:cTn id="1" dur="indefinite" restart="never" nodeType="tmRoot">
+          <p:childTnLst>
+            <p:seq concurrent="1" nextAc="seek">
+              <p:cTn id="2" dur="indefinite" nodeType="mainSeq">
+                <p:childTnLst>
+                  <p:par>
+                    <p:cTn id="3" fill="hold">
+                      <p:stCondLst>
+                        <p:cond delay="indefinite"/>
+                      </p:stCondLst>
+                      <p:childTnLst>
+                        <p:par>
+                          <p:cTn id="4" fill="hold">
+                            <p:stCondLst>
+                              <p:cond delay="0"/>
+                            </p:stCondLst>
+                            <p:childTnLst>
+                              <p:par>
+                                <p:cTn id="5" presetID="1" presetClass="entr" presetSubtype="0" fill="hold" nodeType="clickEffect">
+                                  <p:stCondLst>
+                                    <p:cond delay="0"/>
+                                  </p:stCondLst>
+                                  <p:childTnLst>
+                                    <p:set>
+                                      <p:cBhvr>
+                                        <p:cTn id="6" dur="1" fill="hold">
+                                          <p:stCondLst>
+                                            <p:cond delay="0"/>
+                                          </p:stCondLst>
+                                        </p:cTn>
+                                        <p:tgtEl>
+                                          <p:spTgt spid="1026"/>
+                                        </p:tgtEl>
+                                        <p:attrNameLst>
+                                          <p:attrName>style.visibility</p:attrName>
+                                        </p:attrNameLst>
+                                      </p:cBhvr>
+                                      <p:to>
+                                        <p:strVal val="visible"/>
+                                      </p:to>
+                                    </p:set>
+                                  </p:childTnLst>
+                                </p:cTn>
+                              </p:par>
+                            </p:childTnLst>
+                          </p:cTn>
+                        </p:par>
+                      </p:childTnLst>
+                    </p:cTn>
+                  </p:par>
+                  <p:par>
+                    <p:cTn id="7" fill="hold">
+                      <p:stCondLst>
+                        <p:cond delay="indefinite"/>
+                      </p:stCondLst>
+                      <p:childTnLst>
+                        <p:par>
+                          <p:cTn id="8" fill="hold">
+                            <p:stCondLst>
+                              <p:cond delay="0"/>
+                            </p:stCondLst>
+                            <p:childTnLst>
+                              <p:par>
+                                <p:cTn id="9" presetID="1" presetClass="entr" presetSubtype="0" fill="hold" nodeType="clickEffect">
+                                  <p:stCondLst>
+                                    <p:cond delay="0"/>
+                                  </p:stCondLst>
+                                  <p:childTnLst>
+                                    <p:set>
+                                      <p:cBhvr>
+                                        <p:cTn id="10" dur="1" fill="hold">
+                                          <p:stCondLst>
+                                            <p:cond delay="0"/>
+                                          </p:stCondLst>
+                                        </p:cTn>
+                                        <p:tgtEl>
+                                          <p:spTgt spid="10"/>
+                                        </p:tgtEl>
+                                        <p:attrNameLst>
+                                          <p:attrName>style.visibility</p:attrName>
+                                        </p:attrNameLst>
+                                      </p:cBhvr>
+                                      <p:to>
+                                        <p:strVal val="visible"/>
+                                      </p:to>
+                                    </p:set>
+                                  </p:childTnLst>
+                                </p:cTn>
+                              </p:par>
+                            </p:childTnLst>
+                          </p:cTn>
+                        </p:par>
+                      </p:childTnLst>
+                    </p:cTn>
+                  </p:par>
+                  <p:par>
+                    <p:cTn id="11" fill="hold">
+                      <p:stCondLst>
+                        <p:cond delay="indefinite"/>
+                      </p:stCondLst>
+                      <p:childTnLst>
+                        <p:par>
+                          <p:cTn id="12" fill="hold">
+                            <p:stCondLst>
+                              <p:cond delay="0"/>
+                            </p:stCondLst>
+                            <p:childTnLst>
+                              <p:par>
+                                <p:cTn id="13" presetID="1" presetClass="entr" presetSubtype="0" fill="hold" nodeType="clickEffect">
+                                  <p:stCondLst>
+                                    <p:cond delay="0"/>
+                                  </p:stCondLst>
+                                  <p:childTnLst>
+                                    <p:set>
+                                      <p:cBhvr>
+                                        <p:cTn id="14" dur="1" fill="hold">
+                                          <p:stCondLst>
+                                            <p:cond delay="0"/>
+                                          </p:stCondLst>
+                                        </p:cTn>
+                                        <p:tgtEl>
+                                          <p:spTgt spid="11"/>
+                                        </p:tgtEl>
+                                        <p:attrNameLst>
+                                          <p:attrName>style.visibility</p:attrName>
+                                        </p:attrNameLst>
+                                      </p:cBhvr>
+                                      <p:to>
+                                        <p:strVal val="visible"/>
+                                      </p:to>
+                                    </p:set>
+                                  </p:childTnLst>
+                                </p:cTn>
+                              </p:par>
+                            </p:childTnLst>
+                          </p:cTn>
+                        </p:par>
+                      </p:childTnLst>
+                    </p:cTn>
+                  </p:par>
+                  <p:par>
+                    <p:cTn id="15" fill="hold">
+                      <p:stCondLst>
+                        <p:cond delay="indefinite"/>
+                      </p:stCondLst>
+                      <p:childTnLst>
+                        <p:par>
+                          <p:cTn id="16" fill="hold">
+                            <p:stCondLst>
+                              <p:cond delay="0"/>
+                            </p:stCondLst>
+                            <p:childTnLst>
+                              <p:par>
+                                <p:cTn id="17" presetID="1" presetClass="entr" presetSubtype="0" fill="hold" nodeType="clickEffect">
+                                  <p:stCondLst>
+                                    <p:cond delay="0"/>
+                                  </p:stCondLst>
+                                  <p:childTnLst>
+                                    <p:set>
+                                      <p:cBhvr>
+                                        <p:cTn id="18" dur="1" fill="hold">
+                                          <p:stCondLst>
+                                            <p:cond delay="0"/>
+                                          </p:stCondLst>
+                                        </p:cTn>
+                                        <p:tgtEl>
+                                          <p:spTgt spid="12"/>
+                                        </p:tgtEl>
+                                        <p:attrNameLst>
+                                          <p:attrName>style.visibility</p:attrName>
+                                        </p:attrNameLst>
+                                      </p:cBhvr>
+                                      <p:to>
+                                        <p:strVal val="visible"/>
+                                      </p:to>
+                                    </p:set>
+                                  </p:childTnLst>
+                                </p:cTn>
+                              </p:par>
+                            </p:childTnLst>
+                          </p:cTn>
+                        </p:par>
+                      </p:childTnLst>
+                    </p:cTn>
+                  </p:par>
+                  <p:par>
+                    <p:cTn id="19" fill="hold">
+                      <p:stCondLst>
+                        <p:cond delay="indefinite"/>
+                      </p:stCondLst>
+                      <p:childTnLst>
+                        <p:par>
+                          <p:cTn id="20" fill="hold">
+                            <p:stCondLst>
+                              <p:cond delay="0"/>
+                            </p:stCondLst>
+                            <p:childTnLst>
+                              <p:par>
+                                <p:cTn id="21" presetID="1" presetClass="entr" presetSubtype="0" fill="hold" nodeType="clickEffect">
+                                  <p:stCondLst>
+                                    <p:cond delay="0"/>
+                                  </p:stCondLst>
+                                  <p:childTnLst>
+                                    <p:set>
+                                      <p:cBhvr>
+                                        <p:cTn id="22" dur="1" fill="hold">
+                                          <p:stCondLst>
+                                            <p:cond delay="0"/>
+                                          </p:stCondLst>
+                                        </p:cTn>
+                                        <p:tgtEl>
+                                          <p:spTgt spid="13"/>
+                                        </p:tgtEl>
+                                        <p:attrNameLst>
+                                          <p:attrName>style.visibility</p:attrName>
+                                        </p:attrNameLst>
+                                      </p:cBhvr>
+                                      <p:to>
+                                        <p:strVal val="visible"/>
+                                      </p:to>
+                                    </p:set>
+                                  </p:childTnLst>
+                                </p:cTn>
+                              </p:par>
+                            </p:childTnLst>
+                          </p:cTn>
+                        </p:par>
+                      </p:childTnLst>
+                    </p:cTn>
+                  </p:par>
+                </p:childTnLst>
+              </p:cTn>
+              <p:prevCondLst>
+                <p:cond evt="onPrev" delay="0">
+                  <p:tgtEl>
+                    <p:sldTgt/>
+                  </p:tgtEl>
+                </p:cond>
+              </p:prevCondLst>
+              <p:nextCondLst>
+                <p:cond evt="onNext" delay="0">
+                  <p:tgtEl>
+                    <p:sldTgt/>
+                  </p:tgtEl>
+                </p:cond>
+              </p:nextCondLst>
+            </p:seq>
+          </p:childTnLst>
+        </p:cTn>
+      </p:par>
+    </p:tnLst>
+  </p:timing>
 </p:sld>
 </file>
 
-<file path=ppt/slides/slide7.xml><?xml version="1.0" encoding="utf-8"?>
+<file path=ppt/slides/slide8.xml><?xml version="1.0" encoding="utf-8"?>
 <p:sld xmlns:a="http://schemas.openxmlformats.org/drawingml/2006/main" xmlns:r="http://schemas.openxmlformats.org/officeDocument/2006/relationships" xmlns:p="http://schemas.openxmlformats.org/presentationml/2006/main">
   <p:cSld>
     <p:spTree>
@@ -31619,46 +32748,888 @@
           <a:chExt cx="0" cy="0"/>
         </a:xfrm>
       </p:grpSpPr>
+      <p:cxnSp>
+        <p:nvCxnSpPr>
+          <p:cNvPr id="6" name="Conector recto 5">
+            <a:extLst>
+              <a:ext uri="{FF2B5EF4-FFF2-40B4-BE49-F238E27FC236}">
+                <a16:creationId xmlns:a16="http://schemas.microsoft.com/office/drawing/2014/main" id="{C1FD77B8-4E4F-497D-A401-F5806459AD06}"/>
+              </a:ext>
+            </a:extLst>
+          </p:cNvPr>
+          <p:cNvCxnSpPr>
+            <a:cxnSpLocks/>
+            <a:stCxn id="13" idx="2"/>
+            <a:endCxn id="5" idx="6"/>
+          </p:cNvCxnSpPr>
+          <p:nvPr/>
+        </p:nvCxnSpPr>
+        <p:spPr>
+          <a:xfrm flipH="1">
+            <a:off x="1918560" y="2228316"/>
+            <a:ext cx="1482269" cy="0"/>
+          </a:xfrm>
+          <a:prstGeom prst="line">
+            <a:avLst/>
+          </a:prstGeom>
+        </p:spPr>
+        <p:style>
+          <a:lnRef idx="1">
+            <a:schemeClr val="accent1"/>
+          </a:lnRef>
+          <a:fillRef idx="0">
+            <a:schemeClr val="accent1"/>
+          </a:fillRef>
+          <a:effectRef idx="0">
+            <a:schemeClr val="accent1"/>
+          </a:effectRef>
+          <a:fontRef idx="minor">
+            <a:schemeClr val="tx1"/>
+          </a:fontRef>
+        </p:style>
+      </p:cxnSp>
+      <p:sp>
+        <p:nvSpPr>
+          <p:cNvPr id="2" name="Título 1">
+            <a:extLst>
+              <a:ext uri="{FF2B5EF4-FFF2-40B4-BE49-F238E27FC236}">
+                <a16:creationId xmlns:a16="http://schemas.microsoft.com/office/drawing/2014/main" id="{BAB067B1-E36C-473D-8BE3-69042EAE72FB}"/>
+              </a:ext>
+            </a:extLst>
+          </p:cNvPr>
+          <p:cNvSpPr>
+            <a:spLocks noGrp="1"/>
+          </p:cNvSpPr>
+          <p:nvPr>
+            <p:ph type="title"/>
+          </p:nvPr>
+        </p:nvSpPr>
+        <p:spPr/>
+        <p:txBody>
+          <a:bodyPr/>
+          <a:lstStyle/>
+          <a:p>
+            <a:r>
+              <a:rPr lang="en-GB" dirty="0"/>
+              <a:t>WORK PROCESS</a:t>
+            </a:r>
+          </a:p>
+        </p:txBody>
+      </p:sp>
       <p:pic>
         <p:nvPicPr>
-          <p:cNvPr id="2" name="Imagen 1">
+          <p:cNvPr id="4102" name="Picture 6" descr="https://static.thenounproject.com/png/2475107-200.png">
             <a:extLst>
               <a:ext uri="{FF2B5EF4-FFF2-40B4-BE49-F238E27FC236}">
-                <a16:creationId xmlns:a16="http://schemas.microsoft.com/office/drawing/2014/main" id="{8FFC7722-957E-4968-B331-03B4539CA210}"/>
+                <a16:creationId xmlns:a16="http://schemas.microsoft.com/office/drawing/2014/main" id="{D7AC1322-8A2A-4BDB-BA9B-63A03A00A3E3}"/>
               </a:ext>
             </a:extLst>
           </p:cNvPr>
           <p:cNvPicPr>
-            <a:picLocks noChangeAspect="1"/>
+            <a:picLocks noChangeAspect="1" noChangeArrowheads="1"/>
           </p:cNvPicPr>
           <p:nvPr/>
         </p:nvPicPr>
-        <p:blipFill rotWithShape="1">
-          <a:blip r:embed="rId2"/>
-          <a:srcRect b="13399"/>
-          <a:stretch/>
+        <p:blipFill>
+          <a:blip r:embed="rId2">
+            <a:extLst>
+              <a:ext uri="{28A0092B-C50C-407E-A947-70E740481C1C}">
+                <a14:useLocalDpi xmlns:a14="http://schemas.microsoft.com/office/drawing/2010/main" val="0"/>
+              </a:ext>
+            </a:extLst>
+          </a:blip>
+          <a:srcRect/>
+          <a:stretch>
+            <a:fillRect/>
+          </a:stretch>
         </p:blipFill>
-        <p:spPr>
+        <p:spPr bwMode="auto">
           <a:xfrm>
-            <a:off x="609600" y="443616"/>
-            <a:ext cx="10972800" cy="5939073"/>
+            <a:off x="7895480" y="3729415"/>
+            <a:ext cx="1152000" cy="1152000"/>
           </a:xfrm>
           <a:prstGeom prst="rect">
             <a:avLst/>
           </a:prstGeom>
+          <a:noFill/>
+          <a:extLst>
+            <a:ext uri="{909E8E84-426E-40DD-AFC4-6F175D3DCCD1}">
+              <a14:hiddenFill xmlns:a14="http://schemas.microsoft.com/office/drawing/2010/main">
+                <a:solidFill>
+                  <a:srgbClr val="FFFFFF"/>
+                </a:solidFill>
+              </a14:hiddenFill>
+            </a:ext>
+          </a:extLst>
+        </p:spPr>
+      </p:pic>
+      <p:pic>
+        <p:nvPicPr>
+          <p:cNvPr id="4104" name="Picture 8" descr="https://static.thenounproject.com/png/1119933-200.png">
+            <a:extLst>
+              <a:ext uri="{FF2B5EF4-FFF2-40B4-BE49-F238E27FC236}">
+                <a16:creationId xmlns:a16="http://schemas.microsoft.com/office/drawing/2014/main" id="{EF2005AA-090C-4432-98DA-48018C2A4627}"/>
+              </a:ext>
+            </a:extLst>
+          </p:cNvPr>
+          <p:cNvPicPr>
+            <a:picLocks noChangeAspect="1" noChangeArrowheads="1"/>
+          </p:cNvPicPr>
+          <p:nvPr/>
+        </p:nvPicPr>
+        <p:blipFill>
+          <a:blip r:embed="rId3">
+            <a:extLst>
+              <a:ext uri="{28A0092B-C50C-407E-A947-70E740481C1C}">
+                <a14:useLocalDpi xmlns:a14="http://schemas.microsoft.com/office/drawing/2010/main" val="0"/>
+              </a:ext>
+            </a:extLst>
+          </a:blip>
+          <a:srcRect/>
+          <a:stretch>
+            <a:fillRect/>
+          </a:stretch>
+        </p:blipFill>
+        <p:spPr bwMode="auto">
+          <a:xfrm>
+            <a:off x="5571278" y="3729415"/>
+            <a:ext cx="1152000" cy="1152000"/>
+          </a:xfrm>
+          <a:prstGeom prst="rect">
+            <a:avLst/>
+          </a:prstGeom>
+          <a:noFill/>
+          <a:extLst>
+            <a:ext uri="{909E8E84-426E-40DD-AFC4-6F175D3DCCD1}">
+              <a14:hiddenFill xmlns:a14="http://schemas.microsoft.com/office/drawing/2010/main">
+                <a:solidFill>
+                  <a:srgbClr val="FFFFFF"/>
+                </a:solidFill>
+              </a14:hiddenFill>
+            </a:ext>
+          </a:extLst>
+        </p:spPr>
+      </p:pic>
+      <p:pic>
+        <p:nvPicPr>
+          <p:cNvPr id="4106" name="Picture 10" descr="https://static.thenounproject.com/png/1743059-200.png">
+            <a:extLst>
+              <a:ext uri="{FF2B5EF4-FFF2-40B4-BE49-F238E27FC236}">
+                <a16:creationId xmlns:a16="http://schemas.microsoft.com/office/drawing/2014/main" id="{4AB05E4B-5035-44DD-9A47-4BD580201C69}"/>
+              </a:ext>
+            </a:extLst>
+          </p:cNvPr>
+          <p:cNvPicPr>
+            <a:picLocks noChangeAspect="1" noChangeArrowheads="1"/>
+          </p:cNvPicPr>
+          <p:nvPr/>
+        </p:nvPicPr>
+        <p:blipFill>
+          <a:blip r:embed="rId4">
+            <a:extLst>
+              <a:ext uri="{28A0092B-C50C-407E-A947-70E740481C1C}">
+                <a14:useLocalDpi xmlns:a14="http://schemas.microsoft.com/office/drawing/2010/main" val="0"/>
+              </a:ext>
+            </a:extLst>
+          </a:blip>
+          <a:srcRect/>
+          <a:stretch>
+            <a:fillRect/>
+          </a:stretch>
+        </p:blipFill>
+        <p:spPr bwMode="auto">
+          <a:xfrm>
+            <a:off x="922874" y="3729415"/>
+            <a:ext cx="1152000" cy="1152000"/>
+          </a:xfrm>
+          <a:prstGeom prst="rect">
+            <a:avLst/>
+          </a:prstGeom>
+          <a:noFill/>
+          <a:extLst>
+            <a:ext uri="{909E8E84-426E-40DD-AFC4-6F175D3DCCD1}">
+              <a14:hiddenFill xmlns:a14="http://schemas.microsoft.com/office/drawing/2010/main">
+                <a:solidFill>
+                  <a:srgbClr val="FFFFFF"/>
+                </a:solidFill>
+              </a14:hiddenFill>
+            </a:ext>
+          </a:extLst>
+        </p:spPr>
+      </p:pic>
+      <p:sp>
+        <p:nvSpPr>
+          <p:cNvPr id="4" name="CuadroTexto 3">
+            <a:extLst>
+              <a:ext uri="{FF2B5EF4-FFF2-40B4-BE49-F238E27FC236}">
+                <a16:creationId xmlns:a16="http://schemas.microsoft.com/office/drawing/2014/main" id="{BEE847BB-D068-45D4-ADBB-15D68DBF2EA8}"/>
+              </a:ext>
+            </a:extLst>
+          </p:cNvPr>
+          <p:cNvSpPr txBox="1"/>
+          <p:nvPr/>
+        </p:nvSpPr>
+        <p:spPr>
+          <a:xfrm>
+            <a:off x="606483" y="2862012"/>
+            <a:ext cx="1782490" cy="400110"/>
+          </a:xfrm>
+          <a:prstGeom prst="rect">
+            <a:avLst/>
+          </a:prstGeom>
+          <a:noFill/>
+        </p:spPr>
+        <p:txBody>
+          <a:bodyPr wrap="square" rtlCol="0">
+            <a:spAutoFit/>
+          </a:bodyPr>
+          <a:lstStyle/>
+          <a:p>
+            <a:pPr algn="ctr"/>
+            <a:r>
+              <a:rPr lang="en-GB" sz="2000" dirty="0">
+                <a:latin typeface="+mj-lt"/>
+                <a:cs typeface="Calibri" panose="020F0502020204030204" pitchFamily="34" charset="0"/>
+              </a:rPr>
+              <a:t>COLLECT DATA</a:t>
+            </a:r>
+          </a:p>
+        </p:txBody>
+      </p:sp>
+      <p:sp>
+        <p:nvSpPr>
+          <p:cNvPr id="10" name="CuadroTexto 9">
+            <a:extLst>
+              <a:ext uri="{FF2B5EF4-FFF2-40B4-BE49-F238E27FC236}">
+                <a16:creationId xmlns:a16="http://schemas.microsoft.com/office/drawing/2014/main" id="{86062B7B-3BE7-48B7-AA3E-FEE5F2913847}"/>
+              </a:ext>
+            </a:extLst>
+          </p:cNvPr>
+          <p:cNvSpPr txBox="1"/>
+          <p:nvPr/>
+        </p:nvSpPr>
+        <p:spPr>
+          <a:xfrm>
+            <a:off x="7578282" y="2862012"/>
+            <a:ext cx="1782490" cy="400110"/>
+          </a:xfrm>
+          <a:prstGeom prst="rect">
+            <a:avLst/>
+          </a:prstGeom>
+          <a:noFill/>
+        </p:spPr>
+        <p:txBody>
+          <a:bodyPr wrap="square" rtlCol="0">
+            <a:spAutoFit/>
+          </a:bodyPr>
+          <a:lstStyle/>
+          <a:p>
+            <a:pPr algn="ctr"/>
+            <a:r>
+              <a:rPr lang="en-GB" sz="2000" dirty="0">
+                <a:latin typeface="+mj-lt"/>
+                <a:cs typeface="Calibri" panose="020F0502020204030204" pitchFamily="34" charset="0"/>
+              </a:rPr>
+              <a:t>GET PROBABILITIES</a:t>
+            </a:r>
+          </a:p>
+        </p:txBody>
+      </p:sp>
+      <p:sp>
+        <p:nvSpPr>
+          <p:cNvPr id="11" name="CuadroTexto 10">
+            <a:extLst>
+              <a:ext uri="{FF2B5EF4-FFF2-40B4-BE49-F238E27FC236}">
+                <a16:creationId xmlns:a16="http://schemas.microsoft.com/office/drawing/2014/main" id="{8B09DBF1-D3C0-49E4-8979-AE4DF913427A}"/>
+              </a:ext>
+            </a:extLst>
+          </p:cNvPr>
+          <p:cNvSpPr txBox="1"/>
+          <p:nvPr/>
+        </p:nvSpPr>
+        <p:spPr>
+          <a:xfrm>
+            <a:off x="5254349" y="2862012"/>
+            <a:ext cx="1782490" cy="400110"/>
+          </a:xfrm>
+          <a:prstGeom prst="rect">
+            <a:avLst/>
+          </a:prstGeom>
+          <a:noFill/>
+        </p:spPr>
+        <p:txBody>
+          <a:bodyPr wrap="square" rtlCol="0">
+            <a:spAutoFit/>
+          </a:bodyPr>
+          <a:lstStyle/>
+          <a:p>
+            <a:pPr algn="ctr"/>
+            <a:r>
+              <a:rPr lang="en-GB" sz="2000" dirty="0">
+                <a:latin typeface="+mj-lt"/>
+                <a:cs typeface="Calibri" panose="020F0502020204030204" pitchFamily="34" charset="0"/>
+              </a:rPr>
+              <a:t>ML MODELS</a:t>
+            </a:r>
+          </a:p>
+        </p:txBody>
+      </p:sp>
+      <p:sp>
+        <p:nvSpPr>
+          <p:cNvPr id="5" name="Elipse 4">
+            <a:extLst>
+              <a:ext uri="{FF2B5EF4-FFF2-40B4-BE49-F238E27FC236}">
+                <a16:creationId xmlns:a16="http://schemas.microsoft.com/office/drawing/2014/main" id="{1BDDF81E-568F-44D8-91CB-39CA25B264A3}"/>
+              </a:ext>
+            </a:extLst>
+          </p:cNvPr>
+          <p:cNvSpPr/>
+          <p:nvPr/>
+        </p:nvSpPr>
+        <p:spPr>
+          <a:xfrm>
+            <a:off x="1076896" y="1828266"/>
+            <a:ext cx="841664" cy="800100"/>
+          </a:xfrm>
+          <a:prstGeom prst="ellipse">
+            <a:avLst/>
+          </a:prstGeom>
           <a:ln>
-            <a:solidFill>
-              <a:schemeClr val="bg1">
-                <a:lumMod val="65000"/>
-              </a:schemeClr>
-            </a:solidFill>
+            <a:noFill/>
           </a:ln>
         </p:spPr>
+        <p:style>
+          <a:lnRef idx="2">
+            <a:schemeClr val="accent1">
+              <a:shade val="50000"/>
+            </a:schemeClr>
+          </a:lnRef>
+          <a:fillRef idx="1">
+            <a:schemeClr val="accent1"/>
+          </a:fillRef>
+          <a:effectRef idx="0">
+            <a:schemeClr val="accent1"/>
+          </a:effectRef>
+          <a:fontRef idx="minor">
+            <a:schemeClr val="lt1"/>
+          </a:fontRef>
+        </p:style>
+        <p:txBody>
+          <a:bodyPr rtlCol="0" anchor="ctr"/>
+          <a:lstStyle/>
+          <a:p>
+            <a:pPr algn="ctr"/>
+            <a:r>
+              <a:rPr lang="en-GB" sz="2400" b="1" dirty="0"/>
+              <a:t>1</a:t>
+            </a:r>
+          </a:p>
+        </p:txBody>
+      </p:sp>
+      <p:sp>
+        <p:nvSpPr>
+          <p:cNvPr id="13" name="Elipse 12">
+            <a:extLst>
+              <a:ext uri="{FF2B5EF4-FFF2-40B4-BE49-F238E27FC236}">
+                <a16:creationId xmlns:a16="http://schemas.microsoft.com/office/drawing/2014/main" id="{7A6940DD-4D7A-4471-BF85-2C1B75ADAEA5}"/>
+              </a:ext>
+            </a:extLst>
+          </p:cNvPr>
+          <p:cNvSpPr/>
+          <p:nvPr/>
+        </p:nvSpPr>
+        <p:spPr>
+          <a:xfrm>
+            <a:off x="3400829" y="1828266"/>
+            <a:ext cx="841664" cy="800100"/>
+          </a:xfrm>
+          <a:prstGeom prst="ellipse">
+            <a:avLst/>
+          </a:prstGeom>
+          <a:ln>
+            <a:noFill/>
+          </a:ln>
+        </p:spPr>
+        <p:style>
+          <a:lnRef idx="2">
+            <a:schemeClr val="accent1">
+              <a:shade val="50000"/>
+            </a:schemeClr>
+          </a:lnRef>
+          <a:fillRef idx="1">
+            <a:schemeClr val="accent1"/>
+          </a:fillRef>
+          <a:effectRef idx="0">
+            <a:schemeClr val="accent1"/>
+          </a:effectRef>
+          <a:fontRef idx="minor">
+            <a:schemeClr val="lt1"/>
+          </a:fontRef>
+        </p:style>
+        <p:txBody>
+          <a:bodyPr rtlCol="0" anchor="ctr"/>
+          <a:lstStyle/>
+          <a:p>
+            <a:pPr algn="ctr"/>
+            <a:r>
+              <a:rPr lang="en-GB" sz="2400" b="1" dirty="0"/>
+              <a:t>2</a:t>
+            </a:r>
+          </a:p>
+        </p:txBody>
+      </p:sp>
+      <p:sp>
+        <p:nvSpPr>
+          <p:cNvPr id="14" name="Elipse 13">
+            <a:extLst>
+              <a:ext uri="{FF2B5EF4-FFF2-40B4-BE49-F238E27FC236}">
+                <a16:creationId xmlns:a16="http://schemas.microsoft.com/office/drawing/2014/main" id="{E7A8454A-65A7-47FE-86C5-FE9ECD26F535}"/>
+              </a:ext>
+            </a:extLst>
+          </p:cNvPr>
+          <p:cNvSpPr/>
+          <p:nvPr/>
+        </p:nvSpPr>
+        <p:spPr>
+          <a:xfrm>
+            <a:off x="5675168" y="1828266"/>
+            <a:ext cx="841664" cy="800100"/>
+          </a:xfrm>
+          <a:prstGeom prst="ellipse">
+            <a:avLst/>
+          </a:prstGeom>
+          <a:ln>
+            <a:noFill/>
+          </a:ln>
+        </p:spPr>
+        <p:style>
+          <a:lnRef idx="2">
+            <a:schemeClr val="accent1">
+              <a:shade val="50000"/>
+            </a:schemeClr>
+          </a:lnRef>
+          <a:fillRef idx="1">
+            <a:schemeClr val="accent1"/>
+          </a:fillRef>
+          <a:effectRef idx="0">
+            <a:schemeClr val="accent1"/>
+          </a:effectRef>
+          <a:fontRef idx="minor">
+            <a:schemeClr val="lt1"/>
+          </a:fontRef>
+        </p:style>
+        <p:txBody>
+          <a:bodyPr rtlCol="0" anchor="ctr"/>
+          <a:lstStyle/>
+          <a:p>
+            <a:pPr algn="ctr"/>
+            <a:r>
+              <a:rPr lang="en-GB" sz="2400" b="1" dirty="0"/>
+              <a:t>3</a:t>
+            </a:r>
+          </a:p>
+        </p:txBody>
+      </p:sp>
+      <p:sp>
+        <p:nvSpPr>
+          <p:cNvPr id="17" name="CuadroTexto 16">
+            <a:extLst>
+              <a:ext uri="{FF2B5EF4-FFF2-40B4-BE49-F238E27FC236}">
+                <a16:creationId xmlns:a16="http://schemas.microsoft.com/office/drawing/2014/main" id="{D5893588-B09A-4829-A6B6-DDC5747EB422}"/>
+              </a:ext>
+            </a:extLst>
+          </p:cNvPr>
+          <p:cNvSpPr txBox="1"/>
+          <p:nvPr/>
+        </p:nvSpPr>
+        <p:spPr>
+          <a:xfrm>
+            <a:off x="9902214" y="2862012"/>
+            <a:ext cx="1782490" cy="400110"/>
+          </a:xfrm>
+          <a:prstGeom prst="rect">
+            <a:avLst/>
+          </a:prstGeom>
+          <a:noFill/>
+        </p:spPr>
+        <p:txBody>
+          <a:bodyPr wrap="square" rtlCol="0">
+            <a:spAutoFit/>
+          </a:bodyPr>
+          <a:lstStyle/>
+          <a:p>
+            <a:pPr algn="ctr"/>
+            <a:r>
+              <a:rPr lang="en-GB" sz="2000" dirty="0">
+                <a:latin typeface="+mj-lt"/>
+                <a:cs typeface="Calibri" panose="020F0502020204030204" pitchFamily="34" charset="0"/>
+              </a:rPr>
+              <a:t>GET MONEY</a:t>
+            </a:r>
+          </a:p>
+        </p:txBody>
+      </p:sp>
+      <p:sp>
+        <p:nvSpPr>
+          <p:cNvPr id="18" name="Elipse 17">
+            <a:extLst>
+              <a:ext uri="{FF2B5EF4-FFF2-40B4-BE49-F238E27FC236}">
+                <a16:creationId xmlns:a16="http://schemas.microsoft.com/office/drawing/2014/main" id="{2FDD42C8-394D-46DC-A5E9-E80689D7F6D1}"/>
+              </a:ext>
+            </a:extLst>
+          </p:cNvPr>
+          <p:cNvSpPr/>
+          <p:nvPr/>
+        </p:nvSpPr>
+        <p:spPr>
+          <a:xfrm>
+            <a:off x="8048695" y="1828266"/>
+            <a:ext cx="841664" cy="800100"/>
+          </a:xfrm>
+          <a:prstGeom prst="ellipse">
+            <a:avLst/>
+          </a:prstGeom>
+          <a:ln>
+            <a:noFill/>
+          </a:ln>
+        </p:spPr>
+        <p:style>
+          <a:lnRef idx="2">
+            <a:schemeClr val="accent1">
+              <a:shade val="50000"/>
+            </a:schemeClr>
+          </a:lnRef>
+          <a:fillRef idx="1">
+            <a:schemeClr val="accent1"/>
+          </a:fillRef>
+          <a:effectRef idx="0">
+            <a:schemeClr val="accent1"/>
+          </a:effectRef>
+          <a:fontRef idx="minor">
+            <a:schemeClr val="lt1"/>
+          </a:fontRef>
+        </p:style>
+        <p:txBody>
+          <a:bodyPr rtlCol="0" anchor="ctr"/>
+          <a:lstStyle/>
+          <a:p>
+            <a:pPr algn="ctr"/>
+            <a:r>
+              <a:rPr lang="en-GB" sz="2400" b="1" dirty="0"/>
+              <a:t>4</a:t>
+            </a:r>
+          </a:p>
+        </p:txBody>
+      </p:sp>
+      <p:pic>
+        <p:nvPicPr>
+          <p:cNvPr id="4110" name="Picture 14" descr="https://static.thenounproject.com/png/12777-200.png">
+            <a:extLst>
+              <a:ext uri="{FF2B5EF4-FFF2-40B4-BE49-F238E27FC236}">
+                <a16:creationId xmlns:a16="http://schemas.microsoft.com/office/drawing/2014/main" id="{077477FC-EB79-4894-8BD2-E342989F9FDA}"/>
+              </a:ext>
+            </a:extLst>
+          </p:cNvPr>
+          <p:cNvPicPr>
+            <a:picLocks noChangeAspect="1" noChangeArrowheads="1"/>
+          </p:cNvPicPr>
+          <p:nvPr/>
+        </p:nvPicPr>
+        <p:blipFill>
+          <a:blip r:embed="rId5">
+            <a:extLst>
+              <a:ext uri="{28A0092B-C50C-407E-A947-70E740481C1C}">
+                <a14:useLocalDpi xmlns:a14="http://schemas.microsoft.com/office/drawing/2010/main" val="0"/>
+              </a:ext>
+            </a:extLst>
+          </a:blip>
+          <a:srcRect/>
+          <a:stretch>
+            <a:fillRect/>
+          </a:stretch>
+        </p:blipFill>
+        <p:spPr bwMode="auto">
+          <a:xfrm>
+            <a:off x="10219682" y="3729415"/>
+            <a:ext cx="1152000" cy="1152000"/>
+          </a:xfrm>
+          <a:prstGeom prst="rect">
+            <a:avLst/>
+          </a:prstGeom>
+          <a:noFill/>
+          <a:extLst>
+            <a:ext uri="{909E8E84-426E-40DD-AFC4-6F175D3DCCD1}">
+              <a14:hiddenFill xmlns:a14="http://schemas.microsoft.com/office/drawing/2010/main">
+                <a:solidFill>
+                  <a:srgbClr val="FFFFFF"/>
+                </a:solidFill>
+              </a14:hiddenFill>
+            </a:ext>
+          </a:extLst>
+        </p:spPr>
       </p:pic>
+      <p:pic>
+        <p:nvPicPr>
+          <p:cNvPr id="1026" name="Picture 2" descr="https://static.thenounproject.com/png/2560083-200.png">
+            <a:extLst>
+              <a:ext uri="{FF2B5EF4-FFF2-40B4-BE49-F238E27FC236}">
+                <a16:creationId xmlns:a16="http://schemas.microsoft.com/office/drawing/2014/main" id="{16495478-505F-4D3D-B61F-63AC79D8C4C2}"/>
+              </a:ext>
+            </a:extLst>
+          </p:cNvPr>
+          <p:cNvPicPr>
+            <a:picLocks noChangeAspect="1" noChangeArrowheads="1"/>
+          </p:cNvPicPr>
+          <p:nvPr/>
+        </p:nvPicPr>
+        <p:blipFill>
+          <a:blip r:embed="rId6">
+            <a:extLst>
+              <a:ext uri="{28A0092B-C50C-407E-A947-70E740481C1C}">
+                <a14:useLocalDpi xmlns:a14="http://schemas.microsoft.com/office/drawing/2010/main" val="0"/>
+              </a:ext>
+            </a:extLst>
+          </a:blip>
+          <a:srcRect/>
+          <a:stretch>
+            <a:fillRect/>
+          </a:stretch>
+        </p:blipFill>
+        <p:spPr bwMode="auto">
+          <a:xfrm>
+            <a:off x="3247076" y="3729415"/>
+            <a:ext cx="1152000" cy="1152000"/>
+          </a:xfrm>
+          <a:prstGeom prst="rect">
+            <a:avLst/>
+          </a:prstGeom>
+          <a:noFill/>
+          <a:extLst>
+            <a:ext uri="{909E8E84-426E-40DD-AFC4-6F175D3DCCD1}">
+              <a14:hiddenFill xmlns:a14="http://schemas.microsoft.com/office/drawing/2010/main">
+                <a:solidFill>
+                  <a:srgbClr val="FFFFFF"/>
+                </a:solidFill>
+              </a14:hiddenFill>
+            </a:ext>
+          </a:extLst>
+        </p:spPr>
+      </p:pic>
+      <p:sp>
+        <p:nvSpPr>
+          <p:cNvPr id="16" name="CuadroTexto 15">
+            <a:extLst>
+              <a:ext uri="{FF2B5EF4-FFF2-40B4-BE49-F238E27FC236}">
+                <a16:creationId xmlns:a16="http://schemas.microsoft.com/office/drawing/2014/main" id="{37192DB7-3CF5-45F0-AA15-2E7AE2C53728}"/>
+              </a:ext>
+            </a:extLst>
+          </p:cNvPr>
+          <p:cNvSpPr txBox="1"/>
+          <p:nvPr/>
+        </p:nvSpPr>
+        <p:spPr>
+          <a:xfrm>
+            <a:off x="2930416" y="2862012"/>
+            <a:ext cx="1782490" cy="400110"/>
+          </a:xfrm>
+          <a:prstGeom prst="rect">
+            <a:avLst/>
+          </a:prstGeom>
+          <a:noFill/>
+        </p:spPr>
+        <p:txBody>
+          <a:bodyPr wrap="square" rtlCol="0">
+            <a:spAutoFit/>
+          </a:bodyPr>
+          <a:lstStyle/>
+          <a:p>
+            <a:pPr algn="ctr"/>
+            <a:r>
+              <a:rPr lang="en-GB" sz="2000" dirty="0">
+                <a:latin typeface="+mj-lt"/>
+                <a:cs typeface="Calibri" panose="020F0502020204030204" pitchFamily="34" charset="0"/>
+              </a:rPr>
+              <a:t>ANALIZE</a:t>
+            </a:r>
+          </a:p>
+        </p:txBody>
+      </p:sp>
+      <p:sp>
+        <p:nvSpPr>
+          <p:cNvPr id="19" name="Elipse 18">
+            <a:extLst>
+              <a:ext uri="{FF2B5EF4-FFF2-40B4-BE49-F238E27FC236}">
+                <a16:creationId xmlns:a16="http://schemas.microsoft.com/office/drawing/2014/main" id="{52CF548C-0026-4E65-AD2E-BAE8FBC49031}"/>
+              </a:ext>
+            </a:extLst>
+          </p:cNvPr>
+          <p:cNvSpPr/>
+          <p:nvPr/>
+        </p:nvSpPr>
+        <p:spPr>
+          <a:xfrm>
+            <a:off x="10372627" y="1828266"/>
+            <a:ext cx="841664" cy="800100"/>
+          </a:xfrm>
+          <a:prstGeom prst="ellipse">
+            <a:avLst/>
+          </a:prstGeom>
+          <a:ln>
+            <a:noFill/>
+          </a:ln>
+        </p:spPr>
+        <p:style>
+          <a:lnRef idx="2">
+            <a:schemeClr val="accent1">
+              <a:shade val="50000"/>
+            </a:schemeClr>
+          </a:lnRef>
+          <a:fillRef idx="1">
+            <a:schemeClr val="accent1"/>
+          </a:fillRef>
+          <a:effectRef idx="0">
+            <a:schemeClr val="accent1"/>
+          </a:effectRef>
+          <a:fontRef idx="minor">
+            <a:schemeClr val="lt1"/>
+          </a:fontRef>
+        </p:style>
+        <p:txBody>
+          <a:bodyPr rtlCol="0" anchor="ctr"/>
+          <a:lstStyle/>
+          <a:p>
+            <a:pPr algn="ctr"/>
+            <a:r>
+              <a:rPr lang="en-GB" sz="2400" b="1" dirty="0"/>
+              <a:t>5</a:t>
+            </a:r>
+          </a:p>
+        </p:txBody>
+      </p:sp>
+      <p:cxnSp>
+        <p:nvCxnSpPr>
+          <p:cNvPr id="22" name="Conector recto 21">
+            <a:extLst>
+              <a:ext uri="{FF2B5EF4-FFF2-40B4-BE49-F238E27FC236}">
+                <a16:creationId xmlns:a16="http://schemas.microsoft.com/office/drawing/2014/main" id="{8F951677-2159-4F15-9DB1-785DF52A4828}"/>
+              </a:ext>
+            </a:extLst>
+          </p:cNvPr>
+          <p:cNvCxnSpPr>
+            <a:cxnSpLocks/>
+            <a:stCxn id="14" idx="2"/>
+            <a:endCxn id="13" idx="6"/>
+          </p:cNvCxnSpPr>
+          <p:nvPr/>
+        </p:nvCxnSpPr>
+        <p:spPr>
+          <a:xfrm flipH="1">
+            <a:off x="4242493" y="2228316"/>
+            <a:ext cx="1432675" cy="0"/>
+          </a:xfrm>
+          <a:prstGeom prst="line">
+            <a:avLst/>
+          </a:prstGeom>
+        </p:spPr>
+        <p:style>
+          <a:lnRef idx="1">
+            <a:schemeClr val="accent1"/>
+          </a:lnRef>
+          <a:fillRef idx="0">
+            <a:schemeClr val="accent1"/>
+          </a:fillRef>
+          <a:effectRef idx="0">
+            <a:schemeClr val="accent1"/>
+          </a:effectRef>
+          <a:fontRef idx="minor">
+            <a:schemeClr val="tx1"/>
+          </a:fontRef>
+        </p:style>
+      </p:cxnSp>
+      <p:cxnSp>
+        <p:nvCxnSpPr>
+          <p:cNvPr id="25" name="Conector recto 24">
+            <a:extLst>
+              <a:ext uri="{FF2B5EF4-FFF2-40B4-BE49-F238E27FC236}">
+                <a16:creationId xmlns:a16="http://schemas.microsoft.com/office/drawing/2014/main" id="{52705492-DFD6-4580-A01A-5893BF0D3BAF}"/>
+              </a:ext>
+            </a:extLst>
+          </p:cNvPr>
+          <p:cNvCxnSpPr>
+            <a:cxnSpLocks/>
+            <a:stCxn id="14" idx="6"/>
+            <a:endCxn id="18" idx="2"/>
+          </p:cNvCxnSpPr>
+          <p:nvPr/>
+        </p:nvCxnSpPr>
+        <p:spPr>
+          <a:xfrm>
+            <a:off x="6516832" y="2228316"/>
+            <a:ext cx="1531863" cy="0"/>
+          </a:xfrm>
+          <a:prstGeom prst="line">
+            <a:avLst/>
+          </a:prstGeom>
+        </p:spPr>
+        <p:style>
+          <a:lnRef idx="1">
+            <a:schemeClr val="accent1"/>
+          </a:lnRef>
+          <a:fillRef idx="0">
+            <a:schemeClr val="accent1"/>
+          </a:fillRef>
+          <a:effectRef idx="0">
+            <a:schemeClr val="accent1"/>
+          </a:effectRef>
+          <a:fontRef idx="minor">
+            <a:schemeClr val="tx1"/>
+          </a:fontRef>
+        </p:style>
+      </p:cxnSp>
+      <p:cxnSp>
+        <p:nvCxnSpPr>
+          <p:cNvPr id="28" name="Conector recto 27">
+            <a:extLst>
+              <a:ext uri="{FF2B5EF4-FFF2-40B4-BE49-F238E27FC236}">
+                <a16:creationId xmlns:a16="http://schemas.microsoft.com/office/drawing/2014/main" id="{F5664EF0-A835-4703-8239-309674796A31}"/>
+              </a:ext>
+            </a:extLst>
+          </p:cNvPr>
+          <p:cNvCxnSpPr>
+            <a:cxnSpLocks/>
+            <a:stCxn id="19" idx="2"/>
+            <a:endCxn id="18" idx="6"/>
+          </p:cNvCxnSpPr>
+          <p:nvPr/>
+        </p:nvCxnSpPr>
+        <p:spPr>
+          <a:xfrm flipH="1">
+            <a:off x="8890359" y="2228316"/>
+            <a:ext cx="1482268" cy="0"/>
+          </a:xfrm>
+          <a:prstGeom prst="line">
+            <a:avLst/>
+          </a:prstGeom>
+        </p:spPr>
+        <p:style>
+          <a:lnRef idx="1">
+            <a:schemeClr val="accent1"/>
+          </a:lnRef>
+          <a:fillRef idx="0">
+            <a:schemeClr val="accent1"/>
+          </a:fillRef>
+          <a:effectRef idx="0">
+            <a:schemeClr val="accent1"/>
+          </a:effectRef>
+          <a:fontRef idx="minor">
+            <a:schemeClr val="tx1"/>
+          </a:fontRef>
+        </p:style>
+      </p:cxnSp>
     </p:spTree>
     <p:extLst>
       <p:ext uri="{BB962C8B-B14F-4D97-AF65-F5344CB8AC3E}">
-        <p14:creationId xmlns:p14="http://schemas.microsoft.com/office/powerpoint/2010/main" val="2054175874"/>
+        <p14:creationId xmlns:p14="http://schemas.microsoft.com/office/powerpoint/2010/main" val="3913936922"/>
       </p:ext>
     </p:extLst>
   </p:cSld>
@@ -31668,7 +33639,7 @@
 </p:sld>
 </file>
 
-<file path=ppt/slides/slide8.xml><?xml version="1.0" encoding="utf-8"?>
+<file path=ppt/slides/slide9.xml><?xml version="1.0" encoding="utf-8"?>
 <p:sld xmlns:a="http://schemas.openxmlformats.org/drawingml/2006/main" xmlns:r="http://schemas.openxmlformats.org/officeDocument/2006/relationships" xmlns:p="http://schemas.openxmlformats.org/presentationml/2006/main">
   <p:cSld>
     <p:spTree>
@@ -32549,8 +34520,8 @@
         </p:nvCxnSpPr>
         <p:spPr>
           <a:xfrm>
-            <a:off x="8042543" y="1362618"/>
-            <a:ext cx="0" cy="5102317"/>
+            <a:off x="8020241" y="1362618"/>
+            <a:ext cx="0" cy="5148000"/>
           </a:xfrm>
           <a:prstGeom prst="line">
             <a:avLst/>
@@ -32866,291 +34837,6 @@
     <p:extLst>
       <p:ext uri="{BB962C8B-B14F-4D97-AF65-F5344CB8AC3E}">
         <p14:creationId xmlns:p14="http://schemas.microsoft.com/office/powerpoint/2010/main" val="2598910444"/>
-      </p:ext>
-    </p:extLst>
-  </p:cSld>
-  <p:clrMapOvr>
-    <a:masterClrMapping/>
-  </p:clrMapOvr>
-</p:sld>
-</file>
-
-<file path=ppt/slides/slide9.xml><?xml version="1.0" encoding="utf-8"?>
-<p:sld xmlns:a="http://schemas.openxmlformats.org/drawingml/2006/main" xmlns:r="http://schemas.openxmlformats.org/officeDocument/2006/relationships" xmlns:p="http://schemas.openxmlformats.org/presentationml/2006/main" show="0">
-  <p:cSld>
-    <p:spTree>
-      <p:nvGrpSpPr>
-        <p:cNvPr id="1" name=""/>
-        <p:cNvGrpSpPr/>
-        <p:nvPr/>
-      </p:nvGrpSpPr>
-      <p:grpSpPr>
-        <a:xfrm>
-          <a:off x="0" y="0"/>
-          <a:ext cx="0" cy="0"/>
-          <a:chOff x="0" y="0"/>
-          <a:chExt cx="0" cy="0"/>
-        </a:xfrm>
-      </p:grpSpPr>
-      <p:sp>
-        <p:nvSpPr>
-          <p:cNvPr id="2" name="Título 1">
-            <a:extLst>
-              <a:ext uri="{FF2B5EF4-FFF2-40B4-BE49-F238E27FC236}">
-                <a16:creationId xmlns:a16="http://schemas.microsoft.com/office/drawing/2014/main" id="{F4453047-2425-4233-8A95-62086D4A0897}"/>
-              </a:ext>
-            </a:extLst>
-          </p:cNvPr>
-          <p:cNvSpPr>
-            <a:spLocks noGrp="1"/>
-          </p:cNvSpPr>
-          <p:nvPr>
-            <p:ph type="title"/>
-          </p:nvPr>
-        </p:nvSpPr>
-        <p:spPr/>
-        <p:txBody>
-          <a:bodyPr/>
-          <a:lstStyle/>
-          <a:p>
-            <a:r>
-              <a:rPr lang="en-GB" dirty="0"/>
-              <a:t>What is an </a:t>
-            </a:r>
-            <a:r>
-              <a:rPr lang="en-GB" dirty="0" err="1"/>
-              <a:t>api</a:t>
-            </a:r>
-            <a:endParaRPr lang="en-GB" dirty="0"/>
-          </a:p>
-        </p:txBody>
-      </p:sp>
-      <p:pic>
-        <p:nvPicPr>
-          <p:cNvPr id="4" name="Imagen 3">
-            <a:extLst>
-              <a:ext uri="{FF2B5EF4-FFF2-40B4-BE49-F238E27FC236}">
-                <a16:creationId xmlns:a16="http://schemas.microsoft.com/office/drawing/2014/main" id="{64790677-F5CF-4CFB-B2D1-7A27B7F95E3F}"/>
-              </a:ext>
-            </a:extLst>
-          </p:cNvPr>
-          <p:cNvPicPr>
-            <a:picLocks noChangeAspect="1"/>
-          </p:cNvPicPr>
-          <p:nvPr/>
-        </p:nvPicPr>
-        <p:blipFill>
-          <a:blip r:embed="rId2"/>
-          <a:stretch>
-            <a:fillRect/>
-          </a:stretch>
-        </p:blipFill>
-        <p:spPr>
-          <a:xfrm>
-            <a:off x="7251826" y="1178832"/>
-            <a:ext cx="1020455" cy="1020455"/>
-          </a:xfrm>
-          <a:prstGeom prst="rect">
-            <a:avLst/>
-          </a:prstGeom>
-        </p:spPr>
-      </p:pic>
-      <p:pic>
-        <p:nvPicPr>
-          <p:cNvPr id="5" name="Imagen 4">
-            <a:extLst>
-              <a:ext uri="{FF2B5EF4-FFF2-40B4-BE49-F238E27FC236}">
-                <a16:creationId xmlns:a16="http://schemas.microsoft.com/office/drawing/2014/main" id="{23ABCD90-0D52-4C21-9095-363534216154}"/>
-              </a:ext>
-            </a:extLst>
-          </p:cNvPr>
-          <p:cNvPicPr>
-            <a:picLocks noChangeAspect="1"/>
-          </p:cNvPicPr>
-          <p:nvPr/>
-        </p:nvPicPr>
-        <p:blipFill rotWithShape="1">
-          <a:blip r:embed="rId3"/>
-          <a:srcRect l="41927" t="12775" r="1413"/>
-          <a:stretch/>
-        </p:blipFill>
-        <p:spPr>
-          <a:xfrm>
-            <a:off x="1010488" y="1220147"/>
-            <a:ext cx="5869075" cy="5646905"/>
-          </a:xfrm>
-          <a:prstGeom prst="rect">
-            <a:avLst/>
-          </a:prstGeom>
-          <a:ln w="6350">
-            <a:solidFill>
-              <a:schemeClr val="bg1">
-                <a:lumMod val="75000"/>
-              </a:schemeClr>
-            </a:solidFill>
-          </a:ln>
-        </p:spPr>
-      </p:pic>
-      <p:sp>
-        <p:nvSpPr>
-          <p:cNvPr id="6" name="CuadroTexto 5">
-            <a:extLst>
-              <a:ext uri="{FF2B5EF4-FFF2-40B4-BE49-F238E27FC236}">
-                <a16:creationId xmlns:a16="http://schemas.microsoft.com/office/drawing/2014/main" id="{A79A607B-F710-468F-8496-7BCC0319AAFD}"/>
-              </a:ext>
-            </a:extLst>
-          </p:cNvPr>
-          <p:cNvSpPr txBox="1"/>
-          <p:nvPr/>
-        </p:nvSpPr>
-        <p:spPr>
-          <a:xfrm>
-            <a:off x="7251826" y="2344848"/>
-            <a:ext cx="3929686" cy="3139321"/>
-          </a:xfrm>
-          <a:prstGeom prst="rect">
-            <a:avLst/>
-          </a:prstGeom>
-          <a:noFill/>
-        </p:spPr>
-        <p:txBody>
-          <a:bodyPr wrap="square" rtlCol="0">
-            <a:spAutoFit/>
-          </a:bodyPr>
-          <a:lstStyle/>
-          <a:p>
-            <a:r>
-              <a:rPr lang="en-US" dirty="0">
-                <a:latin typeface="Calibri Light" panose="020F0302020204030204" pitchFamily="34" charset="0"/>
-                <a:cs typeface="Calibri Light" panose="020F0302020204030204" pitchFamily="34" charset="0"/>
-              </a:rPr>
-              <a:t>API is the acronym for Application Programming Interface, which is a software intermediary that allows two applications to talk to each other. </a:t>
-            </a:r>
-          </a:p>
-          <a:p>
-            <a:endParaRPr lang="en-US" dirty="0">
-              <a:latin typeface="Calibri Light" panose="020F0302020204030204" pitchFamily="34" charset="0"/>
-              <a:cs typeface="Calibri Light" panose="020F0302020204030204" pitchFamily="34" charset="0"/>
-            </a:endParaRPr>
-          </a:p>
-          <a:p>
-            <a:r>
-              <a:rPr lang="en-US" dirty="0">
-                <a:latin typeface="Calibri Light" panose="020F0302020204030204" pitchFamily="34" charset="0"/>
-                <a:cs typeface="Calibri Light" panose="020F0302020204030204" pitchFamily="34" charset="0"/>
-              </a:rPr>
-              <a:t>In this case is the way that </a:t>
-            </a:r>
-            <a:r>
-              <a:rPr lang="en-US" dirty="0" err="1">
-                <a:latin typeface="Calibri Light" panose="020F0302020204030204" pitchFamily="34" charset="0"/>
-                <a:cs typeface="Calibri Light" panose="020F0302020204030204" pitchFamily="34" charset="0"/>
-              </a:rPr>
-              <a:t>Quinielas</a:t>
-            </a:r>
-            <a:r>
-              <a:rPr lang="en-US" dirty="0">
-                <a:latin typeface="Calibri Light" panose="020F0302020204030204" pitchFamily="34" charset="0"/>
-                <a:cs typeface="Calibri Light" panose="020F0302020204030204" pitchFamily="34" charset="0"/>
-              </a:rPr>
-              <a:t> has to access the data stored in </a:t>
-            </a:r>
-            <a:r>
-              <a:rPr lang="es-ES" dirty="0">
-                <a:latin typeface="Calibri Light" panose="020F0302020204030204" pitchFamily="34" charset="0"/>
-                <a:cs typeface="Calibri Light" panose="020F0302020204030204" pitchFamily="34" charset="0"/>
-                <a:hlinkClick r:id="rId4">
-                  <a:extLst>
-                    <a:ext uri="{A12FA001-AC4F-418D-AE19-62706E023703}">
-                      <ahyp:hlinkClr xmlns:ahyp="http://schemas.microsoft.com/office/drawing/2018/hyperlinkcolor" val="tx"/>
-                    </a:ext>
-                  </a:extLst>
-                </a:hlinkClick>
-              </a:rPr>
-              <a:t>https://www.api-football.com</a:t>
-            </a:r>
-            <a:r>
-              <a:rPr lang="es-ES" dirty="0">
-                <a:latin typeface="Calibri Light" panose="020F0302020204030204" pitchFamily="34" charset="0"/>
-                <a:cs typeface="Calibri Light" panose="020F0302020204030204" pitchFamily="34" charset="0"/>
-              </a:rPr>
-              <a:t> and </a:t>
-            </a:r>
-            <a:r>
-              <a:rPr lang="es-ES" dirty="0" err="1">
-                <a:latin typeface="Calibri Light" panose="020F0302020204030204" pitchFamily="34" charset="0"/>
-                <a:cs typeface="Calibri Light" panose="020F0302020204030204" pitchFamily="34" charset="0"/>
-              </a:rPr>
-              <a:t>download</a:t>
-            </a:r>
-            <a:r>
-              <a:rPr lang="es-ES" dirty="0">
-                <a:latin typeface="Calibri Light" panose="020F0302020204030204" pitchFamily="34" charset="0"/>
-                <a:cs typeface="Calibri Light" panose="020F0302020204030204" pitchFamily="34" charset="0"/>
-              </a:rPr>
-              <a:t> </a:t>
-            </a:r>
-            <a:r>
-              <a:rPr lang="es-ES" dirty="0" err="1">
-                <a:latin typeface="Calibri Light" panose="020F0302020204030204" pitchFamily="34" charset="0"/>
-                <a:cs typeface="Calibri Light" panose="020F0302020204030204" pitchFamily="34" charset="0"/>
-              </a:rPr>
-              <a:t>it</a:t>
-            </a:r>
-            <a:r>
-              <a:rPr lang="es-ES" dirty="0">
-                <a:latin typeface="Calibri Light" panose="020F0302020204030204" pitchFamily="34" charset="0"/>
-                <a:cs typeface="Calibri Light" panose="020F0302020204030204" pitchFamily="34" charset="0"/>
-              </a:rPr>
-              <a:t> in </a:t>
-            </a:r>
-            <a:r>
-              <a:rPr lang="es-ES" dirty="0" err="1">
-                <a:latin typeface="Calibri Light" panose="020F0302020204030204" pitchFamily="34" charset="0"/>
-                <a:cs typeface="Calibri Light" panose="020F0302020204030204" pitchFamily="34" charset="0"/>
-              </a:rPr>
-              <a:t>json</a:t>
-            </a:r>
-            <a:r>
-              <a:rPr lang="es-ES" dirty="0">
-                <a:latin typeface="Calibri Light" panose="020F0302020204030204" pitchFamily="34" charset="0"/>
-                <a:cs typeface="Calibri Light" panose="020F0302020204030204" pitchFamily="34" charset="0"/>
-              </a:rPr>
-              <a:t> </a:t>
-            </a:r>
-            <a:r>
-              <a:rPr lang="es-ES" dirty="0" err="1">
-                <a:latin typeface="Calibri Light" panose="020F0302020204030204" pitchFamily="34" charset="0"/>
-                <a:cs typeface="Calibri Light" panose="020F0302020204030204" pitchFamily="34" charset="0"/>
-              </a:rPr>
-              <a:t>format</a:t>
-            </a:r>
-            <a:r>
-              <a:rPr lang="es-ES" dirty="0">
-                <a:latin typeface="Calibri Light" panose="020F0302020204030204" pitchFamily="34" charset="0"/>
-                <a:cs typeface="Calibri Light" panose="020F0302020204030204" pitchFamily="34" charset="0"/>
-              </a:rPr>
-              <a:t>.</a:t>
-            </a:r>
-          </a:p>
-          <a:p>
-            <a:endParaRPr lang="es-ES" dirty="0">
-              <a:latin typeface="Calibri Light" panose="020F0302020204030204" pitchFamily="34" charset="0"/>
-              <a:cs typeface="Calibri Light" panose="020F0302020204030204" pitchFamily="34" charset="0"/>
-            </a:endParaRPr>
-          </a:p>
-          <a:p>
-            <a:endParaRPr lang="en-GB" dirty="0">
-              <a:latin typeface="Calibri Light" panose="020F0302020204030204" pitchFamily="34" charset="0"/>
-              <a:cs typeface="Calibri Light" panose="020F0302020204030204" pitchFamily="34" charset="0"/>
-            </a:endParaRPr>
-          </a:p>
-        </p:txBody>
-      </p:sp>
-    </p:spTree>
-    <p:extLst>
-      <p:ext uri="{BB962C8B-B14F-4D97-AF65-F5344CB8AC3E}">
-        <p14:creationId xmlns:p14="http://schemas.microsoft.com/office/powerpoint/2010/main" val="848837283"/>
       </p:ext>
     </p:extLst>
   </p:cSld>
